--- a/SWING-BY.pptx
+++ b/SWING-BY.pptx
@@ -9,10 +9,10 @@
     <p:sldId id="257" r:id="rId3"/>
     <p:sldId id="258" r:id="rId4"/>
     <p:sldId id="259" r:id="rId5"/>
-    <p:sldId id="263" r:id="rId6"/>
-    <p:sldId id="260" r:id="rId7"/>
-    <p:sldId id="261" r:id="rId8"/>
-    <p:sldId id="262" r:id="rId9"/>
+    <p:sldId id="260" r:id="rId6"/>
+    <p:sldId id="261" r:id="rId7"/>
+    <p:sldId id="262" r:id="rId8"/>
+    <p:sldId id="263" r:id="rId9"/>
   </p:sldIdLst>
   <p:sldSz cx="12192000" cy="6858000"/>
   <p:notesSz cx="6858000" cy="9144000"/>
@@ -119,6 +119,46 @@
 </p:presentation>
 </file>
 
+<file path=ppt/commentAuthors.xml><?xml version="1.0" encoding="utf-8"?>
+<p:cmAuthorLst xmlns:a="http://schemas.openxmlformats.org/drawingml/2006/main" xmlns:r="http://schemas.openxmlformats.org/officeDocument/2006/relationships" xmlns:p="http://schemas.openxmlformats.org/presentationml/2006/main">
+  <p:cmAuthor id="1" name="Administrator" initials="A" lastIdx="2" clrIdx="0">
+    <p:extLst>
+      <p:ext uri="{19B8F6BF-5375-455C-9EA6-DF929625EA0E}">
+        <p15:presenceInfo xmlns:p15="http://schemas.microsoft.com/office/powerpoint/2012/main" userId="Administrator" providerId="None"/>
+      </p:ext>
+    </p:extLst>
+  </p:cmAuthor>
+</p:cmAuthorLst>
+</file>
+
+<file path=ppt/comments/comment1.xml><?xml version="1.0" encoding="utf-8"?>
+<p:cmLst xmlns:a="http://schemas.openxmlformats.org/drawingml/2006/main" xmlns:r="http://schemas.openxmlformats.org/officeDocument/2006/relationships" xmlns:p="http://schemas.openxmlformats.org/presentationml/2006/main">
+  <p:cm authorId="1" dt="2019-06-07T14:13:49.215" idx="1">
+    <p:pos x="10" y="10"/>
+    <p:text/>
+    <p:extLst>
+      <p:ext uri="{C676402C-5697-4E1C-873F-D02D1690AC5C}">
+        <p15:threadingInfo xmlns:p15="http://schemas.microsoft.com/office/powerpoint/2012/main" timeZoneBias="-540"/>
+      </p:ext>
+    </p:extLst>
+  </p:cm>
+</p:cmLst>
+</file>
+
+<file path=ppt/comments/comment2.xml><?xml version="1.0" encoding="utf-8"?>
+<p:cmLst xmlns:a="http://schemas.openxmlformats.org/drawingml/2006/main" xmlns:r="http://schemas.openxmlformats.org/officeDocument/2006/relationships" xmlns:p="http://schemas.openxmlformats.org/presentationml/2006/main">
+  <p:cm authorId="1" dt="2019-06-07T16:25:09.569" idx="2">
+    <p:pos x="10" y="10"/>
+    <p:text/>
+    <p:extLst>
+      <p:ext uri="{C676402C-5697-4E1C-873F-D02D1690AC5C}">
+        <p15:threadingInfo xmlns:p15="http://schemas.microsoft.com/office/powerpoint/2012/main" timeZoneBias="-540"/>
+      </p:ext>
+    </p:extLst>
+  </p:cm>
+</p:cmLst>
+</file>
+
 <file path=ppt/slideLayouts/slideLayout1.xml><?xml version="1.0" encoding="utf-8"?>
 <p:sldLayout xmlns:a="http://schemas.openxmlformats.org/drawingml/2006/main" xmlns:r="http://schemas.openxmlformats.org/officeDocument/2006/relationships" xmlns:p="http://schemas.openxmlformats.org/presentationml/2006/main" type="title" preserve="1">
   <p:cSld name="タイトル スライド">
@@ -349,7 +389,7 @@
             <a:fld id="{B61BEF0D-F0BB-DE4B-95CE-6DB70DBA9567}" type="datetimeFigureOut">
               <a:rPr lang="en-US" dirty="0"/>
               <a:pPr/>
-              <a:t>5/31/2019</a:t>
+              <a:t>6/7/2019</a:t>
             </a:fld>
             <a:endParaRPr lang="en-US" dirty="0"/>
           </a:p>
@@ -680,7 +720,7 @@
             <a:fld id="{B61BEF0D-F0BB-DE4B-95CE-6DB70DBA9567}" type="datetimeFigureOut">
               <a:rPr lang="en-US" dirty="0"/>
               <a:pPr/>
-              <a:t>5/31/2019</a:t>
+              <a:t>6/7/2019</a:t>
             </a:fld>
             <a:endParaRPr lang="en-US" dirty="0"/>
           </a:p>
@@ -955,7 +995,7 @@
             <a:fld id="{B61BEF0D-F0BB-DE4B-95CE-6DB70DBA9567}" type="datetimeFigureOut">
               <a:rPr lang="en-US" dirty="0"/>
               <a:pPr/>
-              <a:t>5/31/2019</a:t>
+              <a:t>6/7/2019</a:t>
             </a:fld>
             <a:endParaRPr lang="en-US" dirty="0"/>
           </a:p>
@@ -1520,7 +1560,7 @@
             <a:fld id="{B61BEF0D-F0BB-DE4B-95CE-6DB70DBA9567}" type="datetimeFigureOut">
               <a:rPr lang="en-US" dirty="0"/>
               <a:pPr/>
-              <a:t>5/31/2019</a:t>
+              <a:t>6/7/2019</a:t>
             </a:fld>
             <a:endParaRPr lang="en-US" dirty="0"/>
           </a:p>
@@ -1795,7 +1835,7 @@
             <a:fld id="{B61BEF0D-F0BB-DE4B-95CE-6DB70DBA9567}" type="datetimeFigureOut">
               <a:rPr lang="en-US" dirty="0"/>
               <a:pPr/>
-              <a:t>5/31/2019</a:t>
+              <a:t>6/7/2019</a:t>
             </a:fld>
             <a:endParaRPr lang="en-US" dirty="0"/>
           </a:p>
@@ -2354,7 +2394,7 @@
             <a:fld id="{B61BEF0D-F0BB-DE4B-95CE-6DB70DBA9567}" type="datetimeFigureOut">
               <a:rPr lang="en-US" dirty="0"/>
               <a:pPr/>
-              <a:t>5/31/2019</a:t>
+              <a:t>6/7/2019</a:t>
             </a:fld>
             <a:endParaRPr lang="en-US" dirty="0"/>
           </a:p>
@@ -2678,7 +2718,7 @@
             <a:fld id="{B61BEF0D-F0BB-DE4B-95CE-6DB70DBA9567}" type="datetimeFigureOut">
               <a:rPr lang="en-US" dirty="0"/>
               <a:pPr/>
-              <a:t>5/31/2019</a:t>
+              <a:t>6/7/2019</a:t>
             </a:fld>
             <a:endParaRPr lang="en-US" dirty="0"/>
           </a:p>
@@ -2884,7 +2924,7 @@
             <a:fld id="{B61BEF0D-F0BB-DE4B-95CE-6DB70DBA9567}" type="datetimeFigureOut">
               <a:rPr lang="en-US" dirty="0"/>
               <a:pPr/>
-              <a:t>5/31/2019</a:t>
+              <a:t>6/7/2019</a:t>
             </a:fld>
             <a:endParaRPr lang="en-US" dirty="0"/>
           </a:p>
@@ -3151,7 +3191,7 @@
             <a:fld id="{B61BEF0D-F0BB-DE4B-95CE-6DB70DBA9567}" type="datetimeFigureOut">
               <a:rPr lang="en-US" dirty="0"/>
               <a:pPr/>
-              <a:t>5/31/2019</a:t>
+              <a:t>6/7/2019</a:t>
             </a:fld>
             <a:endParaRPr lang="en-US" dirty="0"/>
           </a:p>
@@ -3380,7 +3420,7 @@
             <a:fld id="{B61BEF0D-F0BB-DE4B-95CE-6DB70DBA9567}" type="datetimeFigureOut">
               <a:rPr lang="en-US" dirty="0"/>
               <a:pPr/>
-              <a:t>5/31/2019</a:t>
+              <a:t>6/7/2019</a:t>
             </a:fld>
             <a:endParaRPr lang="en-US" dirty="0"/>
           </a:p>
@@ -3653,7 +3693,7 @@
             <a:fld id="{B61BEF0D-F0BB-DE4B-95CE-6DB70DBA9567}" type="datetimeFigureOut">
               <a:rPr lang="en-US" dirty="0"/>
               <a:pPr/>
-              <a:t>5/31/2019</a:t>
+              <a:t>6/7/2019</a:t>
             </a:fld>
             <a:endParaRPr lang="en-US" dirty="0"/>
           </a:p>
@@ -3980,7 +4020,7 @@
             <a:fld id="{B61BEF0D-F0BB-DE4B-95CE-6DB70DBA9567}" type="datetimeFigureOut">
               <a:rPr lang="en-US" dirty="0"/>
               <a:pPr/>
-              <a:t>5/31/2019</a:t>
+              <a:t>6/7/2019</a:t>
             </a:fld>
             <a:endParaRPr lang="en-US" dirty="0"/>
           </a:p>
@@ -4415,7 +4455,7 @@
             <a:fld id="{B61BEF0D-F0BB-DE4B-95CE-6DB70DBA9567}" type="datetimeFigureOut">
               <a:rPr lang="en-US" dirty="0"/>
               <a:pPr/>
-              <a:t>5/31/2019</a:t>
+              <a:t>6/7/2019</a:t>
             </a:fld>
             <a:endParaRPr lang="en-US" dirty="0"/>
           </a:p>
@@ -4560,7 +4600,7 @@
             <a:fld id="{B61BEF0D-F0BB-DE4B-95CE-6DB70DBA9567}" type="datetimeFigureOut">
               <a:rPr lang="en-US" dirty="0"/>
               <a:pPr/>
-              <a:t>5/31/2019</a:t>
+              <a:t>6/7/2019</a:t>
             </a:fld>
             <a:endParaRPr lang="en-US" dirty="0"/>
           </a:p>
@@ -4682,7 +4722,7 @@
             <a:fld id="{B61BEF0D-F0BB-DE4B-95CE-6DB70DBA9567}" type="datetimeFigureOut">
               <a:rPr lang="en-US" dirty="0"/>
               <a:pPr/>
-              <a:t>5/31/2019</a:t>
+              <a:t>6/7/2019</a:t>
             </a:fld>
             <a:endParaRPr lang="en-US" dirty="0"/>
           </a:p>
@@ -4996,7 +5036,7 @@
             <a:fld id="{B61BEF0D-F0BB-DE4B-95CE-6DB70DBA9567}" type="datetimeFigureOut">
               <a:rPr lang="en-US" dirty="0"/>
               <a:pPr/>
-              <a:t>5/31/2019</a:t>
+              <a:t>6/7/2019</a:t>
             </a:fld>
             <a:endParaRPr lang="en-US" dirty="0"/>
           </a:p>
@@ -5317,7 +5357,7 @@
             <a:fld id="{B61BEF0D-F0BB-DE4B-95CE-6DB70DBA9567}" type="datetimeFigureOut">
               <a:rPr lang="en-US" dirty="0"/>
               <a:pPr/>
-              <a:t>5/31/2019</a:t>
+              <a:t>6/7/2019</a:t>
             </a:fld>
             <a:endParaRPr lang="en-US" dirty="0"/>
           </a:p>
@@ -5560,7 +5600,7 @@
             <a:fld id="{B61BEF0D-F0BB-DE4B-95CE-6DB70DBA9567}" type="datetimeFigureOut">
               <a:rPr lang="en-US" dirty="0"/>
               <a:pPr/>
-              <a:t>5/31/2019</a:t>
+              <a:t>6/7/2019</a:t>
             </a:fld>
             <a:endParaRPr lang="en-US" dirty="0"/>
           </a:p>
@@ -6091,7 +6131,7 @@
         </p:blipFill>
         <p:spPr>
           <a:xfrm>
-            <a:off x="3271520" y="4401522"/>
+            <a:off x="3183597" y="4401522"/>
             <a:ext cx="5628640" cy="2456478"/>
           </a:xfrm>
           <a:prstGeom prst="rect">
@@ -6139,7 +6179,6 @@
               <a:rPr kumimoji="1" lang="en-US" altLang="ja-JP" sz="2400" dirty="0" smtClean="0"/>
               <a:t>NASU</a:t>
             </a:r>
-            <a:endParaRPr kumimoji="1" lang="en-US" altLang="ja-JP" sz="2400" dirty="0" smtClean="0"/>
           </a:p>
           <a:p>
             <a:r>
@@ -6218,8 +6257,8 @@
         </p:blipFill>
         <p:spPr>
           <a:xfrm>
-            <a:off x="3782059" y="-777704"/>
-            <a:ext cx="4607561" cy="8191218"/>
+            <a:off x="3183597" y="-1271034"/>
+            <a:ext cx="5928656" cy="10539831"/>
           </a:xfrm>
           <a:prstGeom prst="rect">
             <a:avLst/>
@@ -6248,7 +6287,7 @@
         </p:blipFill>
         <p:spPr>
           <a:xfrm rot="19784156">
-            <a:off x="4354798" y="3640234"/>
+            <a:off x="4389967" y="3640234"/>
             <a:ext cx="717296" cy="717296"/>
           </a:xfrm>
           <a:prstGeom prst="rect">
@@ -6298,7 +6337,7 @@
   </p:clrMapOvr>
   <mc:AlternateContent xmlns:mc="http://schemas.openxmlformats.org/markup-compatibility/2006">
     <mc:Choice xmlns:p14="http://schemas.microsoft.com/office/powerpoint/2010/main" Requires="p14">
-      <p:transition p14:dur="0"/>
+      <p:transition p14:dur="10"/>
     </mc:Choice>
     <mc:Fallback>
       <p:transition/>
@@ -6307,502 +6346,7 @@
   <p:timing>
     <p:tnLst>
       <p:par>
-        <p:cTn id="1" dur="indefinite" restart="never" nodeType="tmRoot">
-          <p:childTnLst>
-            <p:seq concurrent="1" nextAc="seek">
-              <p:cTn id="2" dur="indefinite" nodeType="mainSeq">
-                <p:childTnLst>
-                  <p:par>
-                    <p:cTn id="3" fill="hold">
-                      <p:stCondLst>
-                        <p:cond delay="indefinite"/>
-                      </p:stCondLst>
-                      <p:childTnLst>
-                        <p:par>
-                          <p:cTn id="4" fill="hold">
-                            <p:stCondLst>
-                              <p:cond delay="0"/>
-                            </p:stCondLst>
-                            <p:childTnLst>
-                              <p:par>
-                                <p:cTn id="5" presetID="6" presetClass="entr" presetSubtype="16" fill="hold" nodeType="clickEffect">
-                                  <p:stCondLst>
-                                    <p:cond delay="0"/>
-                                  </p:stCondLst>
-                                  <p:childTnLst>
-                                    <p:set>
-                                      <p:cBhvr>
-                                        <p:cTn id="6" dur="1" fill="hold">
-                                          <p:stCondLst>
-                                            <p:cond delay="0"/>
-                                          </p:stCondLst>
-                                        </p:cTn>
-                                        <p:tgtEl>
-                                          <p:spTgt spid="5"/>
-                                        </p:tgtEl>
-                                        <p:attrNameLst>
-                                          <p:attrName>style.visibility</p:attrName>
-                                        </p:attrNameLst>
-                                      </p:cBhvr>
-                                      <p:to>
-                                        <p:strVal val="visible"/>
-                                      </p:to>
-                                    </p:set>
-                                    <p:animEffect transition="in" filter="circle(in)">
-                                      <p:cBhvr>
-                                        <p:cTn id="7" dur="2000"/>
-                                        <p:tgtEl>
-                                          <p:spTgt spid="5"/>
-                                        </p:tgtEl>
-                                      </p:cBhvr>
-                                    </p:animEffect>
-                                  </p:childTnLst>
-                                </p:cTn>
-                              </p:par>
-                            </p:childTnLst>
-                          </p:cTn>
-                        </p:par>
-                      </p:childTnLst>
-                    </p:cTn>
-                  </p:par>
-                  <p:par>
-                    <p:cTn id="8" fill="hold">
-                      <p:stCondLst>
-                        <p:cond delay="indefinite"/>
-                      </p:stCondLst>
-                      <p:childTnLst>
-                        <p:par>
-                          <p:cTn id="9" fill="hold">
-                            <p:stCondLst>
-                              <p:cond delay="0"/>
-                            </p:stCondLst>
-                            <p:childTnLst>
-                              <p:par>
-                                <p:cTn id="10" presetID="45" presetClass="entr" presetSubtype="0" fill="hold" nodeType="clickEffect">
-                                  <p:stCondLst>
-                                    <p:cond delay="0"/>
-                                  </p:stCondLst>
-                                  <p:childTnLst>
-                                    <p:set>
-                                      <p:cBhvr>
-                                        <p:cTn id="11" dur="1" fill="hold">
-                                          <p:stCondLst>
-                                            <p:cond delay="0"/>
-                                          </p:stCondLst>
-                                        </p:cTn>
-                                        <p:tgtEl>
-                                          <p:spTgt spid="14"/>
-                                        </p:tgtEl>
-                                        <p:attrNameLst>
-                                          <p:attrName>style.visibility</p:attrName>
-                                        </p:attrNameLst>
-                                      </p:cBhvr>
-                                      <p:to>
-                                        <p:strVal val="visible"/>
-                                      </p:to>
-                                    </p:set>
-                                    <p:animEffect transition="in" filter="fade">
-                                      <p:cBhvr>
-                                        <p:cTn id="12" dur="2000"/>
-                                        <p:tgtEl>
-                                          <p:spTgt spid="14"/>
-                                        </p:tgtEl>
-                                      </p:cBhvr>
-                                    </p:animEffect>
-                                    <p:anim calcmode="lin" valueType="num">
-                                      <p:cBhvr>
-                                        <p:cTn id="13" dur="2000" fill="hold"/>
-                                        <p:tgtEl>
-                                          <p:spTgt spid="14"/>
-                                        </p:tgtEl>
-                                        <p:attrNameLst>
-                                          <p:attrName>ppt_w</p:attrName>
-                                        </p:attrNameLst>
-                                      </p:cBhvr>
-                                      <p:tavLst>
-                                        <p:tav tm="0" fmla="#ppt_w*sin(2.5*pi*$)">
-                                          <p:val>
-                                            <p:fltVal val="0"/>
-                                          </p:val>
-                                        </p:tav>
-                                        <p:tav tm="100000">
-                                          <p:val>
-                                            <p:fltVal val="1"/>
-                                          </p:val>
-                                        </p:tav>
-                                      </p:tavLst>
-                                    </p:anim>
-                                    <p:anim calcmode="lin" valueType="num">
-                                      <p:cBhvr>
-                                        <p:cTn id="14" dur="2000" fill="hold"/>
-                                        <p:tgtEl>
-                                          <p:spTgt spid="14"/>
-                                        </p:tgtEl>
-                                        <p:attrNameLst>
-                                          <p:attrName>ppt_h</p:attrName>
-                                        </p:attrNameLst>
-                                      </p:cBhvr>
-                                      <p:tavLst>
-                                        <p:tav tm="0">
-                                          <p:val>
-                                            <p:strVal val="#ppt_h"/>
-                                          </p:val>
-                                        </p:tav>
-                                        <p:tav tm="100000">
-                                          <p:val>
-                                            <p:strVal val="#ppt_h"/>
-                                          </p:val>
-                                        </p:tav>
-                                      </p:tavLst>
-                                    </p:anim>
-                                  </p:childTnLst>
-                                </p:cTn>
-                              </p:par>
-                            </p:childTnLst>
-                          </p:cTn>
-                        </p:par>
-                      </p:childTnLst>
-                    </p:cTn>
-                  </p:par>
-                  <p:par>
-                    <p:cTn id="15" fill="hold">
-                      <p:stCondLst>
-                        <p:cond delay="indefinite"/>
-                      </p:stCondLst>
-                      <p:childTnLst>
-                        <p:par>
-                          <p:cTn id="16" fill="hold">
-                            <p:stCondLst>
-                              <p:cond delay="0"/>
-                            </p:stCondLst>
-                            <p:childTnLst>
-                              <p:par>
-                                <p:cTn id="17" presetID="42" presetClass="entr" presetSubtype="0" fill="hold" nodeType="clickEffect">
-                                  <p:stCondLst>
-                                    <p:cond delay="0"/>
-                                  </p:stCondLst>
-                                  <p:childTnLst>
-                                    <p:set>
-                                      <p:cBhvr>
-                                        <p:cTn id="18" dur="1" fill="hold">
-                                          <p:stCondLst>
-                                            <p:cond delay="0"/>
-                                          </p:stCondLst>
-                                        </p:cTn>
-                                        <p:tgtEl>
-                                          <p:spTgt spid="17"/>
-                                        </p:tgtEl>
-                                        <p:attrNameLst>
-                                          <p:attrName>style.visibility</p:attrName>
-                                        </p:attrNameLst>
-                                      </p:cBhvr>
-                                      <p:to>
-                                        <p:strVal val="visible"/>
-                                      </p:to>
-                                    </p:set>
-                                    <p:animEffect transition="in" filter="fade">
-                                      <p:cBhvr>
-                                        <p:cTn id="19" dur="1000"/>
-                                        <p:tgtEl>
-                                          <p:spTgt spid="17"/>
-                                        </p:tgtEl>
-                                      </p:cBhvr>
-                                    </p:animEffect>
-                                    <p:anim calcmode="lin" valueType="num">
-                                      <p:cBhvr>
-                                        <p:cTn id="20" dur="1000" fill="hold"/>
-                                        <p:tgtEl>
-                                          <p:spTgt spid="17"/>
-                                        </p:tgtEl>
-                                        <p:attrNameLst>
-                                          <p:attrName>ppt_x</p:attrName>
-                                        </p:attrNameLst>
-                                      </p:cBhvr>
-                                      <p:tavLst>
-                                        <p:tav tm="0">
-                                          <p:val>
-                                            <p:strVal val="#ppt_x"/>
-                                          </p:val>
-                                        </p:tav>
-                                        <p:tav tm="100000">
-                                          <p:val>
-                                            <p:strVal val="#ppt_x"/>
-                                          </p:val>
-                                        </p:tav>
-                                      </p:tavLst>
-                                    </p:anim>
-                                    <p:anim calcmode="lin" valueType="num">
-                                      <p:cBhvr>
-                                        <p:cTn id="21" dur="1000" fill="hold"/>
-                                        <p:tgtEl>
-                                          <p:spTgt spid="17"/>
-                                        </p:tgtEl>
-                                        <p:attrNameLst>
-                                          <p:attrName>ppt_y</p:attrName>
-                                        </p:attrNameLst>
-                                      </p:cBhvr>
-                                      <p:tavLst>
-                                        <p:tav tm="0">
-                                          <p:val>
-                                            <p:strVal val="#ppt_y+.1"/>
-                                          </p:val>
-                                        </p:tav>
-                                        <p:tav tm="100000">
-                                          <p:val>
-                                            <p:strVal val="#ppt_y"/>
-                                          </p:val>
-                                        </p:tav>
-                                      </p:tavLst>
-                                    </p:anim>
-                                  </p:childTnLst>
-                                </p:cTn>
-                              </p:par>
-                            </p:childTnLst>
-                          </p:cTn>
-                        </p:par>
-                      </p:childTnLst>
-                    </p:cTn>
-                  </p:par>
-                  <p:par>
-                    <p:cTn id="22" fill="hold">
-                      <p:stCondLst>
-                        <p:cond delay="indefinite"/>
-                      </p:stCondLst>
-                      <p:childTnLst>
-                        <p:par>
-                          <p:cTn id="23" fill="hold">
-                            <p:stCondLst>
-                              <p:cond delay="0"/>
-                            </p:stCondLst>
-                            <p:childTnLst>
-                              <p:par>
-                                <p:cTn id="24" presetID="42" presetClass="entr" presetSubtype="0" fill="hold" nodeType="clickEffect">
-                                  <p:stCondLst>
-                                    <p:cond delay="0"/>
-                                  </p:stCondLst>
-                                  <p:childTnLst>
-                                    <p:set>
-                                      <p:cBhvr>
-                                        <p:cTn id="25" dur="1" fill="hold">
-                                          <p:stCondLst>
-                                            <p:cond delay="0"/>
-                                          </p:stCondLst>
-                                        </p:cTn>
-                                        <p:tgtEl>
-                                          <p:spTgt spid="18"/>
-                                        </p:tgtEl>
-                                        <p:attrNameLst>
-                                          <p:attrName>style.visibility</p:attrName>
-                                        </p:attrNameLst>
-                                      </p:cBhvr>
-                                      <p:to>
-                                        <p:strVal val="visible"/>
-                                      </p:to>
-                                    </p:set>
-                                    <p:animEffect transition="in" filter="fade">
-                                      <p:cBhvr>
-                                        <p:cTn id="26" dur="1000"/>
-                                        <p:tgtEl>
-                                          <p:spTgt spid="18"/>
-                                        </p:tgtEl>
-                                      </p:cBhvr>
-                                    </p:animEffect>
-                                    <p:anim calcmode="lin" valueType="num">
-                                      <p:cBhvr>
-                                        <p:cTn id="27" dur="1000" fill="hold"/>
-                                        <p:tgtEl>
-                                          <p:spTgt spid="18"/>
-                                        </p:tgtEl>
-                                        <p:attrNameLst>
-                                          <p:attrName>ppt_x</p:attrName>
-                                        </p:attrNameLst>
-                                      </p:cBhvr>
-                                      <p:tavLst>
-                                        <p:tav tm="0">
-                                          <p:val>
-                                            <p:strVal val="#ppt_x"/>
-                                          </p:val>
-                                        </p:tav>
-                                        <p:tav tm="100000">
-                                          <p:val>
-                                            <p:strVal val="#ppt_x"/>
-                                          </p:val>
-                                        </p:tav>
-                                      </p:tavLst>
-                                    </p:anim>
-                                    <p:anim calcmode="lin" valueType="num">
-                                      <p:cBhvr>
-                                        <p:cTn id="28" dur="1000" fill="hold"/>
-                                        <p:tgtEl>
-                                          <p:spTgt spid="18"/>
-                                        </p:tgtEl>
-                                        <p:attrNameLst>
-                                          <p:attrName>ppt_y</p:attrName>
-                                        </p:attrNameLst>
-                                      </p:cBhvr>
-                                      <p:tavLst>
-                                        <p:tav tm="0">
-                                          <p:val>
-                                            <p:strVal val="#ppt_y+.1"/>
-                                          </p:val>
-                                        </p:tav>
-                                        <p:tav tm="100000">
-                                          <p:val>
-                                            <p:strVal val="#ppt_y"/>
-                                          </p:val>
-                                        </p:tav>
-                                      </p:tavLst>
-                                    </p:anim>
-                                  </p:childTnLst>
-                                </p:cTn>
-                              </p:par>
-                            </p:childTnLst>
-                          </p:cTn>
-                        </p:par>
-                      </p:childTnLst>
-                    </p:cTn>
-                  </p:par>
-                  <p:par>
-                    <p:cTn id="29" fill="hold">
-                      <p:stCondLst>
-                        <p:cond delay="indefinite"/>
-                      </p:stCondLst>
-                      <p:childTnLst>
-                        <p:par>
-                          <p:cTn id="30" fill="hold">
-                            <p:stCondLst>
-                              <p:cond delay="0"/>
-                            </p:stCondLst>
-                            <p:childTnLst>
-                              <p:par>
-                                <p:cTn id="31" presetID="26" presetClass="emph" presetSubtype="0" fill="hold" nodeType="clickEffect">
-                                  <p:stCondLst>
-                                    <p:cond delay="0"/>
-                                  </p:stCondLst>
-                                  <p:childTnLst>
-                                    <p:animEffect transition="out" filter="fade">
-                                      <p:cBhvr>
-                                        <p:cTn id="32" dur="500" tmFilter="0, 0; .2, .5; .8, .5; 1, 0"/>
-                                        <p:tgtEl>
-                                          <p:spTgt spid="14"/>
-                                        </p:tgtEl>
-                                      </p:cBhvr>
-                                    </p:animEffect>
-                                    <p:animScale>
-                                      <p:cBhvr>
-                                        <p:cTn id="33" dur="250" autoRev="1" fill="hold"/>
-                                        <p:tgtEl>
-                                          <p:spTgt spid="14"/>
-                                        </p:tgtEl>
-                                      </p:cBhvr>
-                                      <p:by x="105000" y="105000"/>
-                                    </p:animScale>
-                                  </p:childTnLst>
-                                </p:cTn>
-                              </p:par>
-                              <p:par>
-                                <p:cTn id="34" presetID="26" presetClass="emph" presetSubtype="0" fill="hold" nodeType="withEffect">
-                                  <p:stCondLst>
-                                    <p:cond delay="0"/>
-                                  </p:stCondLst>
-                                  <p:childTnLst>
-                                    <p:animEffect transition="out" filter="fade">
-                                      <p:cBhvr>
-                                        <p:cTn id="35" dur="500" tmFilter="0, 0; .2, .5; .8, .5; 1, 0"/>
-                                        <p:tgtEl>
-                                          <p:spTgt spid="17"/>
-                                        </p:tgtEl>
-                                      </p:cBhvr>
-                                    </p:animEffect>
-                                    <p:animScale>
-                                      <p:cBhvr>
-                                        <p:cTn id="36" dur="250" autoRev="1" fill="hold"/>
-                                        <p:tgtEl>
-                                          <p:spTgt spid="17"/>
-                                        </p:tgtEl>
-                                      </p:cBhvr>
-                                      <p:by x="105000" y="105000"/>
-                                    </p:animScale>
-                                  </p:childTnLst>
-                                </p:cTn>
-                              </p:par>
-                              <p:par>
-                                <p:cTn id="37" presetID="26" presetClass="emph" presetSubtype="0" fill="hold" nodeType="withEffect">
-                                  <p:stCondLst>
-                                    <p:cond delay="0"/>
-                                  </p:stCondLst>
-                                  <p:childTnLst>
-                                    <p:animEffect transition="out" filter="fade">
-                                      <p:cBhvr>
-                                        <p:cTn id="38" dur="500" tmFilter="0, 0; .2, .5; .8, .5; 1, 0"/>
-                                        <p:tgtEl>
-                                          <p:spTgt spid="18"/>
-                                        </p:tgtEl>
-                                      </p:cBhvr>
-                                    </p:animEffect>
-                                    <p:animScale>
-                                      <p:cBhvr>
-                                        <p:cTn id="39" dur="250" autoRev="1" fill="hold"/>
-                                        <p:tgtEl>
-                                          <p:spTgt spid="18"/>
-                                        </p:tgtEl>
-                                      </p:cBhvr>
-                                      <p:by x="105000" y="105000"/>
-                                    </p:animScale>
-                                  </p:childTnLst>
-                                </p:cTn>
-                              </p:par>
-                              <p:par>
-                                <p:cTn id="40" presetID="26" presetClass="emph" presetSubtype="0" fill="hold" nodeType="withEffect">
-                                  <p:stCondLst>
-                                    <p:cond delay="0"/>
-                                  </p:stCondLst>
-                                  <p:childTnLst>
-                                    <p:animEffect transition="out" filter="fade">
-                                      <p:cBhvr>
-                                        <p:cTn id="41" dur="500" tmFilter="0, 0; .2, .5; .8, .5; 1, 0"/>
-                                        <p:tgtEl>
-                                          <p:spTgt spid="16"/>
-                                        </p:tgtEl>
-                                      </p:cBhvr>
-                                    </p:animEffect>
-                                    <p:animScale>
-                                      <p:cBhvr>
-                                        <p:cTn id="42" dur="250" autoRev="1" fill="hold"/>
-                                        <p:tgtEl>
-                                          <p:spTgt spid="16"/>
-                                        </p:tgtEl>
-                                      </p:cBhvr>
-                                      <p:by x="105000" y="105000"/>
-                                    </p:animScale>
-                                  </p:childTnLst>
-                                </p:cTn>
-                              </p:par>
-                            </p:childTnLst>
-                          </p:cTn>
-                        </p:par>
-                      </p:childTnLst>
-                    </p:cTn>
-                  </p:par>
-                </p:childTnLst>
-              </p:cTn>
-              <p:prevCondLst>
-                <p:cond evt="onPrev" delay="0">
-                  <p:tgtEl>
-                    <p:sldTgt/>
-                  </p:tgtEl>
-                </p:cond>
-              </p:prevCondLst>
-              <p:nextCondLst>
-                <p:cond evt="onNext" delay="0">
-                  <p:tgtEl>
-                    <p:sldTgt/>
-                  </p:tgtEl>
-                </p:cond>
-              </p:nextCondLst>
-            </p:seq>
-          </p:childTnLst>
-        </p:cTn>
+        <p:cTn id="1" dur="indefinite" restart="never" nodeType="tmRoot"/>
       </p:par>
     </p:tnLst>
   </p:timing>
@@ -6899,92 +6443,210 @@
           <a:lstStyle/>
           <a:p>
             <a:r>
-              <a:rPr lang="ja-JP" altLang="en-US" sz="3200" b="1" dirty="0">
+              <a:rPr lang="ja-JP" altLang="en-US" sz="2400" b="1" dirty="0">
+                <a:latin typeface="HGP創英角ｺﾞｼｯｸUB" panose="020B0900000000000000" pitchFamily="50" charset="-128"/>
+                <a:ea typeface="HGP創英角ｺﾞｼｯｸUB" panose="020B0900000000000000" pitchFamily="50" charset="-128"/>
+              </a:rPr>
+              <a:t>スイングバイ</a:t>
+            </a:r>
+            <a:r>
+              <a:rPr lang="ja-JP" altLang="en-US" sz="2400" dirty="0">
+                <a:latin typeface="HGP創英角ｺﾞｼｯｸUB" panose="020B0900000000000000" pitchFamily="50" charset="-128"/>
+                <a:ea typeface="HGP創英角ｺﾞｼｯｸUB" panose="020B0900000000000000" pitchFamily="50" charset="-128"/>
+              </a:rPr>
+              <a:t>（英</a:t>
+            </a:r>
+            <a:r>
+              <a:rPr lang="en-US" altLang="ja-JP" sz="2400" dirty="0">
+                <a:latin typeface="HGP創英角ｺﾞｼｯｸUB" panose="020B0900000000000000" pitchFamily="50" charset="-128"/>
+                <a:ea typeface="HGP創英角ｺﾞｼｯｸUB" panose="020B0900000000000000" pitchFamily="50" charset="-128"/>
+              </a:rPr>
+              <a:t>: </a:t>
+            </a:r>
+            <a:r>
+              <a:rPr lang="en-US" altLang="ja-JP" sz="2400" b="1" dirty="0">
+                <a:latin typeface="HGP創英角ｺﾞｼｯｸUB" panose="020B0900000000000000" pitchFamily="50" charset="-128"/>
+                <a:ea typeface="HGP創英角ｺﾞｼｯｸUB" panose="020B0900000000000000" pitchFamily="50" charset="-128"/>
+              </a:rPr>
+              <a:t>swing</a:t>
+            </a:r>
+            <a:r>
+              <a:rPr lang="en-US" altLang="ja-JP" sz="2400" dirty="0">
+                <a:latin typeface="HGP創英角ｺﾞｼｯｸUB" panose="020B0900000000000000" pitchFamily="50" charset="-128"/>
+                <a:ea typeface="HGP創英角ｺﾞｼｯｸUB" panose="020B0900000000000000" pitchFamily="50" charset="-128"/>
+              </a:rPr>
+              <a:t>-by</a:t>
+            </a:r>
+            <a:r>
+              <a:rPr lang="ja-JP" altLang="en-US" sz="2400" dirty="0">
+                <a:latin typeface="HGP創英角ｺﾞｼｯｸUB" panose="020B0900000000000000" pitchFamily="50" charset="-128"/>
+                <a:ea typeface="HGP創英角ｺﾞｼｯｸUB" panose="020B0900000000000000" pitchFamily="50" charset="-128"/>
+              </a:rPr>
+              <a:t>）とは、天体の運動と万有引力（以下では「重力」とする）を利用して宇宙機の運動ベクトルを変更する</a:t>
+            </a:r>
+            <a:r>
+              <a:rPr lang="ja-JP" altLang="en-US" sz="2400" dirty="0" smtClean="0">
+                <a:latin typeface="HGP創英角ｺﾞｼｯｸUB" panose="020B0900000000000000" pitchFamily="50" charset="-128"/>
+                <a:ea typeface="HGP創英角ｺﾞｼｯｸUB" panose="020B0900000000000000" pitchFamily="50" charset="-128"/>
+              </a:rPr>
+              <a:t>技術の事</a:t>
+            </a:r>
+            <a:r>
+              <a:rPr lang="ja-JP" altLang="en-US" sz="2400" dirty="0" smtClean="0">
+                <a:latin typeface="HGP創英角ｺﾞｼｯｸUB" panose="020B0900000000000000" pitchFamily="50" charset="-128"/>
+                <a:ea typeface="HGP創英角ｺﾞｼｯｸUB" panose="020B0900000000000000" pitchFamily="50" charset="-128"/>
+              </a:rPr>
+              <a:t>。</a:t>
+            </a:r>
+            <a:endParaRPr kumimoji="1" lang="ja-JP" altLang="en-US" sz="2400" dirty="0">
+              <a:latin typeface="HGP創英角ｺﾞｼｯｸUB" panose="020B0900000000000000" pitchFamily="50" charset="-128"/>
+              <a:ea typeface="HGP創英角ｺﾞｼｯｸUB" panose="020B0900000000000000" pitchFamily="50" charset="-128"/>
+            </a:endParaRPr>
+          </a:p>
+        </p:txBody>
+      </p:sp>
+      <p:sp>
+        <p:nvSpPr>
+          <p:cNvPr id="5" name="テキスト ボックス 4"/>
+          <p:cNvSpPr txBox="1"/>
+          <p:nvPr/>
+        </p:nvSpPr>
+        <p:spPr>
+          <a:xfrm>
+            <a:off x="334108" y="3167394"/>
+            <a:ext cx="4259499" cy="461665"/>
+          </a:xfrm>
+          <a:prstGeom prst="rect">
+            <a:avLst/>
+          </a:prstGeom>
+          <a:noFill/>
+        </p:spPr>
+        <p:txBody>
+          <a:bodyPr wrap="none" rtlCol="0">
+            <a:spAutoFit/>
+          </a:bodyPr>
+          <a:lstStyle/>
+          <a:p>
+            <a:r>
+              <a:rPr kumimoji="1" lang="ja-JP" altLang="en-US" sz="2400" dirty="0" smtClean="0">
                 <a:latin typeface="メイリオ" panose="020B0604030504040204" pitchFamily="50" charset="-128"/>
                 <a:ea typeface="メイリオ" panose="020B0604030504040204" pitchFamily="50" charset="-128"/>
               </a:rPr>
               <a:t>スイングバイ</a:t>
             </a:r>
             <a:r>
-              <a:rPr lang="ja-JP" altLang="en-US" sz="3200" dirty="0">
+              <a:rPr kumimoji="1" lang="ja-JP" altLang="en-US" sz="2000" dirty="0" smtClean="0">
                 <a:latin typeface="メイリオ" panose="020B0604030504040204" pitchFamily="50" charset="-128"/>
                 <a:ea typeface="メイリオ" panose="020B0604030504040204" pitchFamily="50" charset="-128"/>
               </a:rPr>
-              <a:t>（英</a:t>
-            </a:r>
-            <a:r>
-              <a:rPr lang="en-US" altLang="ja-JP" sz="3200" dirty="0">
+              <a:t>（</a:t>
+            </a:r>
+            <a:r>
+              <a:rPr kumimoji="1" lang="en-US" altLang="ja-JP" sz="2000" dirty="0" smtClean="0">
                 <a:latin typeface="メイリオ" panose="020B0604030504040204" pitchFamily="50" charset="-128"/>
                 <a:ea typeface="メイリオ" panose="020B0604030504040204" pitchFamily="50" charset="-128"/>
               </a:rPr>
-              <a:t>: </a:t>
-            </a:r>
-            <a:r>
-              <a:rPr lang="en-US" altLang="ja-JP" sz="3200" b="1" dirty="0">
+              <a:t>Wikipedia</a:t>
+            </a:r>
+            <a:r>
+              <a:rPr kumimoji="1" lang="ja-JP" altLang="en-US" sz="2000" dirty="0" smtClean="0">
                 <a:latin typeface="メイリオ" panose="020B0604030504040204" pitchFamily="50" charset="-128"/>
                 <a:ea typeface="メイリオ" panose="020B0604030504040204" pitchFamily="50" charset="-128"/>
               </a:rPr>
-              <a:t>swing</a:t>
-            </a:r>
-            <a:r>
-              <a:rPr lang="en-US" altLang="ja-JP" sz="3200" dirty="0">
-                <a:latin typeface="メイリオ" panose="020B0604030504040204" pitchFamily="50" charset="-128"/>
-                <a:ea typeface="メイリオ" panose="020B0604030504040204" pitchFamily="50" charset="-128"/>
-              </a:rPr>
-              <a:t>-by</a:t>
-            </a:r>
-            <a:r>
-              <a:rPr lang="ja-JP" altLang="en-US" sz="3200" dirty="0">
-                <a:latin typeface="メイリオ" panose="020B0604030504040204" pitchFamily="50" charset="-128"/>
-                <a:ea typeface="メイリオ" panose="020B0604030504040204" pitchFamily="50" charset="-128"/>
-              </a:rPr>
-              <a:t>）とは、天体の運動と万有引力（以下では「重力」とする）を利用して宇宙機の運動ベクトルを変更する</a:t>
-            </a:r>
-            <a:r>
-              <a:rPr lang="ja-JP" altLang="en-US" sz="3200" dirty="0" smtClean="0">
-                <a:latin typeface="メイリオ" panose="020B0604030504040204" pitchFamily="50" charset="-128"/>
-                <a:ea typeface="メイリオ" panose="020B0604030504040204" pitchFamily="50" charset="-128"/>
-              </a:rPr>
-              <a:t>技術の事。</a:t>
-            </a:r>
-            <a:r>
-              <a:rPr lang="en-US" altLang="ja-JP" sz="3200" dirty="0" smtClean="0">
-                <a:latin typeface="メイリオ" panose="020B0604030504040204" pitchFamily="50" charset="-128"/>
-                <a:ea typeface="メイリオ" panose="020B0604030504040204" pitchFamily="50" charset="-128"/>
-              </a:rPr>
-              <a:t>(wiki</a:t>
-            </a:r>
-            <a:r>
-              <a:rPr lang="ja-JP" altLang="en-US" sz="3200" dirty="0" smtClean="0">
-                <a:latin typeface="メイリオ" panose="020B0604030504040204" pitchFamily="50" charset="-128"/>
-                <a:ea typeface="メイリオ" panose="020B0604030504040204" pitchFamily="50" charset="-128"/>
-              </a:rPr>
-              <a:t>より参照</a:t>
-            </a:r>
-            <a:r>
-              <a:rPr lang="en-US" altLang="ja-JP" sz="3200" dirty="0" smtClean="0">
-                <a:latin typeface="メイリオ" panose="020B0604030504040204" pitchFamily="50" charset="-128"/>
-                <a:ea typeface="メイリオ" panose="020B0604030504040204" pitchFamily="50" charset="-128"/>
-              </a:rPr>
-              <a:t>)</a:t>
-            </a:r>
-            <a:endParaRPr kumimoji="1" lang="ja-JP" altLang="en-US" sz="3200" dirty="0">
+              <a:t>より）</a:t>
+            </a:r>
+            <a:endParaRPr kumimoji="1" lang="ja-JP" altLang="en-US" sz="2000" dirty="0">
               <a:latin typeface="メイリオ" panose="020B0604030504040204" pitchFamily="50" charset="-128"/>
               <a:ea typeface="メイリオ" panose="020B0604030504040204" pitchFamily="50" charset="-128"/>
             </a:endParaRPr>
           </a:p>
         </p:txBody>
       </p:sp>
+      <p:sp>
+        <p:nvSpPr>
+          <p:cNvPr id="14" name="テキスト ボックス 13"/>
+          <p:cNvSpPr txBox="1"/>
+          <p:nvPr/>
+        </p:nvSpPr>
+        <p:spPr>
+          <a:xfrm>
+            <a:off x="6383125" y="6182086"/>
+            <a:ext cx="5047023" cy="646331"/>
+          </a:xfrm>
+          <a:prstGeom prst="rect">
+            <a:avLst/>
+          </a:prstGeom>
+          <a:noFill/>
+        </p:spPr>
+        <p:txBody>
+          <a:bodyPr wrap="none" rtlCol="0">
+            <a:spAutoFit/>
+          </a:bodyPr>
+          <a:lstStyle/>
+          <a:p>
+            <a:r>
+              <a:rPr lang="en-US" altLang="ja-JP" dirty="0" smtClean="0"/>
+              <a:t>JAXA</a:t>
+            </a:r>
+            <a:r>
+              <a:rPr lang="ja-JP" altLang="en-US" dirty="0" smtClean="0"/>
+              <a:t>　「</a:t>
+            </a:r>
+            <a:r>
+              <a:rPr lang="ja-JP" altLang="en-US" dirty="0"/>
+              <a:t>はやぶさ</a:t>
+            </a:r>
+            <a:r>
+              <a:rPr lang="en-US" altLang="ja-JP" dirty="0"/>
+              <a:t>2</a:t>
+            </a:r>
+            <a:r>
+              <a:rPr lang="ja-JP" altLang="en-US" dirty="0"/>
+              <a:t>」地球スイングバイ</a:t>
+            </a:r>
+            <a:r>
+              <a:rPr lang="en-US" altLang="ja-JP" dirty="0" smtClean="0"/>
+              <a:t>CG</a:t>
+            </a:r>
+            <a:r>
+              <a:rPr lang="ja-JP" altLang="en-US" dirty="0" smtClean="0"/>
+              <a:t>　</a:t>
+            </a:r>
+            <a:r>
+              <a:rPr lang="en-US" altLang="ja-JP" dirty="0" smtClean="0"/>
+              <a:t>URL</a:t>
+            </a:r>
+            <a:endParaRPr lang="en-US" altLang="ja-JP" dirty="0" smtClean="0">
+              <a:hlinkClick r:id="rId3"/>
+            </a:endParaRPr>
+          </a:p>
+          <a:p>
+            <a:r>
+              <a:rPr lang="en-US" altLang="ja-JP" dirty="0" smtClean="0">
+                <a:hlinkClick r:id="rId3"/>
+              </a:rPr>
+              <a:t>https</a:t>
+            </a:r>
+            <a:r>
+              <a:rPr lang="en-US" altLang="ja-JP" dirty="0">
+                <a:hlinkClick r:id="rId3"/>
+              </a:rPr>
+              <a:t>://www.youtube.com/watch?v=WQl5Mb5YSgc</a:t>
+            </a:r>
+            <a:endParaRPr kumimoji="1" lang="ja-JP" altLang="en-US" dirty="0"/>
+          </a:p>
+        </p:txBody>
+      </p:sp>
       <p:pic>
         <p:nvPicPr>
-          <p:cNvPr id="4" name="図 3"/>
+          <p:cNvPr id="18" name="図 17"/>
           <p:cNvPicPr>
             <a:picLocks noChangeAspect="1"/>
           </p:cNvPicPr>
           <p:nvPr/>
         </p:nvPicPr>
         <p:blipFill>
-          <a:blip r:embed="rId2">
+          <a:blip r:embed="rId4">
             <a:extLst>
               <a:ext uri="{28A0092B-C50C-407E-A947-70E740481C1C}">
                 <a14:useLocalDpi xmlns:a14="http://schemas.microsoft.com/office/drawing/2010/main" val="0"/>
@@ -6997,202 +6659,40 @@
         </p:blipFill>
         <p:spPr>
           <a:xfrm>
-            <a:off x="430405" y="3629059"/>
-            <a:ext cx="4360410" cy="2903085"/>
+            <a:off x="482657" y="3629059"/>
+            <a:ext cx="3962400" cy="2971800"/>
           </a:xfrm>
           <a:prstGeom prst="rect">
             <a:avLst/>
           </a:prstGeom>
         </p:spPr>
       </p:pic>
-      <p:sp>
-        <p:nvSpPr>
-          <p:cNvPr id="5" name="テキスト ボックス 4"/>
-          <p:cNvSpPr txBox="1"/>
-          <p:nvPr/>
-        </p:nvSpPr>
-        <p:spPr>
-          <a:xfrm>
-            <a:off x="360485" y="3167394"/>
-            <a:ext cx="3877985" cy="461665"/>
+      <p:pic>
+        <p:nvPicPr>
+          <p:cNvPr id="21" name="WQl5Mb5YSgc"/>
+          <p:cNvPicPr>
+            <a:picLocks noRot="1" noChangeAspect="1"/>
+          </p:cNvPicPr>
+          <p:nvPr>
+            <a:videoFile r:link="rId1"/>
+          </p:nvPr>
+        </p:nvPicPr>
+        <p:blipFill>
+          <a:blip r:embed="rId5"/>
+          <a:stretch>
+            <a:fillRect/>
+          </a:stretch>
+        </p:blipFill>
+        <p:spPr>
+          <a:xfrm>
+            <a:off x="6227883" y="3168489"/>
+            <a:ext cx="5357506" cy="3013597"/>
           </a:xfrm>
           <a:prstGeom prst="rect">
             <a:avLst/>
           </a:prstGeom>
-          <a:noFill/>
-        </p:spPr>
-        <p:txBody>
-          <a:bodyPr wrap="none" rtlCol="0">
-            <a:spAutoFit/>
-          </a:bodyPr>
-          <a:lstStyle/>
-          <a:p>
-            <a:r>
-              <a:rPr kumimoji="1" lang="ja-JP" altLang="en-US" sz="2400" dirty="0" smtClean="0">
-                <a:latin typeface="メイリオ" panose="020B0604030504040204" pitchFamily="50" charset="-128"/>
-                <a:ea typeface="メイリオ" panose="020B0604030504040204" pitchFamily="50" charset="-128"/>
-              </a:rPr>
-              <a:t>スイングバイ　イメージ図</a:t>
-            </a:r>
-            <a:endParaRPr kumimoji="1" lang="ja-JP" altLang="en-US" sz="2400" dirty="0">
-              <a:latin typeface="メイリオ" panose="020B0604030504040204" pitchFamily="50" charset="-128"/>
-              <a:ea typeface="メイリオ" panose="020B0604030504040204" pitchFamily="50" charset="-128"/>
-            </a:endParaRPr>
-          </a:p>
-        </p:txBody>
-      </p:sp>
-      <p:sp>
-        <p:nvSpPr>
-          <p:cNvPr id="12" name="下矢印 11"/>
-          <p:cNvSpPr/>
-          <p:nvPr/>
-        </p:nvSpPr>
-        <p:spPr>
-          <a:xfrm rot="3967218">
-            <a:off x="4536585" y="3675172"/>
-            <a:ext cx="508461" cy="1637019"/>
-          </a:xfrm>
-          <a:prstGeom prst="downArrow">
-            <a:avLst/>
-          </a:prstGeom>
-        </p:spPr>
-        <p:style>
-          <a:lnRef idx="2">
-            <a:schemeClr val="accent1">
-              <a:shade val="50000"/>
-            </a:schemeClr>
-          </a:lnRef>
-          <a:fillRef idx="1">
-            <a:schemeClr val="accent1"/>
-          </a:fillRef>
-          <a:effectRef idx="0">
-            <a:schemeClr val="accent1"/>
-          </a:effectRef>
-          <a:fontRef idx="minor">
-            <a:schemeClr val="lt1"/>
-          </a:fontRef>
-        </p:style>
-        <p:txBody>
-          <a:bodyPr rtlCol="0" anchor="ctr"/>
-          <a:lstStyle/>
-          <a:p>
-            <a:pPr algn="ctr"/>
-            <a:endParaRPr kumimoji="1" lang="ja-JP" altLang="en-US"/>
-          </a:p>
-        </p:txBody>
-      </p:sp>
-      <p:sp>
-        <p:nvSpPr>
-          <p:cNvPr id="13" name="テキスト ボックス 12"/>
-          <p:cNvSpPr txBox="1"/>
-          <p:nvPr/>
-        </p:nvSpPr>
-        <p:spPr>
-          <a:xfrm>
-            <a:off x="5642176" y="3850734"/>
-            <a:ext cx="993531" cy="523220"/>
-          </a:xfrm>
-          <a:prstGeom prst="rect">
-            <a:avLst/>
-          </a:prstGeom>
-          <a:noFill/>
-        </p:spPr>
-        <p:txBody>
-          <a:bodyPr wrap="square" rtlCol="0">
-            <a:spAutoFit/>
-          </a:bodyPr>
-          <a:lstStyle/>
-          <a:p>
-            <a:pPr algn="ctr"/>
-            <a:r>
-              <a:rPr kumimoji="1" lang="ja-JP" altLang="en-US" sz="2800" dirty="0" smtClean="0">
-                <a:latin typeface="メイリオ" panose="020B0604030504040204" pitchFamily="50" charset="-128"/>
-                <a:ea typeface="メイリオ" panose="020B0604030504040204" pitchFamily="50" charset="-128"/>
-              </a:rPr>
-              <a:t>衛星</a:t>
-            </a:r>
-            <a:endParaRPr kumimoji="1" lang="ja-JP" altLang="en-US" sz="2800" dirty="0">
-              <a:latin typeface="メイリオ" panose="020B0604030504040204" pitchFamily="50" charset="-128"/>
-              <a:ea typeface="メイリオ" panose="020B0604030504040204" pitchFamily="50" charset="-128"/>
-            </a:endParaRPr>
-          </a:p>
-        </p:txBody>
-      </p:sp>
-      <p:sp>
-        <p:nvSpPr>
-          <p:cNvPr id="14" name="テキスト ボックス 13"/>
-          <p:cNvSpPr txBox="1"/>
-          <p:nvPr/>
-        </p:nvSpPr>
-        <p:spPr>
-          <a:xfrm>
-            <a:off x="6857999" y="4004622"/>
-            <a:ext cx="5047023" cy="646331"/>
-          </a:xfrm>
-          <a:prstGeom prst="rect">
-            <a:avLst/>
-          </a:prstGeom>
-          <a:noFill/>
-        </p:spPr>
-        <p:txBody>
-          <a:bodyPr wrap="none" rtlCol="0">
-            <a:spAutoFit/>
-          </a:bodyPr>
-          <a:lstStyle/>
-          <a:p>
-            <a:r>
-              <a:rPr lang="en-US" altLang="ja-JP" dirty="0" smtClean="0"/>
-              <a:t>JAXA</a:t>
-            </a:r>
-            <a:r>
-              <a:rPr lang="ja-JP" altLang="en-US" dirty="0" smtClean="0"/>
-              <a:t>　「</a:t>
-            </a:r>
-            <a:r>
-              <a:rPr lang="ja-JP" altLang="en-US" dirty="0"/>
-              <a:t>はやぶさ</a:t>
-            </a:r>
-            <a:r>
-              <a:rPr lang="en-US" altLang="ja-JP" dirty="0"/>
-              <a:t>2</a:t>
-            </a:r>
-            <a:r>
-              <a:rPr lang="ja-JP" altLang="en-US" dirty="0"/>
-              <a:t>」地球スイングバイ</a:t>
-            </a:r>
-            <a:r>
-              <a:rPr lang="en-US" altLang="ja-JP" dirty="0" smtClean="0"/>
-              <a:t>CG</a:t>
-            </a:r>
-            <a:r>
-              <a:rPr lang="ja-JP" altLang="en-US" dirty="0" smtClean="0"/>
-              <a:t>　</a:t>
-            </a:r>
-            <a:r>
-              <a:rPr lang="en-US" altLang="ja-JP" dirty="0" smtClean="0"/>
-              <a:t>URL</a:t>
-            </a:r>
-            <a:endParaRPr lang="en-US" altLang="ja-JP" dirty="0" smtClean="0">
-              <a:hlinkClick r:id="rId3"/>
-            </a:endParaRPr>
-          </a:p>
-          <a:p>
-            <a:r>
-              <a:rPr lang="en-US" altLang="ja-JP" dirty="0" smtClean="0">
-                <a:hlinkClick r:id="rId3"/>
-              </a:rPr>
-              <a:t>https</a:t>
-            </a:r>
-            <a:r>
-              <a:rPr lang="en-US" altLang="ja-JP" dirty="0">
-                <a:hlinkClick r:id="rId3"/>
-              </a:rPr>
-              <a:t>://www.youtube.com/watch?v=WQl5Mb5YSgc</a:t>
-            </a:r>
-            <a:endParaRPr kumimoji="1" lang="ja-JP" altLang="en-US" dirty="0"/>
-          </a:p>
-        </p:txBody>
-      </p:sp>
+        </p:spPr>
+      </p:pic>
     </p:spTree>
     <p:extLst>
       <p:ext uri="{BB962C8B-B14F-4D97-AF65-F5344CB8AC3E}">
@@ -7203,13 +6703,13 @@
   <p:clrMapOvr>
     <a:masterClrMapping/>
   </p:clrMapOvr>
-  <mc:AlternateContent xmlns:mc="http://schemas.openxmlformats.org/markup-compatibility/2006">
-    <mc:Choice xmlns:p14="http://schemas.microsoft.com/office/powerpoint/2010/main" Requires="p14">
+  <mc:AlternateContent xmlns:mc="http://schemas.openxmlformats.org/markup-compatibility/2006" xmlns:p14="http://schemas.microsoft.com/office/powerpoint/2010/main">
+    <mc:Choice Requires="p14">
       <p:transition spd="slow" p14:dur="2000">
         <p14:ferris dir="l"/>
       </p:transition>
     </mc:Choice>
-    <mc:Fallback>
+    <mc:Fallback xmlns="">
       <p:transition spd="slow">
         <p:fade/>
       </p:transition>
@@ -7218,419 +6718,9 @@
   <p:timing>
     <p:tnLst>
       <p:par>
-        <p:cTn id="1" dur="indefinite" restart="never" nodeType="tmRoot">
-          <p:childTnLst>
-            <p:seq concurrent="1" nextAc="seek">
-              <p:cTn id="2" dur="indefinite" nodeType="mainSeq">
-                <p:childTnLst>
-                  <p:par>
-                    <p:cTn id="3" fill="hold">
-                      <p:stCondLst>
-                        <p:cond delay="indefinite"/>
-                      </p:stCondLst>
-                      <p:childTnLst>
-                        <p:par>
-                          <p:cTn id="4" fill="hold">
-                            <p:stCondLst>
-                              <p:cond delay="0"/>
-                            </p:stCondLst>
-                            <p:childTnLst>
-                              <p:par>
-                                <p:cTn id="5" presetID="22" presetClass="entr" presetSubtype="4" fill="hold" grpId="0" nodeType="clickEffect">
-                                  <p:stCondLst>
-                                    <p:cond delay="0"/>
-                                  </p:stCondLst>
-                                  <p:childTnLst>
-                                    <p:set>
-                                      <p:cBhvr>
-                                        <p:cTn id="6" dur="1" fill="hold">
-                                          <p:stCondLst>
-                                            <p:cond delay="0"/>
-                                          </p:stCondLst>
-                                        </p:cTn>
-                                        <p:tgtEl>
-                                          <p:spTgt spid="2"/>
-                                        </p:tgtEl>
-                                        <p:attrNameLst>
-                                          <p:attrName>style.visibility</p:attrName>
-                                        </p:attrNameLst>
-                                      </p:cBhvr>
-                                      <p:to>
-                                        <p:strVal val="visible"/>
-                                      </p:to>
-                                    </p:set>
-                                    <p:animEffect transition="in" filter="wipe(down)">
-                                      <p:cBhvr>
-                                        <p:cTn id="7" dur="500"/>
-                                        <p:tgtEl>
-                                          <p:spTgt spid="2"/>
-                                        </p:tgtEl>
-                                      </p:cBhvr>
-                                    </p:animEffect>
-                                  </p:childTnLst>
-                                </p:cTn>
-                              </p:par>
-                            </p:childTnLst>
-                          </p:cTn>
-                        </p:par>
-                      </p:childTnLst>
-                    </p:cTn>
-                  </p:par>
-                  <p:par>
-                    <p:cTn id="8" fill="hold">
-                      <p:stCondLst>
-                        <p:cond delay="indefinite"/>
-                      </p:stCondLst>
-                      <p:childTnLst>
-                        <p:par>
-                          <p:cTn id="9" fill="hold">
-                            <p:stCondLst>
-                              <p:cond delay="0"/>
-                            </p:stCondLst>
-                            <p:childTnLst>
-                              <p:par>
-                                <p:cTn id="10" presetID="16" presetClass="entr" presetSubtype="21" fill="hold" grpId="0" nodeType="clickEffect">
-                                  <p:stCondLst>
-                                    <p:cond delay="0"/>
-                                  </p:stCondLst>
-                                  <p:childTnLst>
-                                    <p:set>
-                                      <p:cBhvr>
-                                        <p:cTn id="11" dur="1" fill="hold">
-                                          <p:stCondLst>
-                                            <p:cond delay="0"/>
-                                          </p:stCondLst>
-                                        </p:cTn>
-                                        <p:tgtEl>
-                                          <p:spTgt spid="3">
-                                            <p:txEl>
-                                              <p:pRg st="0" end="0"/>
-                                            </p:txEl>
-                                          </p:spTgt>
-                                        </p:tgtEl>
-                                        <p:attrNameLst>
-                                          <p:attrName>style.visibility</p:attrName>
-                                        </p:attrNameLst>
-                                      </p:cBhvr>
-                                      <p:to>
-                                        <p:strVal val="visible"/>
-                                      </p:to>
-                                    </p:set>
-                                    <p:animEffect transition="in" filter="barn(inVertical)">
-                                      <p:cBhvr>
-                                        <p:cTn id="12" dur="500"/>
-                                        <p:tgtEl>
-                                          <p:spTgt spid="3">
-                                            <p:txEl>
-                                              <p:pRg st="0" end="0"/>
-                                            </p:txEl>
-                                          </p:spTgt>
-                                        </p:tgtEl>
-                                      </p:cBhvr>
-                                    </p:animEffect>
-                                  </p:childTnLst>
-                                </p:cTn>
-                              </p:par>
-                            </p:childTnLst>
-                          </p:cTn>
-                        </p:par>
-                      </p:childTnLst>
-                    </p:cTn>
-                  </p:par>
-                  <p:par>
-                    <p:cTn id="13" fill="hold">
-                      <p:stCondLst>
-                        <p:cond delay="indefinite"/>
-                      </p:stCondLst>
-                      <p:childTnLst>
-                        <p:par>
-                          <p:cTn id="14" fill="hold">
-                            <p:stCondLst>
-                              <p:cond delay="0"/>
-                            </p:stCondLst>
-                            <p:childTnLst>
-                              <p:par>
-                                <p:cTn id="15" presetID="16" presetClass="entr" presetSubtype="21" fill="hold" grpId="0" nodeType="clickEffect">
-                                  <p:stCondLst>
-                                    <p:cond delay="0"/>
-                                  </p:stCondLst>
-                                  <p:childTnLst>
-                                    <p:set>
-                                      <p:cBhvr>
-                                        <p:cTn id="16" dur="1" fill="hold">
-                                          <p:stCondLst>
-                                            <p:cond delay="0"/>
-                                          </p:stCondLst>
-                                        </p:cTn>
-                                        <p:tgtEl>
-                                          <p:spTgt spid="5"/>
-                                        </p:tgtEl>
-                                        <p:attrNameLst>
-                                          <p:attrName>style.visibility</p:attrName>
-                                        </p:attrNameLst>
-                                      </p:cBhvr>
-                                      <p:to>
-                                        <p:strVal val="visible"/>
-                                      </p:to>
-                                    </p:set>
-                                    <p:animEffect transition="in" filter="barn(inVertical)">
-                                      <p:cBhvr>
-                                        <p:cTn id="17" dur="500"/>
-                                        <p:tgtEl>
-                                          <p:spTgt spid="5"/>
-                                        </p:tgtEl>
-                                      </p:cBhvr>
-                                    </p:animEffect>
-                                  </p:childTnLst>
-                                </p:cTn>
-                              </p:par>
-                            </p:childTnLst>
-                          </p:cTn>
-                        </p:par>
-                      </p:childTnLst>
-                    </p:cTn>
-                  </p:par>
-                  <p:par>
-                    <p:cTn id="18" fill="hold">
-                      <p:stCondLst>
-                        <p:cond delay="indefinite"/>
-                      </p:stCondLst>
-                      <p:childTnLst>
-                        <p:par>
-                          <p:cTn id="19" fill="hold">
-                            <p:stCondLst>
-                              <p:cond delay="0"/>
-                            </p:stCondLst>
-                            <p:childTnLst>
-                              <p:par>
-                                <p:cTn id="20" presetID="6" presetClass="entr" presetSubtype="16" fill="hold" nodeType="clickEffect">
-                                  <p:stCondLst>
-                                    <p:cond delay="0"/>
-                                  </p:stCondLst>
-                                  <p:childTnLst>
-                                    <p:set>
-                                      <p:cBhvr>
-                                        <p:cTn id="21" dur="1" fill="hold">
-                                          <p:stCondLst>
-                                            <p:cond delay="0"/>
-                                          </p:stCondLst>
-                                        </p:cTn>
-                                        <p:tgtEl>
-                                          <p:spTgt spid="4"/>
-                                        </p:tgtEl>
-                                        <p:attrNameLst>
-                                          <p:attrName>style.visibility</p:attrName>
-                                        </p:attrNameLst>
-                                      </p:cBhvr>
-                                      <p:to>
-                                        <p:strVal val="visible"/>
-                                      </p:to>
-                                    </p:set>
-                                    <p:animEffect transition="in" filter="circle(in)">
-                                      <p:cBhvr>
-                                        <p:cTn id="22" dur="2000"/>
-                                        <p:tgtEl>
-                                          <p:spTgt spid="4"/>
-                                        </p:tgtEl>
-                                      </p:cBhvr>
-                                    </p:animEffect>
-                                  </p:childTnLst>
-                                </p:cTn>
-                              </p:par>
-                            </p:childTnLst>
-                          </p:cTn>
-                        </p:par>
-                      </p:childTnLst>
-                    </p:cTn>
-                  </p:par>
-                  <p:par>
-                    <p:cTn id="23" fill="hold">
-                      <p:stCondLst>
-                        <p:cond delay="indefinite"/>
-                      </p:stCondLst>
-                      <p:childTnLst>
-                        <p:par>
-                          <p:cTn id="24" fill="hold">
-                            <p:stCondLst>
-                              <p:cond delay="0"/>
-                            </p:stCondLst>
-                            <p:childTnLst>
-                              <p:par>
-                                <p:cTn id="25" presetID="6" presetClass="entr" presetSubtype="16" fill="hold" grpId="0" nodeType="clickEffect">
-                                  <p:stCondLst>
-                                    <p:cond delay="0"/>
-                                  </p:stCondLst>
-                                  <p:childTnLst>
-                                    <p:set>
-                                      <p:cBhvr>
-                                        <p:cTn id="26" dur="1" fill="hold">
-                                          <p:stCondLst>
-                                            <p:cond delay="0"/>
-                                          </p:stCondLst>
-                                        </p:cTn>
-                                        <p:tgtEl>
-                                          <p:spTgt spid="12"/>
-                                        </p:tgtEl>
-                                        <p:attrNameLst>
-                                          <p:attrName>style.visibility</p:attrName>
-                                        </p:attrNameLst>
-                                      </p:cBhvr>
-                                      <p:to>
-                                        <p:strVal val="visible"/>
-                                      </p:to>
-                                    </p:set>
-                                    <p:animEffect transition="in" filter="circle(in)">
-                                      <p:cBhvr>
-                                        <p:cTn id="27" dur="2000"/>
-                                        <p:tgtEl>
-                                          <p:spTgt spid="12"/>
-                                        </p:tgtEl>
-                                      </p:cBhvr>
-                                    </p:animEffect>
-                                  </p:childTnLst>
-                                </p:cTn>
-                              </p:par>
-                            </p:childTnLst>
-                          </p:cTn>
-                        </p:par>
-                      </p:childTnLst>
-                    </p:cTn>
-                  </p:par>
-                  <p:par>
-                    <p:cTn id="28" fill="hold">
-                      <p:stCondLst>
-                        <p:cond delay="indefinite"/>
-                      </p:stCondLst>
-                      <p:childTnLst>
-                        <p:par>
-                          <p:cTn id="29" fill="hold">
-                            <p:stCondLst>
-                              <p:cond delay="0"/>
-                            </p:stCondLst>
-                            <p:childTnLst>
-                              <p:par>
-                                <p:cTn id="30" presetID="6" presetClass="entr" presetSubtype="16" fill="hold" grpId="0" nodeType="clickEffect">
-                                  <p:stCondLst>
-                                    <p:cond delay="0"/>
-                                  </p:stCondLst>
-                                  <p:childTnLst>
-                                    <p:set>
-                                      <p:cBhvr>
-                                        <p:cTn id="31" dur="1" fill="hold">
-                                          <p:stCondLst>
-                                            <p:cond delay="0"/>
-                                          </p:stCondLst>
-                                        </p:cTn>
-                                        <p:tgtEl>
-                                          <p:spTgt spid="13"/>
-                                        </p:tgtEl>
-                                        <p:attrNameLst>
-                                          <p:attrName>style.visibility</p:attrName>
-                                        </p:attrNameLst>
-                                      </p:cBhvr>
-                                      <p:to>
-                                        <p:strVal val="visible"/>
-                                      </p:to>
-                                    </p:set>
-                                    <p:animEffect transition="in" filter="circle(in)">
-                                      <p:cBhvr>
-                                        <p:cTn id="32" dur="2000"/>
-                                        <p:tgtEl>
-                                          <p:spTgt spid="13"/>
-                                        </p:tgtEl>
-                                      </p:cBhvr>
-                                    </p:animEffect>
-                                  </p:childTnLst>
-                                </p:cTn>
-                              </p:par>
-                            </p:childTnLst>
-                          </p:cTn>
-                        </p:par>
-                      </p:childTnLst>
-                    </p:cTn>
-                  </p:par>
-                  <p:par>
-                    <p:cTn id="33" fill="hold">
-                      <p:stCondLst>
-                        <p:cond delay="indefinite"/>
-                      </p:stCondLst>
-                      <p:childTnLst>
-                        <p:par>
-                          <p:cTn id="34" fill="hold">
-                            <p:stCondLst>
-                              <p:cond delay="0"/>
-                            </p:stCondLst>
-                            <p:childTnLst>
-                              <p:par>
-                                <p:cTn id="35" presetID="22" presetClass="entr" presetSubtype="4" fill="hold" grpId="0" nodeType="clickEffect">
-                                  <p:stCondLst>
-                                    <p:cond delay="0"/>
-                                  </p:stCondLst>
-                                  <p:childTnLst>
-                                    <p:set>
-                                      <p:cBhvr>
-                                        <p:cTn id="36" dur="1" fill="hold">
-                                          <p:stCondLst>
-                                            <p:cond delay="0"/>
-                                          </p:stCondLst>
-                                        </p:cTn>
-                                        <p:tgtEl>
-                                          <p:spTgt spid="14"/>
-                                        </p:tgtEl>
-                                        <p:attrNameLst>
-                                          <p:attrName>style.visibility</p:attrName>
-                                        </p:attrNameLst>
-                                      </p:cBhvr>
-                                      <p:to>
-                                        <p:strVal val="visible"/>
-                                      </p:to>
-                                    </p:set>
-                                    <p:animEffect transition="in" filter="wipe(down)">
-                                      <p:cBhvr>
-                                        <p:cTn id="37" dur="500"/>
-                                        <p:tgtEl>
-                                          <p:spTgt spid="14"/>
-                                        </p:tgtEl>
-                                      </p:cBhvr>
-                                    </p:animEffect>
-                                  </p:childTnLst>
-                                </p:cTn>
-                              </p:par>
-                            </p:childTnLst>
-                          </p:cTn>
-                        </p:par>
-                      </p:childTnLst>
-                    </p:cTn>
-                  </p:par>
-                </p:childTnLst>
-              </p:cTn>
-              <p:prevCondLst>
-                <p:cond evt="onPrev" delay="0">
-                  <p:tgtEl>
-                    <p:sldTgt/>
-                  </p:tgtEl>
-                </p:cond>
-              </p:prevCondLst>
-              <p:nextCondLst>
-                <p:cond evt="onNext" delay="0">
-                  <p:tgtEl>
-                    <p:sldTgt/>
-                  </p:tgtEl>
-                </p:cond>
-              </p:nextCondLst>
-            </p:seq>
-          </p:childTnLst>
-        </p:cTn>
+        <p:cTn id="1" dur="indefinite" restart="never" nodeType="tmRoot"/>
       </p:par>
     </p:tnLst>
-    <p:bldLst>
-      <p:bldP spid="2" grpId="0"/>
-      <p:bldP spid="3" grpId="0" build="p"/>
-      <p:bldP spid="5" grpId="0"/>
-      <p:bldP spid="12" grpId="0" animBg="1"/>
-      <p:bldP spid="13" grpId="0"/>
-      <p:bldP spid="14" grpId="0"/>
-    </p:bldLst>
   </p:timing>
 </p:sld>
 </file>
@@ -7664,7 +6754,7 @@
         </p:nvSpPr>
         <p:spPr>
           <a:xfrm>
-            <a:off x="87923" y="8792"/>
+            <a:off x="334108" y="26377"/>
             <a:ext cx="1512277" cy="1116623"/>
           </a:xfrm>
         </p:spPr>
@@ -7676,7 +6766,7 @@
           <a:p>
             <a:r>
               <a:rPr lang="ja-JP" altLang="en-US" dirty="0" smtClean="0"/>
-              <a:t>・概要</a:t>
+              <a:t>概要</a:t>
             </a:r>
             <a:endParaRPr kumimoji="1" lang="ja-JP" altLang="en-US" dirty="0"/>
           </a:p>
@@ -7684,58 +6774,14 @@
       </p:sp>
       <p:sp>
         <p:nvSpPr>
-          <p:cNvPr id="3" name="コンテンツ プレースホルダー 2"/>
-          <p:cNvSpPr>
-            <a:spLocks noGrp="1"/>
-          </p:cNvSpPr>
-          <p:nvPr>
-            <p:ph idx="1"/>
-          </p:nvPr>
-        </p:nvSpPr>
-        <p:spPr>
-          <a:xfrm>
-            <a:off x="334108" y="1720038"/>
-            <a:ext cx="2725614" cy="425286"/>
-          </a:xfrm>
-        </p:spPr>
-        <p:txBody>
-          <a:bodyPr/>
-          <a:lstStyle/>
-          <a:p>
-            <a:r>
-              <a:rPr kumimoji="1" lang="ja-JP" altLang="en-US" dirty="0" smtClean="0"/>
-              <a:t>プレイ人数</a:t>
-            </a:r>
-            <a:r>
-              <a:rPr kumimoji="1" lang="en-US" altLang="ja-JP" dirty="0" smtClean="0"/>
-              <a:t>:</a:t>
-            </a:r>
-            <a:r>
-              <a:rPr kumimoji="1" lang="ja-JP" altLang="en-US" dirty="0" smtClean="0"/>
-              <a:t>　</a:t>
-            </a:r>
-            <a:r>
-              <a:rPr kumimoji="1" lang="en-US" altLang="ja-JP" dirty="0" smtClean="0"/>
-              <a:t>1</a:t>
-            </a:r>
-            <a:r>
-              <a:rPr kumimoji="1" lang="ja-JP" altLang="en-US" dirty="0" smtClean="0"/>
-              <a:t>人</a:t>
-            </a:r>
-            <a:endParaRPr kumimoji="1" lang="ja-JP" altLang="en-US" dirty="0"/>
-          </a:p>
-        </p:txBody>
-      </p:sp>
-      <p:sp>
-        <p:nvSpPr>
-          <p:cNvPr id="4" name="テキスト ボックス 3"/>
+          <p:cNvPr id="8" name="テキスト ボックス 7"/>
           <p:cNvSpPr txBox="1"/>
           <p:nvPr/>
         </p:nvSpPr>
         <p:spPr>
           <a:xfrm>
-            <a:off x="237392" y="1125415"/>
-            <a:ext cx="3560885" cy="400110"/>
+            <a:off x="334108" y="1677262"/>
+            <a:ext cx="7635424" cy="3108543"/>
           </a:xfrm>
           <a:prstGeom prst="rect">
             <a:avLst/>
@@ -7743,57 +6789,121 @@
           <a:noFill/>
         </p:spPr>
         <p:txBody>
-          <a:bodyPr wrap="square" rtlCol="0">
+          <a:bodyPr wrap="none" rtlCol="0">
             <a:spAutoFit/>
           </a:bodyPr>
           <a:lstStyle/>
           <a:p>
             <a:r>
+              <a:rPr kumimoji="1" lang="ja-JP" altLang="en-US" sz="2800" dirty="0" smtClean="0"/>
+              <a:t>基本</a:t>
+            </a:r>
+            <a:r>
+              <a:rPr kumimoji="1" lang="ja-JP" altLang="en-US" sz="2800" dirty="0"/>
+              <a:t>的</a:t>
+            </a:r>
+            <a:r>
+              <a:rPr kumimoji="1" lang="ja-JP" altLang="en-US" sz="2800" dirty="0" smtClean="0"/>
+              <a:t>な情報</a:t>
+            </a:r>
+            <a:endParaRPr kumimoji="1" lang="en-US" altLang="ja-JP" sz="2800" dirty="0" smtClean="0"/>
+          </a:p>
+          <a:p>
+            <a:r>
               <a:rPr kumimoji="1" lang="ja-JP" altLang="en-US" sz="2000" dirty="0" smtClean="0"/>
-              <a:t>ジャンル</a:t>
+              <a:t>・ジャンル：</a:t>
             </a:r>
             <a:r>
               <a:rPr kumimoji="1" lang="en-US" altLang="ja-JP" sz="2000" dirty="0" smtClean="0"/>
-              <a:t>:2D</a:t>
+              <a:t>2D</a:t>
             </a:r>
             <a:r>
               <a:rPr kumimoji="1" lang="ja-JP" altLang="en-US" sz="2000" dirty="0" smtClean="0"/>
-              <a:t>宇宙探索アクション</a:t>
+              <a:t> スイングバイアクション</a:t>
             </a:r>
             <a:endParaRPr kumimoji="1" lang="en-US" altLang="ja-JP" sz="2000" dirty="0" smtClean="0"/>
           </a:p>
-        </p:txBody>
-      </p:sp>
-      <p:sp>
-        <p:nvSpPr>
-          <p:cNvPr id="7" name="テキスト ボックス 6"/>
-          <p:cNvSpPr txBox="1"/>
+          <a:p>
+            <a:r>
+              <a:rPr kumimoji="1" lang="ja-JP" altLang="en-US" sz="2000" dirty="0" smtClean="0"/>
+              <a:t>・プレイ人数</a:t>
+            </a:r>
+            <a:r>
+              <a:rPr kumimoji="1" lang="en-US" altLang="ja-JP" sz="2000" dirty="0" smtClean="0"/>
+              <a:t>:</a:t>
+            </a:r>
+            <a:r>
+              <a:rPr kumimoji="1" lang="ja-JP" altLang="en-US" sz="2000" dirty="0" smtClean="0"/>
+              <a:t>１人</a:t>
+            </a:r>
+            <a:endParaRPr kumimoji="1" lang="en-US" altLang="ja-JP" sz="2000" dirty="0" smtClean="0"/>
+          </a:p>
+          <a:p>
+            <a:r>
+              <a:rPr kumimoji="1" lang="ja-JP" altLang="en-US" sz="2000" dirty="0" smtClean="0"/>
+              <a:t>・ターゲット：スマホユーザー（特にスマホゲームをよく遊ぶ人）</a:t>
+            </a:r>
+            <a:endParaRPr kumimoji="1" lang="en-US" altLang="ja-JP" sz="2000" dirty="0" smtClean="0"/>
+          </a:p>
+          <a:p>
+            <a:endParaRPr kumimoji="1" lang="en-US" altLang="ja-JP" sz="2000" dirty="0"/>
+          </a:p>
+          <a:p>
+            <a:endParaRPr kumimoji="1" lang="en-US" altLang="ja-JP" sz="2000" dirty="0" smtClean="0"/>
+          </a:p>
+          <a:p>
+            <a:r>
+              <a:rPr kumimoji="1" lang="ja-JP" altLang="en-US" sz="2800" dirty="0" smtClean="0"/>
+              <a:t>どんなゲームか？</a:t>
+            </a:r>
+            <a:endParaRPr kumimoji="1" lang="en-US" altLang="ja-JP" sz="2800" dirty="0" smtClean="0"/>
+          </a:p>
+          <a:p>
+            <a:r>
+              <a:rPr kumimoji="1" lang="ja-JP" altLang="en-US" sz="2000" dirty="0" smtClean="0"/>
+              <a:t>・このゲームはスイングバイを駆使して目的の惑星まで行き、着陸して</a:t>
+            </a:r>
+            <a:endParaRPr kumimoji="1" lang="en-US" altLang="ja-JP" sz="2000" dirty="0" smtClean="0"/>
+          </a:p>
+          <a:p>
+            <a:r>
+              <a:rPr kumimoji="1" lang="ja-JP" altLang="en-US" sz="2000" dirty="0" smtClean="0"/>
+              <a:t>　サンプルを回収、その後地球に戻るまでをプレイするゲームです。</a:t>
+            </a:r>
+            <a:endParaRPr kumimoji="1" lang="ja-JP" altLang="en-US" sz="2000" dirty="0"/>
+          </a:p>
+        </p:txBody>
+      </p:sp>
+      <p:pic>
+        <p:nvPicPr>
+          <p:cNvPr id="11" name="図 10"/>
+          <p:cNvPicPr>
+            <a:picLocks noChangeAspect="1"/>
+          </p:cNvPicPr>
           <p:nvPr/>
-        </p:nvSpPr>
-        <p:spPr>
-          <a:xfrm>
-            <a:off x="448407" y="2883877"/>
-            <a:ext cx="3859823" cy="369332"/>
+        </p:nvPicPr>
+        <p:blipFill>
+          <a:blip r:embed="rId2">
+            <a:extLst>
+              <a:ext uri="{28A0092B-C50C-407E-A947-70E740481C1C}">
+                <a14:useLocalDpi xmlns:a14="http://schemas.microsoft.com/office/drawing/2010/main" val="0"/>
+              </a:ext>
+            </a:extLst>
+          </a:blip>
+          <a:stretch>
+            <a:fillRect/>
+          </a:stretch>
+        </p:blipFill>
+        <p:spPr>
+          <a:xfrm rot="16200000">
+            <a:off x="8516820" y="2368060"/>
+            <a:ext cx="4900240" cy="2450120"/>
           </a:xfrm>
           <a:prstGeom prst="rect">
             <a:avLst/>
           </a:prstGeom>
-          <a:noFill/>
-        </p:spPr>
-        <p:txBody>
-          <a:bodyPr wrap="square" rtlCol="0">
-            <a:spAutoFit/>
-          </a:bodyPr>
-          <a:lstStyle/>
-          <a:p>
-            <a:r>
-              <a:rPr kumimoji="1" lang="ja-JP" altLang="en-US" dirty="0" smtClean="0"/>
-              <a:t>ターゲット層：宇宙のことが好きな人</a:t>
-            </a:r>
-            <a:endParaRPr kumimoji="1" lang="ja-JP" altLang="en-US" dirty="0"/>
-          </a:p>
-        </p:txBody>
-      </p:sp>
+        </p:spPr>
+      </p:pic>
     </p:spTree>
     <p:extLst>
       <p:ext uri="{BB962C8B-B14F-4D97-AF65-F5344CB8AC3E}">
@@ -7804,13 +6914,13 @@
   <p:clrMapOvr>
     <a:masterClrMapping/>
   </p:clrMapOvr>
-  <mc:AlternateContent xmlns:mc="http://schemas.openxmlformats.org/markup-compatibility/2006">
-    <mc:Choice xmlns:p14="http://schemas.microsoft.com/office/powerpoint/2010/main" Requires="p14">
+  <mc:AlternateContent xmlns:mc="http://schemas.openxmlformats.org/markup-compatibility/2006" xmlns:p14="http://schemas.microsoft.com/office/powerpoint/2010/main">
+    <mc:Choice Requires="p14">
       <p:transition spd="slow" p14:dur="2000">
         <p14:ferris dir="l"/>
       </p:transition>
     </mc:Choice>
-    <mc:Fallback>
+    <mc:Fallback xmlns="">
       <p:transition spd="slow">
         <p:fade/>
       </p:transition>
@@ -7855,8 +6965,8 @@
         </p:nvSpPr>
         <p:spPr>
           <a:xfrm>
-            <a:off x="439618" y="152400"/>
-            <a:ext cx="3560884" cy="841131"/>
+            <a:off x="342902" y="-132485"/>
+            <a:ext cx="10131425" cy="1456267"/>
           </a:xfrm>
         </p:spPr>
         <p:txBody>
@@ -7864,34 +6974,660 @@
           <a:lstStyle/>
           <a:p>
             <a:r>
+              <a:rPr lang="ja-JP" altLang="en-US" dirty="0" smtClean="0"/>
+              <a:t>ゲーム内容</a:t>
+            </a:r>
+            <a:endParaRPr lang="ja-JP" altLang="en-US" dirty="0"/>
+          </a:p>
+        </p:txBody>
+      </p:sp>
+      <p:pic>
+        <p:nvPicPr>
+          <p:cNvPr id="6" name="図 5"/>
+          <p:cNvPicPr>
+            <a:picLocks noChangeAspect="1"/>
+          </p:cNvPicPr>
+          <p:nvPr/>
+        </p:nvPicPr>
+        <p:blipFill>
+          <a:blip r:embed="rId2">
+            <a:extLst>
+              <a:ext uri="{28A0092B-C50C-407E-A947-70E740481C1C}">
+                <a14:useLocalDpi xmlns:a14="http://schemas.microsoft.com/office/drawing/2010/main" val="0"/>
+              </a:ext>
+            </a:extLst>
+          </a:blip>
+          <a:stretch>
+            <a:fillRect/>
+          </a:stretch>
+        </p:blipFill>
+        <p:spPr>
+          <a:xfrm>
+            <a:off x="439618" y="1591407"/>
+            <a:ext cx="2843332" cy="5064368"/>
+          </a:xfrm>
+          <a:prstGeom prst="rect">
+            <a:avLst/>
+          </a:prstGeom>
+        </p:spPr>
+      </p:pic>
+      <p:sp>
+        <p:nvSpPr>
+          <p:cNvPr id="7" name="テキスト ボックス 6"/>
+          <p:cNvSpPr txBox="1"/>
+          <p:nvPr/>
+        </p:nvSpPr>
+        <p:spPr>
+          <a:xfrm>
+            <a:off x="1183053" y="1123727"/>
+            <a:ext cx="1356462" cy="400110"/>
+          </a:xfrm>
+          <a:prstGeom prst="rect">
+            <a:avLst/>
+          </a:prstGeom>
+          <a:noFill/>
+        </p:spPr>
+        <p:txBody>
+          <a:bodyPr wrap="none" rtlCol="0">
+            <a:spAutoFit/>
+          </a:bodyPr>
+          <a:lstStyle/>
+          <a:p>
+            <a:r>
+              <a:rPr kumimoji="1" lang="ja-JP" altLang="en-US" sz="2000" dirty="0"/>
+              <a:t>通常モード</a:t>
+            </a:r>
+            <a:endParaRPr kumimoji="1" lang="ja-JP" altLang="en-US" sz="2000" dirty="0"/>
+          </a:p>
+        </p:txBody>
+      </p:sp>
+      <p:sp>
+        <p:nvSpPr>
+          <p:cNvPr id="20" name="テキスト ボックス 19"/>
+          <p:cNvSpPr txBox="1"/>
+          <p:nvPr/>
+        </p:nvSpPr>
+        <p:spPr>
+          <a:xfrm>
+            <a:off x="3282950" y="5363113"/>
+            <a:ext cx="3389069" cy="1292662"/>
+          </a:xfrm>
+          <a:prstGeom prst="rect">
+            <a:avLst/>
+          </a:prstGeom>
+          <a:noFill/>
+        </p:spPr>
+        <p:txBody>
+          <a:bodyPr wrap="none" rtlCol="0">
+            <a:spAutoFit/>
+          </a:bodyPr>
+          <a:lstStyle/>
+          <a:p>
+            <a:r>
+              <a:rPr kumimoji="1" lang="ja-JP" altLang="en-US" sz="2400" dirty="0" smtClean="0"/>
+              <a:t>通常モード</a:t>
+            </a:r>
+            <a:endParaRPr kumimoji="1" lang="en-US" altLang="ja-JP" sz="2400" dirty="0" smtClean="0"/>
+          </a:p>
+          <a:p>
+            <a:r>
               <a:rPr kumimoji="1" lang="ja-JP" altLang="en-US" dirty="0" smtClean="0"/>
-              <a:t>画面説明</a:t>
-            </a:r>
-            <a:endParaRPr kumimoji="1" lang="ja-JP" altLang="en-US" dirty="0"/>
-          </a:p>
-        </p:txBody>
-      </p:sp>
-      <p:sp>
-        <p:nvSpPr>
-          <p:cNvPr id="3" name="コンテンツ プレースホルダー 2"/>
-          <p:cNvSpPr>
-            <a:spLocks noGrp="1"/>
-          </p:cNvSpPr>
-          <p:nvPr>
-            <p:ph idx="1"/>
-          </p:nvPr>
-        </p:nvSpPr>
-        <p:spPr>
-          <a:xfrm>
-            <a:off x="580294" y="1166122"/>
-            <a:ext cx="3042137" cy="689056"/>
-          </a:xfrm>
-        </p:spPr>
-        <p:txBody>
-          <a:bodyPr/>
-          <a:lstStyle/>
-          <a:p>
-            <a:endParaRPr kumimoji="1" lang="ja-JP" altLang="en-US" dirty="0"/>
+              <a:t>目的の惑星に向かうモードで</a:t>
+            </a:r>
+            <a:endParaRPr kumimoji="1" lang="en-US" altLang="ja-JP" dirty="0" smtClean="0"/>
+          </a:p>
+          <a:p>
+            <a:r>
+              <a:rPr kumimoji="1" lang="ja-JP" altLang="en-US" dirty="0" smtClean="0"/>
+              <a:t>スイングバイを駆使して小惑星や</a:t>
+            </a:r>
+            <a:endParaRPr kumimoji="1" lang="en-US" altLang="ja-JP" dirty="0"/>
+          </a:p>
+          <a:p>
+            <a:r>
+              <a:rPr kumimoji="1" lang="ja-JP" altLang="en-US" dirty="0" smtClean="0"/>
+              <a:t>隕石を回避しながら進む。</a:t>
+            </a:r>
+            <a:endParaRPr kumimoji="1" lang="en-US" altLang="ja-JP" dirty="0" smtClean="0"/>
+          </a:p>
+        </p:txBody>
+      </p:sp>
+      <p:sp>
+        <p:nvSpPr>
+          <p:cNvPr id="22" name="テキスト ボックス 21"/>
+          <p:cNvSpPr txBox="1"/>
+          <p:nvPr/>
+        </p:nvSpPr>
+        <p:spPr>
+          <a:xfrm>
+            <a:off x="7881828" y="1123727"/>
+            <a:ext cx="1356462" cy="400110"/>
+          </a:xfrm>
+          <a:prstGeom prst="rect">
+            <a:avLst/>
+          </a:prstGeom>
+          <a:noFill/>
+        </p:spPr>
+        <p:txBody>
+          <a:bodyPr wrap="none" rtlCol="0">
+            <a:spAutoFit/>
+          </a:bodyPr>
+          <a:lstStyle/>
+          <a:p>
+            <a:r>
+              <a:rPr kumimoji="1" lang="ja-JP" altLang="en-US" sz="2000" dirty="0" smtClean="0"/>
+              <a:t>着陸モード</a:t>
+            </a:r>
+            <a:endParaRPr kumimoji="1" lang="ja-JP" altLang="en-US" sz="2000" dirty="0"/>
+          </a:p>
+        </p:txBody>
+      </p:sp>
+      <p:sp>
+        <p:nvSpPr>
+          <p:cNvPr id="24" name="テキスト ボックス 23"/>
+          <p:cNvSpPr txBox="1"/>
+          <p:nvPr/>
+        </p:nvSpPr>
+        <p:spPr>
+          <a:xfrm>
+            <a:off x="4048491" y="1538267"/>
+            <a:ext cx="3182281" cy="1292662"/>
+          </a:xfrm>
+          <a:prstGeom prst="rect">
+            <a:avLst/>
+          </a:prstGeom>
+          <a:noFill/>
+        </p:spPr>
+        <p:txBody>
+          <a:bodyPr wrap="none" rtlCol="0">
+            <a:spAutoFit/>
+          </a:bodyPr>
+          <a:lstStyle/>
+          <a:p>
+            <a:r>
+              <a:rPr kumimoji="1" lang="ja-JP" altLang="en-US" sz="2400" dirty="0" smtClean="0"/>
+              <a:t>着陸モード</a:t>
+            </a:r>
+            <a:endParaRPr kumimoji="1" lang="en-US" altLang="ja-JP" sz="2400" dirty="0" smtClean="0"/>
+          </a:p>
+          <a:p>
+            <a:r>
+              <a:rPr kumimoji="1" lang="ja-JP" altLang="en-US" dirty="0" smtClean="0"/>
+              <a:t>惑星のサンプルを持ち帰る為、</a:t>
+            </a:r>
+            <a:endParaRPr kumimoji="1" lang="en-US" altLang="ja-JP" dirty="0" smtClean="0"/>
+          </a:p>
+          <a:p>
+            <a:r>
+              <a:rPr kumimoji="1" lang="ja-JP" altLang="en-US" dirty="0" smtClean="0"/>
+              <a:t>青のライン（マーカー）の上に</a:t>
+            </a:r>
+            <a:endParaRPr kumimoji="1" lang="en-US" altLang="ja-JP" dirty="0" smtClean="0"/>
+          </a:p>
+          <a:p>
+            <a:r>
+              <a:rPr kumimoji="1" lang="ja-JP" altLang="en-US" dirty="0" smtClean="0"/>
+              <a:t>正確に着陸する必要がある。</a:t>
+            </a:r>
+            <a:endParaRPr kumimoji="1" lang="en-US" altLang="ja-JP" dirty="0" smtClean="0"/>
+          </a:p>
+        </p:txBody>
+      </p:sp>
+      <p:pic>
+        <p:nvPicPr>
+          <p:cNvPr id="25" name="図 24"/>
+          <p:cNvPicPr>
+            <a:picLocks noChangeAspect="1"/>
+          </p:cNvPicPr>
+          <p:nvPr/>
+        </p:nvPicPr>
+        <p:blipFill>
+          <a:blip r:embed="rId3">
+            <a:extLst>
+              <a:ext uri="{28A0092B-C50C-407E-A947-70E740481C1C}">
+                <a14:useLocalDpi xmlns:a14="http://schemas.microsoft.com/office/drawing/2010/main" val="0"/>
+              </a:ext>
+            </a:extLst>
+          </a:blip>
+          <a:stretch>
+            <a:fillRect/>
+          </a:stretch>
+        </p:blipFill>
+        <p:spPr>
+          <a:xfrm>
+            <a:off x="7127014" y="1591407"/>
+            <a:ext cx="2859819" cy="5064368"/>
+          </a:xfrm>
+          <a:prstGeom prst="rect">
+            <a:avLst/>
+          </a:prstGeom>
+        </p:spPr>
+      </p:pic>
+      <p:sp>
+        <p:nvSpPr>
+          <p:cNvPr id="27" name="右矢印 26"/>
+          <p:cNvSpPr/>
+          <p:nvPr/>
+        </p:nvSpPr>
+        <p:spPr>
+          <a:xfrm>
+            <a:off x="3437664" y="3329786"/>
+            <a:ext cx="3534636" cy="484632"/>
+          </a:xfrm>
+          <a:prstGeom prst="rightArrow">
+            <a:avLst/>
+          </a:prstGeom>
+        </p:spPr>
+        <p:style>
+          <a:lnRef idx="3">
+            <a:schemeClr val="lt1"/>
+          </a:lnRef>
+          <a:fillRef idx="1">
+            <a:schemeClr val="accent1"/>
+          </a:fillRef>
+          <a:effectRef idx="1">
+            <a:schemeClr val="accent1"/>
+          </a:effectRef>
+          <a:fontRef idx="minor">
+            <a:schemeClr val="lt1"/>
+          </a:fontRef>
+        </p:style>
+        <p:txBody>
+          <a:bodyPr rtlCol="0" anchor="ctr"/>
+          <a:lstStyle/>
+          <a:p>
+            <a:pPr algn="ctr"/>
+            <a:endParaRPr kumimoji="1" lang="ja-JP" altLang="en-US"/>
+          </a:p>
+        </p:txBody>
+      </p:sp>
+      <p:sp>
+        <p:nvSpPr>
+          <p:cNvPr id="28" name="正方形/長方形 27"/>
+          <p:cNvSpPr/>
+          <p:nvPr/>
+        </p:nvSpPr>
+        <p:spPr>
+          <a:xfrm>
+            <a:off x="9460523" y="1793631"/>
+            <a:ext cx="526310" cy="4747846"/>
+          </a:xfrm>
+          <a:prstGeom prst="rect">
+            <a:avLst/>
+          </a:prstGeom>
+          <a:noFill/>
+          <a:ln w="38100" cap="flat" cmpd="sng" algn="ctr">
+            <a:solidFill>
+              <a:schemeClr val="accent1"/>
+            </a:solidFill>
+            <a:prstDash val="solid"/>
+            <a:round/>
+            <a:headEnd type="none" w="med" len="med"/>
+            <a:tailEnd type="none" w="med" len="med"/>
+          </a:ln>
+        </p:spPr>
+        <p:style>
+          <a:lnRef idx="0">
+            <a:scrgbClr r="0" g="0" b="0"/>
+          </a:lnRef>
+          <a:fillRef idx="0">
+            <a:scrgbClr r="0" g="0" b="0"/>
+          </a:fillRef>
+          <a:effectRef idx="0">
+            <a:scrgbClr r="0" g="0" b="0"/>
+          </a:effectRef>
+          <a:fontRef idx="minor">
+            <a:schemeClr val="accent1"/>
+          </a:fontRef>
+        </p:style>
+        <p:txBody>
+          <a:bodyPr rtlCol="0" anchor="ctr"/>
+          <a:lstStyle/>
+          <a:p>
+            <a:pPr algn="ctr"/>
+            <a:endParaRPr kumimoji="1" lang="ja-JP" altLang="en-US"/>
+          </a:p>
+        </p:txBody>
+      </p:sp>
+      <p:sp>
+        <p:nvSpPr>
+          <p:cNvPr id="33" name="テキスト ボックス 32"/>
+          <p:cNvSpPr txBox="1"/>
+          <p:nvPr/>
+        </p:nvSpPr>
+        <p:spPr>
+          <a:xfrm>
+            <a:off x="10172024" y="3292593"/>
+            <a:ext cx="1975221" cy="830997"/>
+          </a:xfrm>
+          <a:prstGeom prst="rect">
+            <a:avLst/>
+          </a:prstGeom>
+          <a:noFill/>
+        </p:spPr>
+        <p:txBody>
+          <a:bodyPr wrap="none" rtlCol="0">
+            <a:spAutoFit/>
+          </a:bodyPr>
+          <a:lstStyle/>
+          <a:p>
+            <a:r>
+              <a:rPr kumimoji="1" lang="ja-JP" altLang="en-US" sz="1600" dirty="0" smtClean="0"/>
+              <a:t>この図は状態の</a:t>
+            </a:r>
+            <a:endParaRPr kumimoji="1" lang="en-US" altLang="ja-JP" sz="1600" dirty="0" smtClean="0"/>
+          </a:p>
+          <a:p>
+            <a:r>
+              <a:rPr kumimoji="1" lang="ja-JP" altLang="en-US" sz="1600" dirty="0" smtClean="0"/>
+              <a:t>遷移を表す簡易的な</a:t>
+            </a:r>
+            <a:endParaRPr kumimoji="1" lang="en-US" altLang="ja-JP" sz="1600" dirty="0" smtClean="0"/>
+          </a:p>
+          <a:p>
+            <a:r>
+              <a:rPr kumimoji="1" lang="ja-JP" altLang="en-US" sz="1600" dirty="0" smtClean="0"/>
+              <a:t>マップ</a:t>
+            </a:r>
+            <a:endParaRPr kumimoji="1" lang="en-US" altLang="ja-JP" sz="1600" dirty="0" smtClean="0"/>
+          </a:p>
+        </p:txBody>
+      </p:sp>
+      <p:sp>
+        <p:nvSpPr>
+          <p:cNvPr id="34" name="線吹き出し 1 (枠付き) 33"/>
+          <p:cNvSpPr/>
+          <p:nvPr/>
+        </p:nvSpPr>
+        <p:spPr>
+          <a:xfrm>
+            <a:off x="10216777" y="3292592"/>
+            <a:ext cx="1885713" cy="830997"/>
+          </a:xfrm>
+          <a:prstGeom prst="borderCallout1">
+            <a:avLst>
+              <a:gd name="adj1" fmla="val 1512"/>
+              <a:gd name="adj2" fmla="val -53"/>
+              <a:gd name="adj3" fmla="val 98202"/>
+              <a:gd name="adj4" fmla="val -11654"/>
+            </a:avLst>
+          </a:prstGeom>
+          <a:noFill/>
+          <a:ln w="28575" cap="flat" cmpd="sng" algn="ctr">
+            <a:solidFill>
+              <a:schemeClr val="accent1"/>
+            </a:solidFill>
+            <a:prstDash val="solid"/>
+            <a:round/>
+            <a:headEnd type="none" w="med" len="med"/>
+            <a:tailEnd type="none" w="med" len="med"/>
+          </a:ln>
+        </p:spPr>
+        <p:style>
+          <a:lnRef idx="0">
+            <a:scrgbClr r="0" g="0" b="0"/>
+          </a:lnRef>
+          <a:fillRef idx="0">
+            <a:scrgbClr r="0" g="0" b="0"/>
+          </a:fillRef>
+          <a:effectRef idx="0">
+            <a:scrgbClr r="0" g="0" b="0"/>
+          </a:effectRef>
+          <a:fontRef idx="minor">
+            <a:schemeClr val="accent1"/>
+          </a:fontRef>
+        </p:style>
+        <p:txBody>
+          <a:bodyPr rtlCol="0" anchor="ctr"/>
+          <a:lstStyle/>
+          <a:p>
+            <a:pPr algn="ctr"/>
+            <a:endParaRPr kumimoji="1" lang="ja-JP" altLang="en-US"/>
+          </a:p>
+        </p:txBody>
+      </p:sp>
+      <p:sp>
+        <p:nvSpPr>
+          <p:cNvPr id="35" name="右矢印 34"/>
+          <p:cNvSpPr/>
+          <p:nvPr/>
+        </p:nvSpPr>
+        <p:spPr>
+          <a:xfrm flipH="1">
+            <a:off x="3431430" y="4313275"/>
+            <a:ext cx="3534636" cy="484632"/>
+          </a:xfrm>
+          <a:prstGeom prst="rightArrow">
+            <a:avLst/>
+          </a:prstGeom>
+        </p:spPr>
+        <p:style>
+          <a:lnRef idx="3">
+            <a:schemeClr val="lt1"/>
+          </a:lnRef>
+          <a:fillRef idx="1">
+            <a:schemeClr val="accent1"/>
+          </a:fillRef>
+          <a:effectRef idx="1">
+            <a:schemeClr val="accent1"/>
+          </a:effectRef>
+          <a:fontRef idx="minor">
+            <a:schemeClr val="lt1"/>
+          </a:fontRef>
+        </p:style>
+        <p:txBody>
+          <a:bodyPr rtlCol="0" anchor="ctr"/>
+          <a:lstStyle/>
+          <a:p>
+            <a:pPr algn="ctr"/>
+            <a:endParaRPr kumimoji="1" lang="ja-JP" altLang="en-US"/>
+          </a:p>
+        </p:txBody>
+      </p:sp>
+      <p:sp>
+        <p:nvSpPr>
+          <p:cNvPr id="36" name="正方形/長方形 35"/>
+          <p:cNvSpPr/>
+          <p:nvPr/>
+        </p:nvSpPr>
+        <p:spPr>
+          <a:xfrm>
+            <a:off x="7127014" y="1591407"/>
+            <a:ext cx="754814" cy="747347"/>
+          </a:xfrm>
+          <a:prstGeom prst="rect">
+            <a:avLst/>
+          </a:prstGeom>
+          <a:noFill/>
+          <a:ln w="28575" cap="flat" cmpd="sng" algn="ctr">
+            <a:solidFill>
+              <a:schemeClr val="accent1"/>
+            </a:solidFill>
+            <a:prstDash val="solid"/>
+            <a:round/>
+            <a:headEnd type="none" w="med" len="med"/>
+            <a:tailEnd type="none" w="med" len="med"/>
+          </a:ln>
+        </p:spPr>
+        <p:style>
+          <a:lnRef idx="0">
+            <a:scrgbClr r="0" g="0" b="0"/>
+          </a:lnRef>
+          <a:fillRef idx="0">
+            <a:scrgbClr r="0" g="0" b="0"/>
+          </a:fillRef>
+          <a:effectRef idx="0">
+            <a:scrgbClr r="0" g="0" b="0"/>
+          </a:effectRef>
+          <a:fontRef idx="minor">
+            <a:schemeClr val="accent1"/>
+          </a:fontRef>
+        </p:style>
+        <p:txBody>
+          <a:bodyPr rtlCol="0" anchor="ctr"/>
+          <a:lstStyle/>
+          <a:p>
+            <a:pPr algn="ctr"/>
+            <a:endParaRPr kumimoji="1" lang="ja-JP" altLang="en-US"/>
+          </a:p>
+        </p:txBody>
+      </p:sp>
+      <p:sp>
+        <p:nvSpPr>
+          <p:cNvPr id="37" name="線吹き出し 1 (枠付き) 36"/>
+          <p:cNvSpPr/>
+          <p:nvPr/>
+        </p:nvSpPr>
+        <p:spPr>
+          <a:xfrm>
+            <a:off x="10216056" y="1938005"/>
+            <a:ext cx="1887153" cy="880523"/>
+          </a:xfrm>
+          <a:prstGeom prst="borderCallout1">
+            <a:avLst>
+              <a:gd name="adj1" fmla="val -222"/>
+              <a:gd name="adj2" fmla="val 519"/>
+              <a:gd name="adj3" fmla="val -48264"/>
+              <a:gd name="adj4" fmla="val -7840"/>
+            </a:avLst>
+          </a:prstGeom>
+          <a:noFill/>
+          <a:ln w="28575" cap="flat" cmpd="sng" algn="ctr">
+            <a:solidFill>
+              <a:schemeClr val="accent1"/>
+            </a:solidFill>
+            <a:prstDash val="solid"/>
+            <a:round/>
+            <a:headEnd type="none" w="med" len="med"/>
+            <a:tailEnd type="none" w="med" len="med"/>
+          </a:ln>
+        </p:spPr>
+        <p:style>
+          <a:lnRef idx="0">
+            <a:scrgbClr r="0" g="0" b="0"/>
+          </a:lnRef>
+          <a:fillRef idx="0">
+            <a:scrgbClr r="0" g="0" b="0"/>
+          </a:fillRef>
+          <a:effectRef idx="0">
+            <a:scrgbClr r="0" g="0" b="0"/>
+          </a:effectRef>
+          <a:fontRef idx="minor">
+            <a:schemeClr val="accent1"/>
+          </a:fontRef>
+        </p:style>
+        <p:txBody>
+          <a:bodyPr rtlCol="0" anchor="ctr"/>
+          <a:lstStyle/>
+          <a:p>
+            <a:pPr algn="ctr"/>
+            <a:endParaRPr kumimoji="1" lang="ja-JP" altLang="en-US"/>
+          </a:p>
+        </p:txBody>
+      </p:sp>
+      <p:cxnSp>
+        <p:nvCxnSpPr>
+          <p:cNvPr id="39" name="直線コネクタ 38"/>
+          <p:cNvCxnSpPr/>
+          <p:nvPr/>
+        </p:nvCxnSpPr>
+        <p:spPr>
+          <a:xfrm>
+            <a:off x="7983415" y="1523837"/>
+            <a:ext cx="2101362" cy="0"/>
+          </a:xfrm>
+          <a:prstGeom prst="line">
+            <a:avLst/>
+          </a:prstGeom>
+          <a:ln w="38100"/>
+        </p:spPr>
+        <p:style>
+          <a:lnRef idx="1">
+            <a:schemeClr val="accent1"/>
+          </a:lnRef>
+          <a:fillRef idx="0">
+            <a:schemeClr val="accent1"/>
+          </a:fillRef>
+          <a:effectRef idx="0">
+            <a:schemeClr val="accent1"/>
+          </a:effectRef>
+          <a:fontRef idx="minor">
+            <a:schemeClr val="tx1"/>
+          </a:fontRef>
+        </p:style>
+      </p:cxnSp>
+      <p:cxnSp>
+        <p:nvCxnSpPr>
+          <p:cNvPr id="47" name="直線コネクタ 46"/>
+          <p:cNvCxnSpPr/>
+          <p:nvPr/>
+        </p:nvCxnSpPr>
+        <p:spPr>
+          <a:xfrm flipV="1">
+            <a:off x="7881828" y="1523837"/>
+            <a:ext cx="101587" cy="80486"/>
+          </a:xfrm>
+          <a:prstGeom prst="line">
+            <a:avLst/>
+          </a:prstGeom>
+          <a:ln w="28575"/>
+        </p:spPr>
+        <p:style>
+          <a:lnRef idx="1">
+            <a:schemeClr val="accent1"/>
+          </a:lnRef>
+          <a:fillRef idx="0">
+            <a:schemeClr val="accent1"/>
+          </a:fillRef>
+          <a:effectRef idx="0">
+            <a:schemeClr val="accent1"/>
+          </a:effectRef>
+          <a:fontRef idx="minor">
+            <a:schemeClr val="tx1"/>
+          </a:fontRef>
+        </p:style>
+      </p:cxnSp>
+      <p:sp>
+        <p:nvSpPr>
+          <p:cNvPr id="52" name="テキスト ボックス 51"/>
+          <p:cNvSpPr txBox="1"/>
+          <p:nvPr/>
+        </p:nvSpPr>
+        <p:spPr>
+          <a:xfrm>
+            <a:off x="10200441" y="2008934"/>
+            <a:ext cx="1970411" cy="830997"/>
+          </a:xfrm>
+          <a:prstGeom prst="rect">
+            <a:avLst/>
+          </a:prstGeom>
+          <a:noFill/>
+        </p:spPr>
+        <p:txBody>
+          <a:bodyPr wrap="none" rtlCol="0">
+            <a:spAutoFit/>
+          </a:bodyPr>
+          <a:lstStyle/>
+          <a:p>
+            <a:r>
+              <a:rPr kumimoji="1" lang="ja-JP" altLang="en-US" sz="1600" dirty="0" smtClean="0"/>
+              <a:t>自機の角度を測る。</a:t>
+            </a:r>
+            <a:endParaRPr kumimoji="1" lang="en-US" altLang="ja-JP" sz="1600" dirty="0" smtClean="0"/>
+          </a:p>
+          <a:p>
+            <a:r>
+              <a:rPr kumimoji="1" lang="ja-JP" altLang="en-US" sz="1600" dirty="0" smtClean="0"/>
+              <a:t>角度をつけて着陸し</a:t>
+            </a:r>
+            <a:endParaRPr kumimoji="1" lang="en-US" altLang="ja-JP" sz="1600" dirty="0" smtClean="0"/>
+          </a:p>
+          <a:p>
+            <a:r>
+              <a:rPr kumimoji="1" lang="ja-JP" altLang="en-US" sz="1600" dirty="0" smtClean="0"/>
+              <a:t>てしまうと着陸失敗。</a:t>
+            </a:r>
+            <a:endParaRPr kumimoji="1" lang="ja-JP" altLang="en-US" sz="1600" dirty="0"/>
           </a:p>
         </p:txBody>
       </p:sp>
@@ -7905,13 +7641,13 @@
   <p:clrMapOvr>
     <a:masterClrMapping/>
   </p:clrMapOvr>
-  <mc:AlternateContent xmlns:mc="http://schemas.openxmlformats.org/markup-compatibility/2006">
-    <mc:Choice xmlns:p14="http://schemas.microsoft.com/office/powerpoint/2010/main" Requires="p14">
+  <mc:AlternateContent xmlns:mc="http://schemas.openxmlformats.org/markup-compatibility/2006" xmlns:p14="http://schemas.microsoft.com/office/powerpoint/2010/main">
+    <mc:Choice Requires="p14">
       <p:transition spd="slow" p14:dur="2000">
         <p14:ferris dir="l"/>
       </p:transition>
     </mc:Choice>
-    <mc:Fallback>
+    <mc:Fallback xmlns="">
       <p:transition spd="slow">
         <p:fade/>
       </p:transition>
@@ -7956,8 +7692,8 @@
         </p:nvSpPr>
         <p:spPr>
           <a:xfrm>
-            <a:off x="0" y="90854"/>
-            <a:ext cx="3745522" cy="858715"/>
+            <a:off x="48357" y="43273"/>
+            <a:ext cx="3200400" cy="800100"/>
           </a:xfrm>
         </p:spPr>
         <p:txBody>
@@ -7966,87 +7702,570 @@
           <a:p>
             <a:r>
               <a:rPr kumimoji="1" lang="ja-JP" altLang="en-US" dirty="0" smtClean="0"/>
-              <a:t>ゲーム内容</a:t>
+              <a:t>ゲームサイクル</a:t>
             </a:r>
             <a:endParaRPr kumimoji="1" lang="ja-JP" altLang="en-US" dirty="0"/>
           </a:p>
         </p:txBody>
       </p:sp>
-      <p:pic>
-        <p:nvPicPr>
-          <p:cNvPr id="4" name="図 3"/>
-          <p:cNvPicPr>
-            <a:picLocks noChangeAspect="1"/>
-          </p:cNvPicPr>
+      <p:sp>
+        <p:nvSpPr>
+          <p:cNvPr id="5" name="角丸四角形 4"/>
+          <p:cNvSpPr/>
           <p:nvPr/>
-        </p:nvPicPr>
-        <p:blipFill>
-          <a:blip r:embed="rId2">
-            <a:extLst>
-              <a:ext uri="{28A0092B-C50C-407E-A947-70E740481C1C}">
-                <a14:useLocalDpi xmlns:a14="http://schemas.microsoft.com/office/drawing/2010/main" val="0"/>
-              </a:ext>
-            </a:extLst>
-          </a:blip>
-          <a:stretch>
-            <a:fillRect/>
-          </a:stretch>
-        </p:blipFill>
-        <p:spPr>
-          <a:xfrm>
-            <a:off x="205429" y="863599"/>
-            <a:ext cx="1813690" cy="3225409"/>
-          </a:xfrm>
-          <a:prstGeom prst="rect">
+        </p:nvSpPr>
+        <p:spPr>
+          <a:xfrm>
+            <a:off x="2566121" y="3894993"/>
+            <a:ext cx="1820008" cy="808892"/>
+          </a:xfrm>
+          <a:prstGeom prst="roundRect">
             <a:avLst/>
           </a:prstGeom>
-        </p:spPr>
-      </p:pic>
-      <p:cxnSp>
-        <p:nvCxnSpPr>
-          <p:cNvPr id="9" name="カギ線コネクタ 8"/>
-          <p:cNvCxnSpPr/>
-          <p:nvPr/>
-        </p:nvCxnSpPr>
-        <p:spPr>
-          <a:xfrm rot="10800000">
-            <a:off x="2037982" y="1209040"/>
-            <a:ext cx="522339" cy="223520"/>
-          </a:xfrm>
-          <a:prstGeom prst="bentConnector3">
-            <a:avLst>
-              <a:gd name="adj1" fmla="val 50000"/>
-            </a:avLst>
-          </a:prstGeom>
+          <a:solidFill>
+            <a:schemeClr val="accent1">
+              <a:alpha val="50000"/>
+            </a:schemeClr>
+          </a:solidFill>
           <a:ln>
-            <a:tailEnd type="triangle"/>
+            <a:noFill/>
           </a:ln>
         </p:spPr>
         <p:style>
-          <a:lnRef idx="1">
-            <a:schemeClr val="accent1"/>
+          <a:lnRef idx="0">
+            <a:scrgbClr r="0" g="0" b="0"/>
           </a:lnRef>
           <a:fillRef idx="0">
+            <a:scrgbClr r="0" g="0" b="0"/>
+          </a:fillRef>
+          <a:effectRef idx="0">
+            <a:scrgbClr r="0" g="0" b="0"/>
+          </a:effectRef>
+          <a:fontRef idx="minor">
+            <a:schemeClr val="lt1"/>
+          </a:fontRef>
+        </p:style>
+        <p:txBody>
+          <a:bodyPr rtlCol="0" anchor="ctr"/>
+          <a:lstStyle/>
+          <a:p>
+            <a:pPr algn="ctr"/>
+            <a:r>
+              <a:rPr kumimoji="1" lang="ja-JP" altLang="en-US" dirty="0" smtClean="0"/>
+              <a:t>タイトル</a:t>
+            </a:r>
+            <a:endParaRPr kumimoji="1" lang="ja-JP" altLang="en-US" dirty="0"/>
+          </a:p>
+        </p:txBody>
+      </p:sp>
+      <p:sp>
+        <p:nvSpPr>
+          <p:cNvPr id="36" name="角丸四角形 35"/>
+          <p:cNvSpPr/>
+          <p:nvPr/>
+        </p:nvSpPr>
+        <p:spPr>
+          <a:xfrm>
+            <a:off x="5278346" y="1298736"/>
+            <a:ext cx="1820008" cy="808892"/>
+          </a:xfrm>
+          <a:prstGeom prst="roundRect">
+            <a:avLst/>
+          </a:prstGeom>
+          <a:solidFill>
+            <a:schemeClr val="accent1">
+              <a:alpha val="50000"/>
+            </a:schemeClr>
+          </a:solidFill>
+          <a:ln>
+            <a:noFill/>
+          </a:ln>
+        </p:spPr>
+        <p:style>
+          <a:lnRef idx="0">
+            <a:scrgbClr r="0" g="0" b="0"/>
+          </a:lnRef>
+          <a:fillRef idx="0">
+            <a:scrgbClr r="0" g="0" b="0"/>
+          </a:fillRef>
+          <a:effectRef idx="0">
+            <a:scrgbClr r="0" g="0" b="0"/>
+          </a:effectRef>
+          <a:fontRef idx="minor">
+            <a:schemeClr val="lt1"/>
+          </a:fontRef>
+        </p:style>
+        <p:txBody>
+          <a:bodyPr rtlCol="0" anchor="ctr"/>
+          <a:lstStyle/>
+          <a:p>
+            <a:pPr algn="ctr"/>
+            <a:r>
+              <a:rPr kumimoji="1" lang="ja-JP" altLang="en-US" dirty="0" smtClean="0"/>
+              <a:t>クリア</a:t>
+            </a:r>
+            <a:endParaRPr kumimoji="1" lang="ja-JP" altLang="en-US" dirty="0"/>
+          </a:p>
+        </p:txBody>
+      </p:sp>
+      <p:sp>
+        <p:nvSpPr>
+          <p:cNvPr id="37" name="角丸四角形 36"/>
+          <p:cNvSpPr/>
+          <p:nvPr/>
+        </p:nvSpPr>
+        <p:spPr>
+          <a:xfrm>
+            <a:off x="7990571" y="3894993"/>
+            <a:ext cx="1820008" cy="808892"/>
+          </a:xfrm>
+          <a:prstGeom prst="roundRect">
+            <a:avLst/>
+          </a:prstGeom>
+          <a:solidFill>
+            <a:schemeClr val="accent1">
+              <a:alpha val="50000"/>
+            </a:schemeClr>
+          </a:solidFill>
+          <a:ln>
+            <a:noFill/>
+          </a:ln>
+        </p:spPr>
+        <p:style>
+          <a:lnRef idx="0">
+            <a:scrgbClr r="0" g="0" b="0"/>
+          </a:lnRef>
+          <a:fillRef idx="0">
+            <a:scrgbClr r="0" g="0" b="0"/>
+          </a:fillRef>
+          <a:effectRef idx="0">
+            <a:scrgbClr r="0" g="0" b="0"/>
+          </a:effectRef>
+          <a:fontRef idx="minor">
+            <a:schemeClr val="lt1"/>
+          </a:fontRef>
+        </p:style>
+        <p:txBody>
+          <a:bodyPr rtlCol="0" anchor="ctr"/>
+          <a:lstStyle/>
+          <a:p>
+            <a:pPr algn="ctr"/>
+            <a:r>
+              <a:rPr kumimoji="1" lang="ja-JP" altLang="en-US" dirty="0" smtClean="0"/>
+              <a:t>着陸モード</a:t>
+            </a:r>
+            <a:endParaRPr kumimoji="1" lang="ja-JP" altLang="en-US" dirty="0"/>
+          </a:p>
+        </p:txBody>
+      </p:sp>
+      <p:sp>
+        <p:nvSpPr>
+          <p:cNvPr id="38" name="角丸四角形 37"/>
+          <p:cNvSpPr/>
+          <p:nvPr/>
+        </p:nvSpPr>
+        <p:spPr>
+          <a:xfrm>
+            <a:off x="5278346" y="3894993"/>
+            <a:ext cx="1820008" cy="808892"/>
+          </a:xfrm>
+          <a:prstGeom prst="roundRect">
+            <a:avLst/>
+          </a:prstGeom>
+          <a:solidFill>
+            <a:schemeClr val="accent1">
+              <a:alpha val="50000"/>
+            </a:schemeClr>
+          </a:solidFill>
+          <a:ln>
+            <a:noFill/>
+          </a:ln>
+        </p:spPr>
+        <p:style>
+          <a:lnRef idx="0">
+            <a:scrgbClr r="0" g="0" b="0"/>
+          </a:lnRef>
+          <a:fillRef idx="0">
+            <a:scrgbClr r="0" g="0" b="0"/>
+          </a:fillRef>
+          <a:effectRef idx="0">
+            <a:scrgbClr r="0" g="0" b="0"/>
+          </a:effectRef>
+          <a:fontRef idx="minor">
+            <a:schemeClr val="lt1"/>
+          </a:fontRef>
+        </p:style>
+        <p:txBody>
+          <a:bodyPr rtlCol="0" anchor="ctr"/>
+          <a:lstStyle/>
+          <a:p>
+            <a:pPr algn="ctr"/>
+            <a:r>
+              <a:rPr kumimoji="1" lang="ja-JP" altLang="en-US" dirty="0" smtClean="0"/>
+              <a:t>通常モード</a:t>
+            </a:r>
+            <a:endParaRPr kumimoji="1" lang="ja-JP" altLang="en-US" dirty="0"/>
+          </a:p>
+        </p:txBody>
+      </p:sp>
+      <p:sp>
+        <p:nvSpPr>
+          <p:cNvPr id="39" name="角丸四角形 38"/>
+          <p:cNvSpPr/>
+          <p:nvPr/>
+        </p:nvSpPr>
+        <p:spPr>
+          <a:xfrm>
+            <a:off x="5278346" y="2596864"/>
+            <a:ext cx="1820008" cy="808892"/>
+          </a:xfrm>
+          <a:prstGeom prst="roundRect">
+            <a:avLst/>
+          </a:prstGeom>
+          <a:solidFill>
+            <a:schemeClr val="accent1">
+              <a:alpha val="50000"/>
+            </a:schemeClr>
+          </a:solidFill>
+          <a:ln>
+            <a:noFill/>
+          </a:ln>
+        </p:spPr>
+        <p:style>
+          <a:lnRef idx="0">
+            <a:scrgbClr r="0" g="0" b="0"/>
+          </a:lnRef>
+          <a:fillRef idx="0">
+            <a:scrgbClr r="0" g="0" b="0"/>
+          </a:fillRef>
+          <a:effectRef idx="0">
+            <a:scrgbClr r="0" g="0" b="0"/>
+          </a:effectRef>
+          <a:fontRef idx="minor">
+            <a:schemeClr val="lt1"/>
+          </a:fontRef>
+        </p:style>
+        <p:txBody>
+          <a:bodyPr rtlCol="0" anchor="ctr"/>
+          <a:lstStyle/>
+          <a:p>
+            <a:pPr algn="ctr"/>
+            <a:r>
+              <a:rPr kumimoji="1" lang="ja-JP" altLang="en-US" dirty="0" smtClean="0"/>
+              <a:t>リザルト</a:t>
+            </a:r>
+            <a:endParaRPr kumimoji="1" lang="ja-JP" altLang="en-US" dirty="0"/>
+          </a:p>
+        </p:txBody>
+      </p:sp>
+      <p:sp>
+        <p:nvSpPr>
+          <p:cNvPr id="40" name="角丸四角形 39"/>
+          <p:cNvSpPr/>
+          <p:nvPr/>
+        </p:nvSpPr>
+        <p:spPr>
+          <a:xfrm>
+            <a:off x="5278346" y="5193122"/>
+            <a:ext cx="1820008" cy="808892"/>
+          </a:xfrm>
+          <a:prstGeom prst="roundRect">
+            <a:avLst/>
+          </a:prstGeom>
+          <a:solidFill>
+            <a:schemeClr val="accent1">
+              <a:alpha val="50000"/>
+            </a:schemeClr>
+          </a:solidFill>
+          <a:ln>
+            <a:noFill/>
+          </a:ln>
+        </p:spPr>
+        <p:style>
+          <a:lnRef idx="0">
+            <a:scrgbClr r="0" g="0" b="0"/>
+          </a:lnRef>
+          <a:fillRef idx="0">
+            <a:scrgbClr r="0" g="0" b="0"/>
+          </a:fillRef>
+          <a:effectRef idx="0">
+            <a:scrgbClr r="0" g="0" b="0"/>
+          </a:effectRef>
+          <a:fontRef idx="minor">
+            <a:schemeClr val="lt1"/>
+          </a:fontRef>
+        </p:style>
+        <p:txBody>
+          <a:bodyPr rtlCol="0" anchor="ctr"/>
+          <a:lstStyle/>
+          <a:p>
+            <a:pPr algn="ctr"/>
+            <a:r>
+              <a:rPr kumimoji="1" lang="ja-JP" altLang="en-US" dirty="0" smtClean="0"/>
+              <a:t>ゲームオーバー</a:t>
+            </a:r>
+            <a:endParaRPr kumimoji="1" lang="ja-JP" altLang="en-US" dirty="0"/>
+          </a:p>
+        </p:txBody>
+      </p:sp>
+      <p:sp>
+        <p:nvSpPr>
+          <p:cNvPr id="21" name="右矢印 20"/>
+          <p:cNvSpPr/>
+          <p:nvPr/>
+        </p:nvSpPr>
+        <p:spPr>
+          <a:xfrm>
+            <a:off x="4456000" y="4092556"/>
+            <a:ext cx="752474" cy="413766"/>
+          </a:xfrm>
+          <a:prstGeom prst="rightArrow">
+            <a:avLst/>
+          </a:prstGeom>
+          <a:solidFill>
+            <a:schemeClr val="tx1"/>
+          </a:solidFill>
+          <a:ln w="38100">
+            <a:solidFill>
+              <a:schemeClr val="accent1">
+                <a:lumMod val="75000"/>
+              </a:schemeClr>
+            </a:solidFill>
+          </a:ln>
+        </p:spPr>
+        <p:style>
+          <a:lnRef idx="2">
+            <a:schemeClr val="accent1">
+              <a:shade val="50000"/>
+            </a:schemeClr>
+          </a:lnRef>
+          <a:fillRef idx="1">
             <a:schemeClr val="accent1"/>
           </a:fillRef>
           <a:effectRef idx="0">
             <a:schemeClr val="accent1"/>
           </a:effectRef>
           <a:fontRef idx="minor">
-            <a:schemeClr val="tx1"/>
+            <a:schemeClr val="lt1"/>
           </a:fontRef>
         </p:style>
-      </p:cxnSp>
-      <p:sp>
-        <p:nvSpPr>
-          <p:cNvPr id="14" name="テキスト ボックス 13"/>
+        <p:txBody>
+          <a:bodyPr rtlCol="0" anchor="ctr"/>
+          <a:lstStyle/>
+          <a:p>
+            <a:pPr algn="ctr"/>
+            <a:endParaRPr kumimoji="1" lang="ja-JP" altLang="en-US"/>
+          </a:p>
+        </p:txBody>
+      </p:sp>
+      <p:sp>
+        <p:nvSpPr>
+          <p:cNvPr id="41" name="右矢印 40"/>
+          <p:cNvSpPr/>
+          <p:nvPr/>
+        </p:nvSpPr>
+        <p:spPr>
+          <a:xfrm>
+            <a:off x="7133289" y="3922907"/>
+            <a:ext cx="822346" cy="312391"/>
+          </a:xfrm>
+          <a:prstGeom prst="rightArrow">
+            <a:avLst/>
+          </a:prstGeom>
+          <a:solidFill>
+            <a:schemeClr val="tx1"/>
+          </a:solidFill>
+          <a:ln w="38100">
+            <a:solidFill>
+              <a:schemeClr val="accent1">
+                <a:lumMod val="75000"/>
+              </a:schemeClr>
+            </a:solidFill>
+          </a:ln>
+        </p:spPr>
+        <p:style>
+          <a:lnRef idx="2">
+            <a:schemeClr val="accent1">
+              <a:shade val="50000"/>
+            </a:schemeClr>
+          </a:lnRef>
+          <a:fillRef idx="1">
+            <a:schemeClr val="accent1"/>
+          </a:fillRef>
+          <a:effectRef idx="0">
+            <a:schemeClr val="accent1"/>
+          </a:effectRef>
+          <a:fontRef idx="minor">
+            <a:schemeClr val="lt1"/>
+          </a:fontRef>
+        </p:style>
+        <p:txBody>
+          <a:bodyPr rtlCol="0" anchor="ctr"/>
+          <a:lstStyle/>
+          <a:p>
+            <a:pPr algn="ctr"/>
+            <a:endParaRPr kumimoji="1" lang="ja-JP" altLang="en-US"/>
+          </a:p>
+        </p:txBody>
+      </p:sp>
+      <p:sp>
+        <p:nvSpPr>
+          <p:cNvPr id="46" name="右矢印 45"/>
+          <p:cNvSpPr/>
+          <p:nvPr/>
+        </p:nvSpPr>
+        <p:spPr>
+          <a:xfrm rot="16200000">
+            <a:off x="5681850" y="3472096"/>
+            <a:ext cx="433689" cy="356554"/>
+          </a:xfrm>
+          <a:prstGeom prst="rightArrow">
+            <a:avLst/>
+          </a:prstGeom>
+          <a:solidFill>
+            <a:schemeClr val="tx1"/>
+          </a:solidFill>
+          <a:ln w="38100">
+            <a:solidFill>
+              <a:schemeClr val="accent1">
+                <a:lumMod val="75000"/>
+              </a:schemeClr>
+            </a:solidFill>
+          </a:ln>
+        </p:spPr>
+        <p:style>
+          <a:lnRef idx="2">
+            <a:schemeClr val="accent1">
+              <a:shade val="50000"/>
+            </a:schemeClr>
+          </a:lnRef>
+          <a:fillRef idx="1">
+            <a:schemeClr val="accent1"/>
+          </a:fillRef>
+          <a:effectRef idx="0">
+            <a:schemeClr val="accent1"/>
+          </a:effectRef>
+          <a:fontRef idx="minor">
+            <a:schemeClr val="lt1"/>
+          </a:fontRef>
+        </p:style>
+        <p:txBody>
+          <a:bodyPr rtlCol="0" anchor="ctr"/>
+          <a:lstStyle/>
+          <a:p>
+            <a:pPr algn="ctr"/>
+            <a:endParaRPr kumimoji="1" lang="ja-JP" altLang="en-US"/>
+          </a:p>
+        </p:txBody>
+      </p:sp>
+      <p:sp>
+        <p:nvSpPr>
+          <p:cNvPr id="47" name="右矢印 46"/>
+          <p:cNvSpPr/>
+          <p:nvPr/>
+        </p:nvSpPr>
+        <p:spPr>
+          <a:xfrm rot="16200000">
+            <a:off x="5971506" y="2172836"/>
+            <a:ext cx="433689" cy="356554"/>
+          </a:xfrm>
+          <a:prstGeom prst="rightArrow">
+            <a:avLst/>
+          </a:prstGeom>
+          <a:solidFill>
+            <a:schemeClr val="tx1"/>
+          </a:solidFill>
+          <a:ln w="38100">
+            <a:solidFill>
+              <a:schemeClr val="accent2"/>
+            </a:solidFill>
+          </a:ln>
+        </p:spPr>
+        <p:style>
+          <a:lnRef idx="2">
+            <a:schemeClr val="accent1">
+              <a:shade val="50000"/>
+            </a:schemeClr>
+          </a:lnRef>
+          <a:fillRef idx="1">
+            <a:schemeClr val="accent1"/>
+          </a:fillRef>
+          <a:effectRef idx="0">
+            <a:schemeClr val="accent1"/>
+          </a:effectRef>
+          <a:fontRef idx="minor">
+            <a:schemeClr val="lt1"/>
+          </a:fontRef>
+        </p:style>
+        <p:txBody>
+          <a:bodyPr rtlCol="0" anchor="ctr"/>
+          <a:lstStyle/>
+          <a:p>
+            <a:pPr algn="ctr"/>
+            <a:endParaRPr kumimoji="1" lang="ja-JP" altLang="en-US"/>
+          </a:p>
+        </p:txBody>
+      </p:sp>
+      <p:sp>
+        <p:nvSpPr>
+          <p:cNvPr id="48" name="右矢印 47"/>
+          <p:cNvSpPr/>
+          <p:nvPr/>
+        </p:nvSpPr>
+        <p:spPr>
+          <a:xfrm rot="5400000" flipV="1">
+            <a:off x="5971505" y="4770225"/>
+            <a:ext cx="433689" cy="356554"/>
+          </a:xfrm>
+          <a:prstGeom prst="rightArrow">
+            <a:avLst/>
+          </a:prstGeom>
+          <a:solidFill>
+            <a:schemeClr val="tx1"/>
+          </a:solidFill>
+          <a:ln w="38100">
+            <a:solidFill>
+              <a:schemeClr val="accent1">
+                <a:lumMod val="75000"/>
+              </a:schemeClr>
+            </a:solidFill>
+          </a:ln>
+        </p:spPr>
+        <p:style>
+          <a:lnRef idx="2">
+            <a:schemeClr val="accent1">
+              <a:shade val="50000"/>
+            </a:schemeClr>
+          </a:lnRef>
+          <a:fillRef idx="1">
+            <a:schemeClr val="accent1"/>
+          </a:fillRef>
+          <a:effectRef idx="0">
+            <a:schemeClr val="accent1"/>
+          </a:effectRef>
+          <a:fontRef idx="minor">
+            <a:schemeClr val="lt1"/>
+          </a:fontRef>
+        </p:style>
+        <p:txBody>
+          <a:bodyPr rtlCol="0" anchor="ctr"/>
+          <a:lstStyle/>
+          <a:p>
+            <a:pPr algn="ctr"/>
+            <a:endParaRPr kumimoji="1" lang="ja-JP" altLang="en-US"/>
+          </a:p>
+        </p:txBody>
+      </p:sp>
+      <p:sp>
+        <p:nvSpPr>
+          <p:cNvPr id="49" name="テキスト ボックス 48"/>
           <p:cNvSpPr txBox="1"/>
           <p:nvPr/>
         </p:nvSpPr>
         <p:spPr>
           <a:xfrm>
-            <a:off x="2621151" y="949569"/>
-            <a:ext cx="2032129" cy="369332"/>
+            <a:off x="6349472" y="2168129"/>
+            <a:ext cx="1107996" cy="369332"/>
           </a:xfrm>
           <a:prstGeom prst="rect">
             <a:avLst/>
@@ -8054,32 +8273,518 @@
           <a:noFill/>
         </p:spPr>
         <p:txBody>
-          <a:bodyPr wrap="square" rtlCol="0">
+          <a:bodyPr wrap="none" rtlCol="0">
             <a:spAutoFit/>
           </a:bodyPr>
           <a:lstStyle/>
           <a:p>
-            <a:endParaRPr kumimoji="1" lang="ja-JP" altLang="en-US" dirty="0"/>
+            <a:r>
+              <a:rPr kumimoji="1" lang="ja-JP" altLang="en-US" dirty="0" smtClean="0">
+                <a:ln>
+                  <a:solidFill>
+                    <a:schemeClr val="accent2"/>
+                  </a:solidFill>
+                </a:ln>
+              </a:rPr>
+              <a:t>条件達成</a:t>
+            </a:r>
+            <a:endParaRPr kumimoji="1" lang="ja-JP" altLang="en-US" dirty="0">
+              <a:ln>
+                <a:solidFill>
+                  <a:schemeClr val="accent2"/>
+                </a:solidFill>
+              </a:ln>
+            </a:endParaRPr>
+          </a:p>
+        </p:txBody>
+      </p:sp>
+      <p:sp>
+        <p:nvSpPr>
+          <p:cNvPr id="50" name="屈折矢印 49"/>
+          <p:cNvSpPr/>
+          <p:nvPr/>
+        </p:nvSpPr>
+        <p:spPr>
+          <a:xfrm rot="16200000" flipH="1">
+            <a:off x="7574788" y="4386649"/>
+            <a:ext cx="1161427" cy="1851447"/>
+          </a:xfrm>
+          <a:prstGeom prst="bentUpArrow">
+            <a:avLst/>
+          </a:prstGeom>
+          <a:ln w="28575"/>
+        </p:spPr>
+        <p:style>
+          <a:lnRef idx="2">
+            <a:schemeClr val="accent1"/>
+          </a:lnRef>
+          <a:fillRef idx="1">
+            <a:schemeClr val="lt1"/>
+          </a:fillRef>
+          <a:effectRef idx="0">
+            <a:schemeClr val="accent1"/>
+          </a:effectRef>
+          <a:fontRef idx="minor">
+            <a:schemeClr val="dk1"/>
+          </a:fontRef>
+        </p:style>
+        <p:txBody>
+          <a:bodyPr rtlCol="0" anchor="ctr"/>
+          <a:lstStyle/>
+          <a:p>
+            <a:pPr algn="ctr"/>
+            <a:endParaRPr kumimoji="1" lang="ja-JP" altLang="en-US"/>
+          </a:p>
+        </p:txBody>
+      </p:sp>
+      <p:sp>
+        <p:nvSpPr>
+          <p:cNvPr id="52" name="右矢印 51"/>
+          <p:cNvSpPr/>
+          <p:nvPr/>
+        </p:nvSpPr>
+        <p:spPr>
+          <a:xfrm rot="5400000" flipV="1">
+            <a:off x="6328060" y="3472096"/>
+            <a:ext cx="433689" cy="356554"/>
+          </a:xfrm>
+          <a:prstGeom prst="rightArrow">
+            <a:avLst/>
+          </a:prstGeom>
+          <a:solidFill>
+            <a:schemeClr val="tx1"/>
+          </a:solidFill>
+          <a:ln w="38100">
+            <a:solidFill>
+              <a:schemeClr val="accent1">
+                <a:lumMod val="75000"/>
+              </a:schemeClr>
+            </a:solidFill>
+          </a:ln>
+        </p:spPr>
+        <p:style>
+          <a:lnRef idx="2">
+            <a:schemeClr val="accent1">
+              <a:shade val="50000"/>
+            </a:schemeClr>
+          </a:lnRef>
+          <a:fillRef idx="1">
+            <a:schemeClr val="accent1"/>
+          </a:fillRef>
+          <a:effectRef idx="0">
+            <a:schemeClr val="accent1"/>
+          </a:effectRef>
+          <a:fontRef idx="minor">
+            <a:schemeClr val="lt1"/>
+          </a:fontRef>
+        </p:style>
+        <p:txBody>
+          <a:bodyPr rtlCol="0" anchor="ctr"/>
+          <a:lstStyle/>
+          <a:p>
+            <a:pPr algn="ctr"/>
+            <a:endParaRPr kumimoji="1" lang="ja-JP" altLang="en-US"/>
+          </a:p>
+        </p:txBody>
+      </p:sp>
+      <p:sp>
+        <p:nvSpPr>
+          <p:cNvPr id="53" name="屈折矢印 52"/>
+          <p:cNvSpPr>
+            <a:spLocks/>
+          </p:cNvSpPr>
+          <p:nvPr/>
+        </p:nvSpPr>
+        <p:spPr>
+          <a:xfrm rot="10800000">
+            <a:off x="3000965" y="1523968"/>
+            <a:ext cx="2234853" cy="2320460"/>
+          </a:xfrm>
+          <a:custGeom>
+            <a:avLst/>
+            <a:gdLst>
+              <a:gd name="connsiteX0" fmla="*/ 0 w 2294162"/>
+              <a:gd name="connsiteY0" fmla="*/ 1853128 h 2426668"/>
+              <a:gd name="connsiteX1" fmla="*/ 1433851 w 2294162"/>
+              <a:gd name="connsiteY1" fmla="*/ 1853128 h 2426668"/>
+              <a:gd name="connsiteX2" fmla="*/ 1433851 w 2294162"/>
+              <a:gd name="connsiteY2" fmla="*/ 573541 h 2426668"/>
+              <a:gd name="connsiteX3" fmla="*/ 1147081 w 2294162"/>
+              <a:gd name="connsiteY3" fmla="*/ 573541 h 2426668"/>
+              <a:gd name="connsiteX4" fmla="*/ 1720622 w 2294162"/>
+              <a:gd name="connsiteY4" fmla="*/ 0 h 2426668"/>
+              <a:gd name="connsiteX5" fmla="*/ 2294162 w 2294162"/>
+              <a:gd name="connsiteY5" fmla="*/ 573541 h 2426668"/>
+              <a:gd name="connsiteX6" fmla="*/ 2007392 w 2294162"/>
+              <a:gd name="connsiteY6" fmla="*/ 573541 h 2426668"/>
+              <a:gd name="connsiteX7" fmla="*/ 2007392 w 2294162"/>
+              <a:gd name="connsiteY7" fmla="*/ 2426668 h 2426668"/>
+              <a:gd name="connsiteX8" fmla="*/ 0 w 2294162"/>
+              <a:gd name="connsiteY8" fmla="*/ 2426668 h 2426668"/>
+              <a:gd name="connsiteX9" fmla="*/ 0 w 2294162"/>
+              <a:gd name="connsiteY9" fmla="*/ 1853128 h 2426668"/>
+              <a:gd name="connsiteX0" fmla="*/ 0 w 2302955"/>
+              <a:gd name="connsiteY0" fmla="*/ 2064143 h 2426668"/>
+              <a:gd name="connsiteX1" fmla="*/ 1442644 w 2302955"/>
+              <a:gd name="connsiteY1" fmla="*/ 1853128 h 2426668"/>
+              <a:gd name="connsiteX2" fmla="*/ 1442644 w 2302955"/>
+              <a:gd name="connsiteY2" fmla="*/ 573541 h 2426668"/>
+              <a:gd name="connsiteX3" fmla="*/ 1155874 w 2302955"/>
+              <a:gd name="connsiteY3" fmla="*/ 573541 h 2426668"/>
+              <a:gd name="connsiteX4" fmla="*/ 1729415 w 2302955"/>
+              <a:gd name="connsiteY4" fmla="*/ 0 h 2426668"/>
+              <a:gd name="connsiteX5" fmla="*/ 2302955 w 2302955"/>
+              <a:gd name="connsiteY5" fmla="*/ 573541 h 2426668"/>
+              <a:gd name="connsiteX6" fmla="*/ 2016185 w 2302955"/>
+              <a:gd name="connsiteY6" fmla="*/ 573541 h 2426668"/>
+              <a:gd name="connsiteX7" fmla="*/ 2016185 w 2302955"/>
+              <a:gd name="connsiteY7" fmla="*/ 2426668 h 2426668"/>
+              <a:gd name="connsiteX8" fmla="*/ 8793 w 2302955"/>
+              <a:gd name="connsiteY8" fmla="*/ 2426668 h 2426668"/>
+              <a:gd name="connsiteX9" fmla="*/ 0 w 2302955"/>
+              <a:gd name="connsiteY9" fmla="*/ 2064143 h 2426668"/>
+              <a:gd name="connsiteX0" fmla="*/ 0 w 2302955"/>
+              <a:gd name="connsiteY0" fmla="*/ 2064143 h 2426668"/>
+              <a:gd name="connsiteX1" fmla="*/ 1618491 w 2302955"/>
+              <a:gd name="connsiteY1" fmla="*/ 2072936 h 2426668"/>
+              <a:gd name="connsiteX2" fmla="*/ 1442644 w 2302955"/>
+              <a:gd name="connsiteY2" fmla="*/ 573541 h 2426668"/>
+              <a:gd name="connsiteX3" fmla="*/ 1155874 w 2302955"/>
+              <a:gd name="connsiteY3" fmla="*/ 573541 h 2426668"/>
+              <a:gd name="connsiteX4" fmla="*/ 1729415 w 2302955"/>
+              <a:gd name="connsiteY4" fmla="*/ 0 h 2426668"/>
+              <a:gd name="connsiteX5" fmla="*/ 2302955 w 2302955"/>
+              <a:gd name="connsiteY5" fmla="*/ 573541 h 2426668"/>
+              <a:gd name="connsiteX6" fmla="*/ 2016185 w 2302955"/>
+              <a:gd name="connsiteY6" fmla="*/ 573541 h 2426668"/>
+              <a:gd name="connsiteX7" fmla="*/ 2016185 w 2302955"/>
+              <a:gd name="connsiteY7" fmla="*/ 2426668 h 2426668"/>
+              <a:gd name="connsiteX8" fmla="*/ 8793 w 2302955"/>
+              <a:gd name="connsiteY8" fmla="*/ 2426668 h 2426668"/>
+              <a:gd name="connsiteX9" fmla="*/ 0 w 2302955"/>
+              <a:gd name="connsiteY9" fmla="*/ 2064143 h 2426668"/>
+              <a:gd name="connsiteX0" fmla="*/ 0 w 2302955"/>
+              <a:gd name="connsiteY0" fmla="*/ 2064143 h 2426668"/>
+              <a:gd name="connsiteX1" fmla="*/ 1618491 w 2302955"/>
+              <a:gd name="connsiteY1" fmla="*/ 2072936 h 2426668"/>
+              <a:gd name="connsiteX2" fmla="*/ 1609698 w 2302955"/>
+              <a:gd name="connsiteY2" fmla="*/ 555956 h 2426668"/>
+              <a:gd name="connsiteX3" fmla="*/ 1155874 w 2302955"/>
+              <a:gd name="connsiteY3" fmla="*/ 573541 h 2426668"/>
+              <a:gd name="connsiteX4" fmla="*/ 1729415 w 2302955"/>
+              <a:gd name="connsiteY4" fmla="*/ 0 h 2426668"/>
+              <a:gd name="connsiteX5" fmla="*/ 2302955 w 2302955"/>
+              <a:gd name="connsiteY5" fmla="*/ 573541 h 2426668"/>
+              <a:gd name="connsiteX6" fmla="*/ 2016185 w 2302955"/>
+              <a:gd name="connsiteY6" fmla="*/ 573541 h 2426668"/>
+              <a:gd name="connsiteX7" fmla="*/ 2016185 w 2302955"/>
+              <a:gd name="connsiteY7" fmla="*/ 2426668 h 2426668"/>
+              <a:gd name="connsiteX8" fmla="*/ 8793 w 2302955"/>
+              <a:gd name="connsiteY8" fmla="*/ 2426668 h 2426668"/>
+              <a:gd name="connsiteX9" fmla="*/ 0 w 2302955"/>
+              <a:gd name="connsiteY9" fmla="*/ 2064143 h 2426668"/>
+              <a:gd name="connsiteX0" fmla="*/ 0 w 2302955"/>
+              <a:gd name="connsiteY0" fmla="*/ 2064143 h 2426668"/>
+              <a:gd name="connsiteX1" fmla="*/ 1618491 w 2302955"/>
+              <a:gd name="connsiteY1" fmla="*/ 2072936 h 2426668"/>
+              <a:gd name="connsiteX2" fmla="*/ 1609698 w 2302955"/>
+              <a:gd name="connsiteY2" fmla="*/ 555956 h 2426668"/>
+              <a:gd name="connsiteX3" fmla="*/ 1314136 w 2302955"/>
+              <a:gd name="connsiteY3" fmla="*/ 529580 h 2426668"/>
+              <a:gd name="connsiteX4" fmla="*/ 1729415 w 2302955"/>
+              <a:gd name="connsiteY4" fmla="*/ 0 h 2426668"/>
+              <a:gd name="connsiteX5" fmla="*/ 2302955 w 2302955"/>
+              <a:gd name="connsiteY5" fmla="*/ 573541 h 2426668"/>
+              <a:gd name="connsiteX6" fmla="*/ 2016185 w 2302955"/>
+              <a:gd name="connsiteY6" fmla="*/ 573541 h 2426668"/>
+              <a:gd name="connsiteX7" fmla="*/ 2016185 w 2302955"/>
+              <a:gd name="connsiteY7" fmla="*/ 2426668 h 2426668"/>
+              <a:gd name="connsiteX8" fmla="*/ 8793 w 2302955"/>
+              <a:gd name="connsiteY8" fmla="*/ 2426668 h 2426668"/>
+              <a:gd name="connsiteX9" fmla="*/ 0 w 2302955"/>
+              <a:gd name="connsiteY9" fmla="*/ 2064143 h 2426668"/>
+              <a:gd name="connsiteX0" fmla="*/ 0 w 2302955"/>
+              <a:gd name="connsiteY0" fmla="*/ 2064143 h 2426668"/>
+              <a:gd name="connsiteX1" fmla="*/ 1618491 w 2302955"/>
+              <a:gd name="connsiteY1" fmla="*/ 2072936 h 2426668"/>
+              <a:gd name="connsiteX2" fmla="*/ 1609698 w 2302955"/>
+              <a:gd name="connsiteY2" fmla="*/ 555956 h 2426668"/>
+              <a:gd name="connsiteX3" fmla="*/ 1322928 w 2302955"/>
+              <a:gd name="connsiteY3" fmla="*/ 564749 h 2426668"/>
+              <a:gd name="connsiteX4" fmla="*/ 1729415 w 2302955"/>
+              <a:gd name="connsiteY4" fmla="*/ 0 h 2426668"/>
+              <a:gd name="connsiteX5" fmla="*/ 2302955 w 2302955"/>
+              <a:gd name="connsiteY5" fmla="*/ 573541 h 2426668"/>
+              <a:gd name="connsiteX6" fmla="*/ 2016185 w 2302955"/>
+              <a:gd name="connsiteY6" fmla="*/ 573541 h 2426668"/>
+              <a:gd name="connsiteX7" fmla="*/ 2016185 w 2302955"/>
+              <a:gd name="connsiteY7" fmla="*/ 2426668 h 2426668"/>
+              <a:gd name="connsiteX8" fmla="*/ 8793 w 2302955"/>
+              <a:gd name="connsiteY8" fmla="*/ 2426668 h 2426668"/>
+              <a:gd name="connsiteX9" fmla="*/ 0 w 2302955"/>
+              <a:gd name="connsiteY9" fmla="*/ 2064143 h 2426668"/>
+              <a:gd name="connsiteX0" fmla="*/ 0 w 2197448"/>
+              <a:gd name="connsiteY0" fmla="*/ 2064143 h 2426668"/>
+              <a:gd name="connsiteX1" fmla="*/ 1618491 w 2197448"/>
+              <a:gd name="connsiteY1" fmla="*/ 2072936 h 2426668"/>
+              <a:gd name="connsiteX2" fmla="*/ 1609698 w 2197448"/>
+              <a:gd name="connsiteY2" fmla="*/ 555956 h 2426668"/>
+              <a:gd name="connsiteX3" fmla="*/ 1322928 w 2197448"/>
+              <a:gd name="connsiteY3" fmla="*/ 564749 h 2426668"/>
+              <a:gd name="connsiteX4" fmla="*/ 1729415 w 2197448"/>
+              <a:gd name="connsiteY4" fmla="*/ 0 h 2426668"/>
+              <a:gd name="connsiteX5" fmla="*/ 2197448 w 2197448"/>
+              <a:gd name="connsiteY5" fmla="*/ 555956 h 2426668"/>
+              <a:gd name="connsiteX6" fmla="*/ 2016185 w 2197448"/>
+              <a:gd name="connsiteY6" fmla="*/ 573541 h 2426668"/>
+              <a:gd name="connsiteX7" fmla="*/ 2016185 w 2197448"/>
+              <a:gd name="connsiteY7" fmla="*/ 2426668 h 2426668"/>
+              <a:gd name="connsiteX8" fmla="*/ 8793 w 2197448"/>
+              <a:gd name="connsiteY8" fmla="*/ 2426668 h 2426668"/>
+              <a:gd name="connsiteX9" fmla="*/ 0 w 2197448"/>
+              <a:gd name="connsiteY9" fmla="*/ 2064143 h 2426668"/>
+              <a:gd name="connsiteX0" fmla="*/ 0 w 2197448"/>
+              <a:gd name="connsiteY0" fmla="*/ 2081728 h 2444253"/>
+              <a:gd name="connsiteX1" fmla="*/ 1618491 w 2197448"/>
+              <a:gd name="connsiteY1" fmla="*/ 2090521 h 2444253"/>
+              <a:gd name="connsiteX2" fmla="*/ 1609698 w 2197448"/>
+              <a:gd name="connsiteY2" fmla="*/ 573541 h 2444253"/>
+              <a:gd name="connsiteX3" fmla="*/ 1322928 w 2197448"/>
+              <a:gd name="connsiteY3" fmla="*/ 582334 h 2444253"/>
+              <a:gd name="connsiteX4" fmla="*/ 1817338 w 2197448"/>
+              <a:gd name="connsiteY4" fmla="*/ 0 h 2444253"/>
+              <a:gd name="connsiteX5" fmla="*/ 2197448 w 2197448"/>
+              <a:gd name="connsiteY5" fmla="*/ 573541 h 2444253"/>
+              <a:gd name="connsiteX6" fmla="*/ 2016185 w 2197448"/>
+              <a:gd name="connsiteY6" fmla="*/ 591126 h 2444253"/>
+              <a:gd name="connsiteX7" fmla="*/ 2016185 w 2197448"/>
+              <a:gd name="connsiteY7" fmla="*/ 2444253 h 2444253"/>
+              <a:gd name="connsiteX8" fmla="*/ 8793 w 2197448"/>
+              <a:gd name="connsiteY8" fmla="*/ 2444253 h 2444253"/>
+              <a:gd name="connsiteX9" fmla="*/ 0 w 2197448"/>
+              <a:gd name="connsiteY9" fmla="*/ 2081728 h 2444253"/>
+              <a:gd name="connsiteX0" fmla="*/ 0 w 2302955"/>
+              <a:gd name="connsiteY0" fmla="*/ 2081728 h 2444253"/>
+              <a:gd name="connsiteX1" fmla="*/ 1618491 w 2302955"/>
+              <a:gd name="connsiteY1" fmla="*/ 2090521 h 2444253"/>
+              <a:gd name="connsiteX2" fmla="*/ 1609698 w 2302955"/>
+              <a:gd name="connsiteY2" fmla="*/ 573541 h 2444253"/>
+              <a:gd name="connsiteX3" fmla="*/ 1322928 w 2302955"/>
+              <a:gd name="connsiteY3" fmla="*/ 582334 h 2444253"/>
+              <a:gd name="connsiteX4" fmla="*/ 1817338 w 2302955"/>
+              <a:gd name="connsiteY4" fmla="*/ 0 h 2444253"/>
+              <a:gd name="connsiteX5" fmla="*/ 2302955 w 2302955"/>
+              <a:gd name="connsiteY5" fmla="*/ 599917 h 2444253"/>
+              <a:gd name="connsiteX6" fmla="*/ 2016185 w 2302955"/>
+              <a:gd name="connsiteY6" fmla="*/ 591126 h 2444253"/>
+              <a:gd name="connsiteX7" fmla="*/ 2016185 w 2302955"/>
+              <a:gd name="connsiteY7" fmla="*/ 2444253 h 2444253"/>
+              <a:gd name="connsiteX8" fmla="*/ 8793 w 2302955"/>
+              <a:gd name="connsiteY8" fmla="*/ 2444253 h 2444253"/>
+              <a:gd name="connsiteX9" fmla="*/ 0 w 2302955"/>
+              <a:gd name="connsiteY9" fmla="*/ 2081728 h 2444253"/>
+            </a:gdLst>
+            <a:ahLst/>
+            <a:cxnLst>
+              <a:cxn ang="0">
+                <a:pos x="connsiteX0" y="connsiteY0"/>
+              </a:cxn>
+              <a:cxn ang="0">
+                <a:pos x="connsiteX1" y="connsiteY1"/>
+              </a:cxn>
+              <a:cxn ang="0">
+                <a:pos x="connsiteX2" y="connsiteY2"/>
+              </a:cxn>
+              <a:cxn ang="0">
+                <a:pos x="connsiteX3" y="connsiteY3"/>
+              </a:cxn>
+              <a:cxn ang="0">
+                <a:pos x="connsiteX4" y="connsiteY4"/>
+              </a:cxn>
+              <a:cxn ang="0">
+                <a:pos x="connsiteX5" y="connsiteY5"/>
+              </a:cxn>
+              <a:cxn ang="0">
+                <a:pos x="connsiteX6" y="connsiteY6"/>
+              </a:cxn>
+              <a:cxn ang="0">
+                <a:pos x="connsiteX7" y="connsiteY7"/>
+              </a:cxn>
+              <a:cxn ang="0">
+                <a:pos x="connsiteX8" y="connsiteY8"/>
+              </a:cxn>
+              <a:cxn ang="0">
+                <a:pos x="connsiteX9" y="connsiteY9"/>
+              </a:cxn>
+            </a:cxnLst>
+            <a:rect l="l" t="t" r="r" b="b"/>
+            <a:pathLst>
+              <a:path w="2302955" h="2444253">
+                <a:moveTo>
+                  <a:pt x="0" y="2081728"/>
+                </a:moveTo>
+                <a:lnTo>
+                  <a:pt x="1618491" y="2090521"/>
+                </a:lnTo>
+                <a:lnTo>
+                  <a:pt x="1609698" y="573541"/>
+                </a:lnTo>
+                <a:lnTo>
+                  <a:pt x="1322928" y="582334"/>
+                </a:lnTo>
+                <a:lnTo>
+                  <a:pt x="1817338" y="0"/>
+                </a:lnTo>
+                <a:lnTo>
+                  <a:pt x="2302955" y="599917"/>
+                </a:lnTo>
+                <a:lnTo>
+                  <a:pt x="2016185" y="591126"/>
+                </a:lnTo>
+                <a:lnTo>
+                  <a:pt x="2016185" y="2444253"/>
+                </a:lnTo>
+                <a:lnTo>
+                  <a:pt x="8793" y="2444253"/>
+                </a:lnTo>
+                <a:lnTo>
+                  <a:pt x="0" y="2081728"/>
+                </a:lnTo>
+                <a:close/>
+              </a:path>
+            </a:pathLst>
+          </a:custGeom>
+          <a:ln w="28575"/>
+        </p:spPr>
+        <p:style>
+          <a:lnRef idx="2">
+            <a:schemeClr val="accent1"/>
+          </a:lnRef>
+          <a:fillRef idx="1">
+            <a:schemeClr val="lt1"/>
+          </a:fillRef>
+          <a:effectRef idx="0">
+            <a:schemeClr val="accent1"/>
+          </a:effectRef>
+          <a:fontRef idx="minor">
+            <a:schemeClr val="dk1"/>
+          </a:fontRef>
+        </p:style>
+        <p:txBody>
+          <a:bodyPr rtlCol="0" anchor="ctr"/>
+          <a:lstStyle/>
+          <a:p>
+            <a:pPr algn="ctr"/>
+            <a:endParaRPr kumimoji="1" lang="ja-JP" altLang="en-US"/>
+          </a:p>
+        </p:txBody>
+      </p:sp>
+      <p:sp>
+        <p:nvSpPr>
+          <p:cNvPr id="54" name="右矢印 53"/>
+          <p:cNvSpPr/>
+          <p:nvPr/>
+        </p:nvSpPr>
+        <p:spPr>
+          <a:xfrm flipH="1">
+            <a:off x="7111465" y="4350126"/>
+            <a:ext cx="822346" cy="312391"/>
+          </a:xfrm>
+          <a:prstGeom prst="rightArrow">
+            <a:avLst/>
+          </a:prstGeom>
+          <a:solidFill>
+            <a:schemeClr val="tx1"/>
+          </a:solidFill>
+          <a:ln w="38100">
+            <a:solidFill>
+              <a:schemeClr val="accent1">
+                <a:lumMod val="75000"/>
+              </a:schemeClr>
+            </a:solidFill>
+          </a:ln>
+        </p:spPr>
+        <p:style>
+          <a:lnRef idx="2">
+            <a:schemeClr val="accent1">
+              <a:shade val="50000"/>
+            </a:schemeClr>
+          </a:lnRef>
+          <a:fillRef idx="1">
+            <a:schemeClr val="accent1"/>
+          </a:fillRef>
+          <a:effectRef idx="0">
+            <a:schemeClr val="accent1"/>
+          </a:effectRef>
+          <a:fontRef idx="minor">
+            <a:schemeClr val="lt1"/>
+          </a:fontRef>
+        </p:style>
+        <p:txBody>
+          <a:bodyPr rtlCol="0" anchor="ctr"/>
+          <a:lstStyle/>
+          <a:p>
+            <a:pPr algn="ctr"/>
+            <a:endParaRPr kumimoji="1" lang="ja-JP" altLang="en-US"/>
+          </a:p>
+        </p:txBody>
+      </p:sp>
+      <p:sp>
+        <p:nvSpPr>
+          <p:cNvPr id="55" name="屈折矢印 54"/>
+          <p:cNvSpPr/>
+          <p:nvPr/>
+        </p:nvSpPr>
+        <p:spPr>
+          <a:xfrm flipH="1">
+            <a:off x="3224697" y="4754450"/>
+            <a:ext cx="1922223" cy="978135"/>
+          </a:xfrm>
+          <a:prstGeom prst="bentUpArrow">
+            <a:avLst/>
+          </a:prstGeom>
+          <a:ln w="28575"/>
+        </p:spPr>
+        <p:style>
+          <a:lnRef idx="2">
+            <a:schemeClr val="accent1"/>
+          </a:lnRef>
+          <a:fillRef idx="1">
+            <a:schemeClr val="lt1"/>
+          </a:fillRef>
+          <a:effectRef idx="0">
+            <a:schemeClr val="accent1"/>
+          </a:effectRef>
+          <a:fontRef idx="minor">
+            <a:schemeClr val="dk1"/>
+          </a:fontRef>
+        </p:style>
+        <p:txBody>
+          <a:bodyPr rtlCol="0" anchor="ctr"/>
+          <a:lstStyle/>
+          <a:p>
+            <a:pPr algn="ctr"/>
+            <a:endParaRPr kumimoji="1" lang="ja-JP" altLang="en-US"/>
           </a:p>
         </p:txBody>
       </p:sp>
     </p:spTree>
     <p:extLst>
       <p:ext uri="{BB962C8B-B14F-4D97-AF65-F5344CB8AC3E}">
-        <p14:creationId xmlns:p14="http://schemas.microsoft.com/office/powerpoint/2010/main" val="3787962352"/>
+        <p14:creationId xmlns:p14="http://schemas.microsoft.com/office/powerpoint/2010/main" val="2920606663"/>
       </p:ext>
     </p:extLst>
   </p:cSld>
   <p:clrMapOvr>
     <a:masterClrMapping/>
   </p:clrMapOvr>
-  <mc:AlternateContent xmlns:mc="http://schemas.openxmlformats.org/markup-compatibility/2006">
-    <mc:Choice xmlns:p14="http://schemas.microsoft.com/office/powerpoint/2010/main" Requires="p14">
+  <mc:AlternateContent xmlns:mc="http://schemas.openxmlformats.org/markup-compatibility/2006" xmlns:p14="http://schemas.microsoft.com/office/powerpoint/2010/main">
+    <mc:Choice Requires="p14">
       <p:transition spd="slow" p14:dur="2000">
         <p14:ferris dir="l"/>
       </p:transition>
     </mc:Choice>
-    <mc:Fallback>
+    <mc:Fallback xmlns="">
       <p:transition spd="slow">
         <p:fade/>
       </p:transition>
@@ -8124,8 +8829,8 @@
         </p:nvSpPr>
         <p:spPr>
           <a:xfrm>
-            <a:off x="48357" y="26377"/>
-            <a:ext cx="3200400" cy="800100"/>
+            <a:off x="96716" y="1"/>
+            <a:ext cx="3824653" cy="967154"/>
           </a:xfrm>
         </p:spPr>
         <p:txBody>
@@ -8134,7 +8839,7 @@
           <a:p>
             <a:r>
               <a:rPr kumimoji="1" lang="ja-JP" altLang="en-US" dirty="0" smtClean="0"/>
-              <a:t>ゲームサイクル</a:t>
+              <a:t>操作方法</a:t>
             </a:r>
             <a:endParaRPr kumimoji="1" lang="ja-JP" altLang="en-US" dirty="0"/>
           </a:p>
@@ -8142,1111 +8847,14 @@
       </p:sp>
       <p:sp>
         <p:nvSpPr>
-          <p:cNvPr id="4" name="角丸四角形 3"/>
-          <p:cNvSpPr/>
-          <p:nvPr/>
-        </p:nvSpPr>
-        <p:spPr>
-          <a:xfrm>
-            <a:off x="48357" y="826477"/>
-            <a:ext cx="1907931" cy="1204547"/>
-          </a:xfrm>
-          <a:prstGeom prst="roundRect">
-            <a:avLst/>
-          </a:prstGeom>
-        </p:spPr>
-        <p:style>
-          <a:lnRef idx="2">
-            <a:schemeClr val="accent2">
-              <a:shade val="50000"/>
-            </a:schemeClr>
-          </a:lnRef>
-          <a:fillRef idx="1">
-            <a:schemeClr val="accent2"/>
-          </a:fillRef>
-          <a:effectRef idx="0">
-            <a:schemeClr val="accent2"/>
-          </a:effectRef>
-          <a:fontRef idx="minor">
-            <a:schemeClr val="lt1"/>
-          </a:fontRef>
-        </p:style>
-        <p:txBody>
-          <a:bodyPr rtlCol="0" anchor="ctr"/>
-          <a:lstStyle/>
-          <a:p>
-            <a:pPr algn="ctr"/>
-            <a:r>
-              <a:rPr kumimoji="1" lang="en-US" altLang="ja-JP" dirty="0" smtClean="0"/>
-              <a:t>Title</a:t>
-            </a:r>
-            <a:r>
-              <a:rPr kumimoji="1" lang="ja-JP" altLang="en-US" dirty="0" smtClean="0"/>
-              <a:t>画面</a:t>
-            </a:r>
-            <a:endParaRPr kumimoji="1" lang="ja-JP" altLang="en-US" dirty="0"/>
-          </a:p>
-        </p:txBody>
-      </p:sp>
-      <p:sp>
-        <p:nvSpPr>
-          <p:cNvPr id="6" name="右矢印 5"/>
-          <p:cNvSpPr/>
-          <p:nvPr/>
-        </p:nvSpPr>
-        <p:spPr>
-          <a:xfrm>
-            <a:off x="1956288" y="1121019"/>
-            <a:ext cx="2536580" cy="633046"/>
-          </a:xfrm>
-          <a:prstGeom prst="rightArrow">
-            <a:avLst/>
-          </a:prstGeom>
-        </p:spPr>
-        <p:style>
-          <a:lnRef idx="2">
-            <a:schemeClr val="accent1">
-              <a:shade val="50000"/>
-            </a:schemeClr>
-          </a:lnRef>
-          <a:fillRef idx="1">
-            <a:schemeClr val="accent1"/>
-          </a:fillRef>
-          <a:effectRef idx="0">
-            <a:schemeClr val="accent1"/>
-          </a:effectRef>
-          <a:fontRef idx="minor">
-            <a:schemeClr val="lt1"/>
-          </a:fontRef>
-        </p:style>
-        <p:txBody>
-          <a:bodyPr rtlCol="0" anchor="ctr"/>
-          <a:lstStyle/>
-          <a:p>
-            <a:pPr algn="ctr"/>
-            <a:endParaRPr kumimoji="1" lang="ja-JP" altLang="en-US"/>
-          </a:p>
-        </p:txBody>
-      </p:sp>
-      <p:sp>
-        <p:nvSpPr>
-          <p:cNvPr id="7" name="屈折矢印 6"/>
-          <p:cNvSpPr/>
-          <p:nvPr/>
-        </p:nvSpPr>
-        <p:spPr>
-          <a:xfrm rot="5400000">
-            <a:off x="1472710" y="2026627"/>
-            <a:ext cx="1213340" cy="1204546"/>
-          </a:xfrm>
-          <a:prstGeom prst="bentUpArrow">
-            <a:avLst/>
-          </a:prstGeom>
-        </p:spPr>
-        <p:style>
-          <a:lnRef idx="2">
-            <a:schemeClr val="accent1">
-              <a:shade val="50000"/>
-            </a:schemeClr>
-          </a:lnRef>
-          <a:fillRef idx="1">
-            <a:schemeClr val="accent1"/>
-          </a:fillRef>
-          <a:effectRef idx="0">
-            <a:schemeClr val="accent1"/>
-          </a:effectRef>
-          <a:fontRef idx="minor">
-            <a:schemeClr val="lt1"/>
-          </a:fontRef>
-        </p:style>
-        <p:txBody>
-          <a:bodyPr rtlCol="0" anchor="ctr"/>
-          <a:lstStyle/>
-          <a:p>
-            <a:pPr algn="ctr"/>
-            <a:endParaRPr kumimoji="1" lang="ja-JP" altLang="en-US"/>
-          </a:p>
-        </p:txBody>
-      </p:sp>
-      <p:sp>
-        <p:nvSpPr>
-          <p:cNvPr id="8" name="角丸四角形 7"/>
-          <p:cNvSpPr/>
-          <p:nvPr/>
-        </p:nvSpPr>
-        <p:spPr>
-          <a:xfrm>
-            <a:off x="2681653" y="2360734"/>
-            <a:ext cx="1811215" cy="1143001"/>
-          </a:xfrm>
-          <a:prstGeom prst="roundRect">
-            <a:avLst/>
-          </a:prstGeom>
-        </p:spPr>
-        <p:style>
-          <a:lnRef idx="2">
-            <a:schemeClr val="accent2">
-              <a:shade val="50000"/>
-            </a:schemeClr>
-          </a:lnRef>
-          <a:fillRef idx="1">
-            <a:schemeClr val="accent2"/>
-          </a:fillRef>
-          <a:effectRef idx="0">
-            <a:schemeClr val="accent2"/>
-          </a:effectRef>
-          <a:fontRef idx="minor">
-            <a:schemeClr val="lt1"/>
-          </a:fontRef>
-        </p:style>
-        <p:txBody>
-          <a:bodyPr rtlCol="0" anchor="ctr"/>
-          <a:lstStyle/>
-          <a:p>
-            <a:pPr algn="ctr"/>
-            <a:r>
-              <a:rPr kumimoji="1" lang="en-US" altLang="ja-JP" dirty="0" smtClean="0"/>
-              <a:t>UFO</a:t>
-            </a:r>
-            <a:r>
-              <a:rPr kumimoji="1" lang="ja-JP" altLang="en-US" dirty="0" smtClean="0"/>
-              <a:t>出現</a:t>
-            </a:r>
-            <a:endParaRPr kumimoji="1" lang="ja-JP" altLang="en-US" dirty="0"/>
-          </a:p>
-        </p:txBody>
-      </p:sp>
-      <p:sp>
-        <p:nvSpPr>
-          <p:cNvPr id="9" name="角丸四角形 8"/>
-          <p:cNvSpPr/>
-          <p:nvPr/>
-        </p:nvSpPr>
-        <p:spPr>
-          <a:xfrm>
-            <a:off x="4554414" y="839665"/>
-            <a:ext cx="1846385" cy="1195753"/>
-          </a:xfrm>
-          <a:prstGeom prst="roundRect">
-            <a:avLst/>
-          </a:prstGeom>
-        </p:spPr>
-        <p:style>
-          <a:lnRef idx="2">
-            <a:schemeClr val="accent2">
-              <a:shade val="50000"/>
-            </a:schemeClr>
-          </a:lnRef>
-          <a:fillRef idx="1">
-            <a:schemeClr val="accent2"/>
-          </a:fillRef>
-          <a:effectRef idx="0">
-            <a:schemeClr val="accent2"/>
-          </a:effectRef>
-          <a:fontRef idx="minor">
-            <a:schemeClr val="lt1"/>
-          </a:fontRef>
-        </p:style>
-        <p:txBody>
-          <a:bodyPr rtlCol="0" anchor="ctr"/>
-          <a:lstStyle/>
-          <a:p>
-            <a:pPr algn="ctr"/>
-            <a:r>
-              <a:rPr kumimoji="1" lang="ja-JP" altLang="en-US" dirty="0" smtClean="0"/>
-              <a:t>ゲーム画面</a:t>
-            </a:r>
-            <a:endParaRPr kumimoji="1" lang="en-US" altLang="ja-JP" dirty="0" smtClean="0"/>
-          </a:p>
-          <a:p>
-            <a:pPr algn="ctr"/>
-            <a:r>
-              <a:rPr kumimoji="1" lang="en-US" altLang="ja-JP" dirty="0" smtClean="0"/>
-              <a:t>Stage1</a:t>
-            </a:r>
-            <a:endParaRPr kumimoji="1" lang="ja-JP" altLang="en-US" dirty="0"/>
-          </a:p>
-        </p:txBody>
-      </p:sp>
-      <p:sp>
-        <p:nvSpPr>
-          <p:cNvPr id="10" name="屈折矢印 9"/>
-          <p:cNvSpPr/>
-          <p:nvPr/>
-        </p:nvSpPr>
-        <p:spPr>
-          <a:xfrm>
-            <a:off x="4492868" y="2048606"/>
-            <a:ext cx="1204546" cy="1019909"/>
-          </a:xfrm>
-          <a:prstGeom prst="bentUpArrow">
-            <a:avLst/>
-          </a:prstGeom>
-        </p:spPr>
-        <p:style>
-          <a:lnRef idx="2">
-            <a:schemeClr val="accent1">
-              <a:shade val="50000"/>
-            </a:schemeClr>
-          </a:lnRef>
-          <a:fillRef idx="1">
-            <a:schemeClr val="accent1"/>
-          </a:fillRef>
-          <a:effectRef idx="0">
-            <a:schemeClr val="accent1"/>
-          </a:effectRef>
-          <a:fontRef idx="minor">
-            <a:schemeClr val="lt1"/>
-          </a:fontRef>
-        </p:style>
-        <p:txBody>
-          <a:bodyPr rtlCol="0" anchor="ctr"/>
-          <a:lstStyle/>
-          <a:p>
-            <a:pPr algn="ctr"/>
-            <a:endParaRPr kumimoji="1" lang="ja-JP" altLang="en-US"/>
-          </a:p>
-        </p:txBody>
-      </p:sp>
-      <p:sp>
-        <p:nvSpPr>
-          <p:cNvPr id="12" name="右矢印 11"/>
-          <p:cNvSpPr/>
-          <p:nvPr/>
-        </p:nvSpPr>
-        <p:spPr>
-          <a:xfrm>
-            <a:off x="6400798" y="1035294"/>
-            <a:ext cx="3261357" cy="718771"/>
-          </a:xfrm>
-          <a:prstGeom prst="rightArrow">
-            <a:avLst/>
-          </a:prstGeom>
-        </p:spPr>
-        <p:style>
-          <a:lnRef idx="2">
-            <a:schemeClr val="accent1">
-              <a:shade val="50000"/>
-            </a:schemeClr>
-          </a:lnRef>
-          <a:fillRef idx="1">
-            <a:schemeClr val="accent1"/>
-          </a:fillRef>
-          <a:effectRef idx="0">
-            <a:schemeClr val="accent1"/>
-          </a:effectRef>
-          <a:fontRef idx="minor">
-            <a:schemeClr val="lt1"/>
-          </a:fontRef>
-        </p:style>
-        <p:txBody>
-          <a:bodyPr rtlCol="0" anchor="ctr"/>
-          <a:lstStyle/>
-          <a:p>
-            <a:pPr algn="ctr"/>
-            <a:endParaRPr kumimoji="1" lang="ja-JP" altLang="en-US"/>
-          </a:p>
-        </p:txBody>
-      </p:sp>
-      <p:sp>
-        <p:nvSpPr>
-          <p:cNvPr id="13" name="右矢印 12"/>
-          <p:cNvSpPr/>
-          <p:nvPr/>
-        </p:nvSpPr>
-        <p:spPr>
-          <a:xfrm rot="2453326">
-            <a:off x="6189280" y="1976069"/>
-            <a:ext cx="1135924" cy="769328"/>
-          </a:xfrm>
-          <a:prstGeom prst="rightArrow">
-            <a:avLst/>
-          </a:prstGeom>
-        </p:spPr>
-        <p:style>
-          <a:lnRef idx="2">
-            <a:schemeClr val="accent1">
-              <a:shade val="50000"/>
-            </a:schemeClr>
-          </a:lnRef>
-          <a:fillRef idx="1">
-            <a:schemeClr val="accent1"/>
-          </a:fillRef>
-          <a:effectRef idx="0">
-            <a:schemeClr val="accent1"/>
-          </a:effectRef>
-          <a:fontRef idx="minor">
-            <a:schemeClr val="lt1"/>
-          </a:fontRef>
-        </p:style>
-        <p:txBody>
-          <a:bodyPr rtlCol="0" anchor="ctr"/>
-          <a:lstStyle/>
-          <a:p>
-            <a:pPr algn="ctr"/>
-            <a:endParaRPr kumimoji="1" lang="ja-JP" altLang="en-US"/>
-          </a:p>
-        </p:txBody>
-      </p:sp>
-      <p:sp>
-        <p:nvSpPr>
-          <p:cNvPr id="14" name="角丸四角形 13"/>
-          <p:cNvSpPr/>
-          <p:nvPr/>
-        </p:nvSpPr>
-        <p:spPr>
-          <a:xfrm>
-            <a:off x="9662156" y="724265"/>
-            <a:ext cx="1811215" cy="1182565"/>
-          </a:xfrm>
-          <a:prstGeom prst="roundRect">
-            <a:avLst/>
-          </a:prstGeom>
-        </p:spPr>
-        <p:style>
-          <a:lnRef idx="2">
-            <a:schemeClr val="accent2">
-              <a:shade val="50000"/>
-            </a:schemeClr>
-          </a:lnRef>
-          <a:fillRef idx="1">
-            <a:schemeClr val="accent2"/>
-          </a:fillRef>
-          <a:effectRef idx="0">
-            <a:schemeClr val="accent2"/>
-          </a:effectRef>
-          <a:fontRef idx="minor">
-            <a:schemeClr val="lt1"/>
-          </a:fontRef>
-        </p:style>
-        <p:txBody>
-          <a:bodyPr rtlCol="0" anchor="ctr"/>
-          <a:lstStyle/>
-          <a:p>
-            <a:pPr algn="ctr"/>
-            <a:r>
-              <a:rPr kumimoji="1" lang="en-US" altLang="ja-JP" dirty="0" smtClean="0"/>
-              <a:t>Stage1</a:t>
-            </a:r>
-          </a:p>
-          <a:p>
-            <a:pPr algn="ctr"/>
-            <a:r>
-              <a:rPr kumimoji="1" lang="en-US" altLang="ja-JP" dirty="0" smtClean="0"/>
-              <a:t>Clear</a:t>
-            </a:r>
-            <a:endParaRPr kumimoji="1" lang="ja-JP" altLang="en-US" dirty="0"/>
-          </a:p>
-        </p:txBody>
-      </p:sp>
-      <p:sp>
-        <p:nvSpPr>
-          <p:cNvPr id="15" name="角丸四角形 14"/>
-          <p:cNvSpPr/>
-          <p:nvPr/>
-        </p:nvSpPr>
-        <p:spPr>
-          <a:xfrm>
-            <a:off x="7207168" y="2492618"/>
-            <a:ext cx="1648616" cy="1151793"/>
-          </a:xfrm>
-          <a:prstGeom prst="roundRect">
-            <a:avLst/>
-          </a:prstGeom>
-        </p:spPr>
-        <p:style>
-          <a:lnRef idx="2">
-            <a:schemeClr val="accent2">
-              <a:shade val="50000"/>
-            </a:schemeClr>
-          </a:lnRef>
-          <a:fillRef idx="1">
-            <a:schemeClr val="accent2"/>
-          </a:fillRef>
-          <a:effectRef idx="0">
-            <a:schemeClr val="accent2"/>
-          </a:effectRef>
-          <a:fontRef idx="minor">
-            <a:schemeClr val="lt1"/>
-          </a:fontRef>
-        </p:style>
-        <p:txBody>
-          <a:bodyPr rtlCol="0" anchor="ctr"/>
-          <a:lstStyle/>
-          <a:p>
-            <a:pPr algn="ctr"/>
-            <a:r>
-              <a:rPr kumimoji="1" lang="en-US" altLang="ja-JP" dirty="0" smtClean="0"/>
-              <a:t>Game</a:t>
-            </a:r>
-          </a:p>
-          <a:p>
-            <a:pPr algn="ctr"/>
-            <a:r>
-              <a:rPr kumimoji="1" lang="en-US" altLang="ja-JP" dirty="0" smtClean="0"/>
-              <a:t>Over</a:t>
-            </a:r>
-            <a:endParaRPr kumimoji="1" lang="ja-JP" altLang="en-US" dirty="0"/>
-          </a:p>
-        </p:txBody>
-      </p:sp>
-      <p:sp>
-        <p:nvSpPr>
-          <p:cNvPr id="16" name="下矢印 15"/>
-          <p:cNvSpPr/>
-          <p:nvPr/>
-        </p:nvSpPr>
-        <p:spPr>
-          <a:xfrm>
-            <a:off x="10238051" y="1928809"/>
-            <a:ext cx="659423" cy="819883"/>
-          </a:xfrm>
-          <a:prstGeom prst="downArrow">
-            <a:avLst/>
-          </a:prstGeom>
-        </p:spPr>
-        <p:style>
-          <a:lnRef idx="2">
-            <a:schemeClr val="accent1">
-              <a:shade val="50000"/>
-            </a:schemeClr>
-          </a:lnRef>
-          <a:fillRef idx="1">
-            <a:schemeClr val="accent1"/>
-          </a:fillRef>
-          <a:effectRef idx="0">
-            <a:schemeClr val="accent1"/>
-          </a:effectRef>
-          <a:fontRef idx="minor">
-            <a:schemeClr val="lt1"/>
-          </a:fontRef>
-        </p:style>
-        <p:txBody>
-          <a:bodyPr rtlCol="0" anchor="ctr"/>
-          <a:lstStyle/>
-          <a:p>
-            <a:pPr algn="ctr"/>
-            <a:endParaRPr kumimoji="1" lang="ja-JP" altLang="en-US"/>
-          </a:p>
-        </p:txBody>
-      </p:sp>
-      <p:sp>
-        <p:nvSpPr>
-          <p:cNvPr id="17" name="角丸四角形 16"/>
-          <p:cNvSpPr/>
-          <p:nvPr/>
-        </p:nvSpPr>
-        <p:spPr>
-          <a:xfrm>
-            <a:off x="9787739" y="2734408"/>
-            <a:ext cx="1560045" cy="1002323"/>
-          </a:xfrm>
-          <a:prstGeom prst="roundRect">
-            <a:avLst/>
-          </a:prstGeom>
-        </p:spPr>
-        <p:style>
-          <a:lnRef idx="2">
-            <a:schemeClr val="accent2">
-              <a:shade val="50000"/>
-            </a:schemeClr>
-          </a:lnRef>
-          <a:fillRef idx="1">
-            <a:schemeClr val="accent2"/>
-          </a:fillRef>
-          <a:effectRef idx="0">
-            <a:schemeClr val="accent2"/>
-          </a:effectRef>
-          <a:fontRef idx="minor">
-            <a:schemeClr val="lt1"/>
-          </a:fontRef>
-        </p:style>
-        <p:txBody>
-          <a:bodyPr rtlCol="0" anchor="ctr"/>
-          <a:lstStyle/>
-          <a:p>
-            <a:pPr algn="ctr"/>
-            <a:r>
-              <a:rPr kumimoji="1" lang="en-US" altLang="ja-JP" dirty="0" smtClean="0"/>
-              <a:t>Stage2</a:t>
-            </a:r>
-            <a:endParaRPr kumimoji="1" lang="ja-JP" altLang="en-US" dirty="0"/>
-          </a:p>
-        </p:txBody>
-      </p:sp>
-      <p:sp>
-        <p:nvSpPr>
-          <p:cNvPr id="18" name="左矢印 17"/>
-          <p:cNvSpPr/>
-          <p:nvPr/>
-        </p:nvSpPr>
-        <p:spPr>
-          <a:xfrm>
-            <a:off x="8855784" y="2910254"/>
-            <a:ext cx="931955" cy="593481"/>
-          </a:xfrm>
-          <a:prstGeom prst="leftArrow">
-            <a:avLst/>
-          </a:prstGeom>
-        </p:spPr>
-        <p:style>
-          <a:lnRef idx="2">
-            <a:schemeClr val="accent1">
-              <a:shade val="50000"/>
-            </a:schemeClr>
-          </a:lnRef>
-          <a:fillRef idx="1">
-            <a:schemeClr val="accent1"/>
-          </a:fillRef>
-          <a:effectRef idx="0">
-            <a:schemeClr val="accent1"/>
-          </a:effectRef>
-          <a:fontRef idx="minor">
-            <a:schemeClr val="lt1"/>
-          </a:fontRef>
-        </p:style>
-        <p:txBody>
-          <a:bodyPr rtlCol="0" anchor="ctr"/>
-          <a:lstStyle/>
-          <a:p>
-            <a:pPr algn="ctr"/>
-            <a:endParaRPr kumimoji="1" lang="ja-JP" altLang="en-US"/>
-          </a:p>
-        </p:txBody>
-      </p:sp>
-      <p:sp>
-        <p:nvSpPr>
-          <p:cNvPr id="19" name="下矢印 18"/>
-          <p:cNvSpPr/>
-          <p:nvPr/>
-        </p:nvSpPr>
-        <p:spPr>
-          <a:xfrm>
-            <a:off x="10246843" y="3736731"/>
-            <a:ext cx="650631" cy="844062"/>
-          </a:xfrm>
-          <a:prstGeom prst="downArrow">
-            <a:avLst/>
-          </a:prstGeom>
-        </p:spPr>
-        <p:style>
-          <a:lnRef idx="2">
-            <a:schemeClr val="accent1">
-              <a:shade val="50000"/>
-            </a:schemeClr>
-          </a:lnRef>
-          <a:fillRef idx="1">
-            <a:schemeClr val="accent1"/>
-          </a:fillRef>
-          <a:effectRef idx="0">
-            <a:schemeClr val="accent1"/>
-          </a:effectRef>
-          <a:fontRef idx="minor">
-            <a:schemeClr val="lt1"/>
-          </a:fontRef>
-        </p:style>
-        <p:txBody>
-          <a:bodyPr rtlCol="0" anchor="ctr"/>
-          <a:lstStyle/>
-          <a:p>
-            <a:pPr algn="ctr"/>
-            <a:endParaRPr kumimoji="1" lang="ja-JP" altLang="en-US"/>
-          </a:p>
-        </p:txBody>
-      </p:sp>
-      <p:sp>
-        <p:nvSpPr>
-          <p:cNvPr id="20" name="角丸四角形 19"/>
-          <p:cNvSpPr/>
-          <p:nvPr/>
-        </p:nvSpPr>
-        <p:spPr>
-          <a:xfrm>
-            <a:off x="9895742" y="4580793"/>
-            <a:ext cx="1452042" cy="879231"/>
-          </a:xfrm>
-          <a:prstGeom prst="roundRect">
-            <a:avLst/>
-          </a:prstGeom>
-        </p:spPr>
-        <p:style>
-          <a:lnRef idx="2">
-            <a:schemeClr val="accent2">
-              <a:shade val="50000"/>
-            </a:schemeClr>
-          </a:lnRef>
-          <a:fillRef idx="1">
-            <a:schemeClr val="accent2"/>
-          </a:fillRef>
-          <a:effectRef idx="0">
-            <a:schemeClr val="accent2"/>
-          </a:effectRef>
-          <a:fontRef idx="minor">
-            <a:schemeClr val="lt1"/>
-          </a:fontRef>
-        </p:style>
-        <p:txBody>
-          <a:bodyPr rtlCol="0" anchor="ctr"/>
-          <a:lstStyle/>
-          <a:p>
-            <a:pPr algn="ctr"/>
-            <a:r>
-              <a:rPr kumimoji="1" lang="en-US" altLang="ja-JP" dirty="0" smtClean="0"/>
-              <a:t>Stage2</a:t>
-            </a:r>
-          </a:p>
-          <a:p>
-            <a:pPr algn="ctr"/>
-            <a:r>
-              <a:rPr kumimoji="1" lang="en-US" altLang="ja-JP" dirty="0" smtClean="0"/>
-              <a:t>Clear</a:t>
-            </a:r>
-            <a:endParaRPr kumimoji="1" lang="ja-JP" altLang="en-US" dirty="0"/>
-          </a:p>
-        </p:txBody>
-      </p:sp>
-      <p:sp>
-        <p:nvSpPr>
-          <p:cNvPr id="23" name="曲折矢印 22"/>
-          <p:cNvSpPr/>
-          <p:nvPr/>
-        </p:nvSpPr>
-        <p:spPr>
-          <a:xfrm rot="10800000">
-            <a:off x="9736594" y="5433646"/>
-            <a:ext cx="1002914" cy="870440"/>
-          </a:xfrm>
-          <a:prstGeom prst="bentArrow">
-            <a:avLst/>
-          </a:prstGeom>
-        </p:spPr>
-        <p:style>
-          <a:lnRef idx="2">
-            <a:schemeClr val="accent1">
-              <a:shade val="50000"/>
-            </a:schemeClr>
-          </a:lnRef>
-          <a:fillRef idx="1">
-            <a:schemeClr val="accent1"/>
-          </a:fillRef>
-          <a:effectRef idx="0">
-            <a:schemeClr val="accent1"/>
-          </a:effectRef>
-          <a:fontRef idx="minor">
-            <a:schemeClr val="lt1"/>
-          </a:fontRef>
-        </p:style>
-        <p:txBody>
-          <a:bodyPr rtlCol="0" anchor="ctr"/>
-          <a:lstStyle/>
-          <a:p>
-            <a:pPr algn="ctr"/>
-            <a:endParaRPr kumimoji="1" lang="ja-JP" altLang="en-US">
-              <a:solidFill>
-                <a:schemeClr val="tx1"/>
-              </a:solidFill>
-            </a:endParaRPr>
-          </a:p>
-        </p:txBody>
-      </p:sp>
-      <p:sp>
-        <p:nvSpPr>
-          <p:cNvPr id="24" name="角丸四角形 23"/>
-          <p:cNvSpPr/>
-          <p:nvPr/>
-        </p:nvSpPr>
-        <p:spPr>
-          <a:xfrm>
-            <a:off x="8207586" y="5574322"/>
-            <a:ext cx="1556238" cy="940777"/>
-          </a:xfrm>
-          <a:prstGeom prst="roundRect">
-            <a:avLst/>
-          </a:prstGeom>
-        </p:spPr>
-        <p:style>
-          <a:lnRef idx="2">
-            <a:schemeClr val="accent2">
-              <a:shade val="50000"/>
-            </a:schemeClr>
-          </a:lnRef>
-          <a:fillRef idx="1">
-            <a:schemeClr val="accent2"/>
-          </a:fillRef>
-          <a:effectRef idx="0">
-            <a:schemeClr val="accent2"/>
-          </a:effectRef>
-          <a:fontRef idx="minor">
-            <a:schemeClr val="lt1"/>
-          </a:fontRef>
-        </p:style>
-        <p:txBody>
-          <a:bodyPr rtlCol="0" anchor="ctr"/>
-          <a:lstStyle/>
-          <a:p>
-            <a:pPr algn="ctr"/>
-            <a:r>
-              <a:rPr kumimoji="1" lang="en-US" altLang="ja-JP" dirty="0" smtClean="0"/>
-              <a:t>Stage3</a:t>
-            </a:r>
-            <a:endParaRPr kumimoji="1" lang="ja-JP" altLang="en-US" dirty="0"/>
-          </a:p>
-        </p:txBody>
-      </p:sp>
-      <p:sp>
-        <p:nvSpPr>
-          <p:cNvPr id="25" name="上矢印 24"/>
-          <p:cNvSpPr/>
-          <p:nvPr/>
-        </p:nvSpPr>
-        <p:spPr>
-          <a:xfrm>
-            <a:off x="8128488" y="3640016"/>
-            <a:ext cx="597877" cy="1890345"/>
-          </a:xfrm>
-          <a:prstGeom prst="upArrow">
-            <a:avLst/>
-          </a:prstGeom>
-        </p:spPr>
-        <p:style>
-          <a:lnRef idx="2">
-            <a:schemeClr val="accent1">
-              <a:shade val="50000"/>
-            </a:schemeClr>
-          </a:lnRef>
-          <a:fillRef idx="1">
-            <a:schemeClr val="accent1"/>
-          </a:fillRef>
-          <a:effectRef idx="0">
-            <a:schemeClr val="accent1"/>
-          </a:effectRef>
-          <a:fontRef idx="minor">
-            <a:schemeClr val="lt1"/>
-          </a:fontRef>
-        </p:style>
-        <p:txBody>
-          <a:bodyPr rtlCol="0" anchor="ctr"/>
-          <a:lstStyle/>
-          <a:p>
-            <a:pPr algn="ctr"/>
-            <a:endParaRPr kumimoji="1" lang="ja-JP" altLang="en-US"/>
-          </a:p>
-        </p:txBody>
-      </p:sp>
-      <p:sp>
-        <p:nvSpPr>
-          <p:cNvPr id="26" name="左矢印 25"/>
-          <p:cNvSpPr/>
-          <p:nvPr/>
-        </p:nvSpPr>
-        <p:spPr>
-          <a:xfrm rot="21443852">
-            <a:off x="6654370" y="5766515"/>
-            <a:ext cx="1568080" cy="580292"/>
-          </a:xfrm>
-          <a:prstGeom prst="leftArrow">
-            <a:avLst/>
-          </a:prstGeom>
-        </p:spPr>
-        <p:style>
-          <a:lnRef idx="2">
-            <a:schemeClr val="accent1">
-              <a:shade val="50000"/>
-            </a:schemeClr>
-          </a:lnRef>
-          <a:fillRef idx="1">
-            <a:schemeClr val="accent1"/>
-          </a:fillRef>
-          <a:effectRef idx="0">
-            <a:schemeClr val="accent1"/>
-          </a:effectRef>
-          <a:fontRef idx="minor">
-            <a:schemeClr val="lt1"/>
-          </a:fontRef>
-        </p:style>
-        <p:txBody>
-          <a:bodyPr rtlCol="0" anchor="ctr"/>
-          <a:lstStyle/>
-          <a:p>
-            <a:pPr algn="ctr"/>
-            <a:endParaRPr kumimoji="1" lang="ja-JP" altLang="en-US"/>
-          </a:p>
-        </p:txBody>
-      </p:sp>
-      <p:sp>
-        <p:nvSpPr>
-          <p:cNvPr id="27" name="角丸四角形 26"/>
-          <p:cNvSpPr/>
-          <p:nvPr/>
-        </p:nvSpPr>
-        <p:spPr>
-          <a:xfrm>
-            <a:off x="5231222" y="5613887"/>
-            <a:ext cx="1467317" cy="993532"/>
-          </a:xfrm>
-          <a:prstGeom prst="roundRect">
-            <a:avLst/>
-          </a:prstGeom>
-        </p:spPr>
-        <p:style>
-          <a:lnRef idx="2">
-            <a:schemeClr val="accent2">
-              <a:shade val="50000"/>
-            </a:schemeClr>
-          </a:lnRef>
-          <a:fillRef idx="1">
-            <a:schemeClr val="accent2"/>
-          </a:fillRef>
-          <a:effectRef idx="0">
-            <a:schemeClr val="accent2"/>
-          </a:effectRef>
-          <a:fontRef idx="minor">
-            <a:schemeClr val="lt1"/>
-          </a:fontRef>
-        </p:style>
-        <p:txBody>
-          <a:bodyPr rtlCol="0" anchor="ctr"/>
-          <a:lstStyle/>
-          <a:p>
-            <a:pPr algn="ctr"/>
-            <a:r>
-              <a:rPr kumimoji="1" lang="en-US" altLang="ja-JP" dirty="0" smtClean="0"/>
-              <a:t>Stage3</a:t>
-            </a:r>
-          </a:p>
-          <a:p>
-            <a:pPr algn="ctr"/>
-            <a:r>
-              <a:rPr kumimoji="1" lang="en-US" altLang="ja-JP" dirty="0" smtClean="0"/>
-              <a:t>Clear</a:t>
-            </a:r>
-            <a:endParaRPr kumimoji="1" lang="ja-JP" altLang="en-US" dirty="0"/>
-          </a:p>
-        </p:txBody>
-      </p:sp>
-      <p:sp>
-        <p:nvSpPr>
-          <p:cNvPr id="29" name="左矢印 28"/>
-          <p:cNvSpPr/>
-          <p:nvPr/>
-        </p:nvSpPr>
-        <p:spPr>
-          <a:xfrm rot="20924620">
-            <a:off x="3140644" y="3393192"/>
-            <a:ext cx="4111984" cy="584628"/>
-          </a:xfrm>
-          <a:prstGeom prst="leftArrow">
-            <a:avLst/>
-          </a:prstGeom>
-        </p:spPr>
-        <p:style>
-          <a:lnRef idx="2">
-            <a:schemeClr val="accent1">
-              <a:shade val="50000"/>
-            </a:schemeClr>
-          </a:lnRef>
-          <a:fillRef idx="1">
-            <a:schemeClr val="accent1"/>
-          </a:fillRef>
-          <a:effectRef idx="0">
-            <a:schemeClr val="accent1"/>
-          </a:effectRef>
-          <a:fontRef idx="minor">
-            <a:schemeClr val="lt1"/>
-          </a:fontRef>
-        </p:style>
-        <p:txBody>
-          <a:bodyPr rtlCol="0" anchor="ctr"/>
-          <a:lstStyle/>
-          <a:p>
-            <a:pPr algn="ctr"/>
-            <a:endParaRPr kumimoji="1" lang="ja-JP" altLang="en-US"/>
-          </a:p>
-        </p:txBody>
-      </p:sp>
-      <p:sp>
-        <p:nvSpPr>
-          <p:cNvPr id="31" name="左矢印 30"/>
-          <p:cNvSpPr/>
-          <p:nvPr/>
-        </p:nvSpPr>
-        <p:spPr>
-          <a:xfrm>
-            <a:off x="3960890" y="5791932"/>
-            <a:ext cx="1270487" cy="637442"/>
-          </a:xfrm>
-          <a:prstGeom prst="leftArrow">
-            <a:avLst/>
-          </a:prstGeom>
-        </p:spPr>
-        <p:style>
-          <a:lnRef idx="2">
-            <a:schemeClr val="accent1">
-              <a:shade val="50000"/>
-            </a:schemeClr>
-          </a:lnRef>
-          <a:fillRef idx="1">
-            <a:schemeClr val="accent1"/>
-          </a:fillRef>
-          <a:effectRef idx="0">
-            <a:schemeClr val="accent1"/>
-          </a:effectRef>
-          <a:fontRef idx="minor">
-            <a:schemeClr val="lt1"/>
-          </a:fontRef>
-        </p:style>
-        <p:txBody>
-          <a:bodyPr rtlCol="0" anchor="ctr"/>
-          <a:lstStyle/>
-          <a:p>
-            <a:pPr algn="ctr"/>
-            <a:endParaRPr kumimoji="1" lang="ja-JP" altLang="en-US"/>
-          </a:p>
-        </p:txBody>
-      </p:sp>
-      <p:sp>
-        <p:nvSpPr>
-          <p:cNvPr id="32" name="角丸四角形 31"/>
-          <p:cNvSpPr/>
-          <p:nvPr/>
-        </p:nvSpPr>
-        <p:spPr>
-          <a:xfrm>
-            <a:off x="2377204" y="5621440"/>
-            <a:ext cx="1551843" cy="870441"/>
-          </a:xfrm>
-          <a:prstGeom prst="roundRect">
-            <a:avLst/>
-          </a:prstGeom>
-        </p:spPr>
-        <p:style>
-          <a:lnRef idx="2">
-            <a:schemeClr val="accent2">
-              <a:shade val="50000"/>
-            </a:schemeClr>
-          </a:lnRef>
-          <a:fillRef idx="1">
-            <a:schemeClr val="accent2"/>
-          </a:fillRef>
-          <a:effectRef idx="0">
-            <a:schemeClr val="accent2"/>
-          </a:effectRef>
-          <a:fontRef idx="minor">
-            <a:schemeClr val="lt1"/>
-          </a:fontRef>
-        </p:style>
-        <p:txBody>
-          <a:bodyPr rtlCol="0" anchor="ctr"/>
-          <a:lstStyle/>
-          <a:p>
-            <a:pPr algn="ctr"/>
-            <a:r>
-              <a:rPr kumimoji="1" lang="en-US" altLang="ja-JP" dirty="0" err="1" smtClean="0"/>
-              <a:t>TotalScore</a:t>
-            </a:r>
-            <a:endParaRPr kumimoji="1" lang="ja-JP" altLang="en-US" dirty="0"/>
-          </a:p>
-        </p:txBody>
-      </p:sp>
-      <p:sp>
-        <p:nvSpPr>
-          <p:cNvPr id="33" name="上矢印 32"/>
-          <p:cNvSpPr/>
-          <p:nvPr/>
-        </p:nvSpPr>
-        <p:spPr>
-          <a:xfrm>
-            <a:off x="2783849" y="4008605"/>
-            <a:ext cx="738552" cy="1605282"/>
-          </a:xfrm>
-          <a:prstGeom prst="upArrow">
-            <a:avLst/>
-          </a:prstGeom>
-        </p:spPr>
-        <p:style>
-          <a:lnRef idx="2">
-            <a:schemeClr val="accent1">
-              <a:shade val="50000"/>
-            </a:schemeClr>
-          </a:lnRef>
-          <a:fillRef idx="1">
-            <a:schemeClr val="accent1"/>
-          </a:fillRef>
-          <a:effectRef idx="0">
-            <a:schemeClr val="accent1"/>
-          </a:effectRef>
-          <a:fontRef idx="minor">
-            <a:schemeClr val="lt1"/>
-          </a:fontRef>
-        </p:style>
-        <p:txBody>
-          <a:bodyPr rtlCol="0" anchor="ctr"/>
-          <a:lstStyle/>
-          <a:p>
-            <a:pPr algn="ctr"/>
-            <a:endParaRPr kumimoji="1" lang="ja-JP" altLang="en-US"/>
-          </a:p>
-        </p:txBody>
-      </p:sp>
-      <p:sp>
-        <p:nvSpPr>
-          <p:cNvPr id="34" name="曲折矢印 33"/>
-          <p:cNvSpPr/>
-          <p:nvPr/>
-        </p:nvSpPr>
-        <p:spPr>
-          <a:xfrm rot="16200000">
-            <a:off x="437722" y="1659243"/>
-            <a:ext cx="2156034" cy="2934757"/>
-          </a:xfrm>
-          <a:prstGeom prst="bentArrow">
-            <a:avLst>
-              <a:gd name="adj1" fmla="val 18067"/>
-              <a:gd name="adj2" fmla="val 19589"/>
-              <a:gd name="adj3" fmla="val 25000"/>
-              <a:gd name="adj4" fmla="val 0"/>
-            </a:avLst>
-          </a:prstGeom>
-        </p:spPr>
-        <p:style>
-          <a:lnRef idx="2">
-            <a:schemeClr val="accent1">
-              <a:shade val="50000"/>
-            </a:schemeClr>
-          </a:lnRef>
-          <a:fillRef idx="1">
-            <a:schemeClr val="accent1"/>
-          </a:fillRef>
-          <a:effectRef idx="0">
-            <a:schemeClr val="accent1"/>
-          </a:effectRef>
-          <a:fontRef idx="minor">
-            <a:schemeClr val="lt1"/>
-          </a:fontRef>
-        </p:style>
-        <p:txBody>
-          <a:bodyPr rtlCol="0" anchor="ctr"/>
-          <a:lstStyle/>
-          <a:p>
-            <a:pPr algn="ctr"/>
-            <a:endParaRPr kumimoji="1" lang="ja-JP" altLang="en-US">
-              <a:solidFill>
-                <a:schemeClr val="tx1"/>
-              </a:solidFill>
-            </a:endParaRPr>
-          </a:p>
-        </p:txBody>
-      </p:sp>
-      <p:sp>
-        <p:nvSpPr>
-          <p:cNvPr id="35" name="テキスト ボックス 34"/>
+          <p:cNvPr id="4" name="テキスト ボックス 3"/>
           <p:cNvSpPr txBox="1"/>
           <p:nvPr/>
         </p:nvSpPr>
         <p:spPr>
           <a:xfrm>
-            <a:off x="1193371" y="3219171"/>
-            <a:ext cx="1320010" cy="338554"/>
+            <a:off x="6374424" y="6142527"/>
+            <a:ext cx="5213839" cy="923330"/>
           </a:xfrm>
           <a:prstGeom prst="rect">
             <a:avLst/>
@@ -9260,24 +8868,58 @@
           <a:lstStyle/>
           <a:p>
             <a:r>
-              <a:rPr kumimoji="1" lang="ja-JP" altLang="en-US" sz="1600" dirty="0" smtClean="0"/>
-              <a:t>左</a:t>
-            </a:r>
-            <a:r>
-              <a:rPr kumimoji="1" lang="en-US" altLang="ja-JP" sz="1600" dirty="0" smtClean="0"/>
+              <a:rPr lang="ja-JP" altLang="en-US" dirty="0"/>
+              <a:t>・</a:t>
+            </a:r>
+            <a:r>
+              <a:rPr lang="ja-JP" altLang="en-US" dirty="0" smtClean="0"/>
+              <a:t>仕様、隠し要素</a:t>
+            </a:r>
+            <a:endParaRPr lang="en-US" altLang="ja-JP" dirty="0"/>
+          </a:p>
+          <a:p>
+            <a:r>
+              <a:rPr kumimoji="1" lang="en-US" altLang="ja-JP" dirty="0"/>
+              <a:t>Title</a:t>
+            </a:r>
+            <a:r>
+              <a:rPr kumimoji="1" lang="ja-JP" altLang="en-US" dirty="0"/>
+              <a:t>画面で左</a:t>
+            </a:r>
+            <a:r>
+              <a:rPr kumimoji="1" lang="en-US" altLang="ja-JP" dirty="0"/>
               <a:t>Ctrl</a:t>
             </a:r>
             <a:r>
-              <a:rPr kumimoji="1" lang="ja-JP" altLang="en-US" sz="1600" dirty="0" smtClean="0"/>
-              <a:t>を押す</a:t>
-            </a:r>
-            <a:endParaRPr kumimoji="1" lang="ja-JP" altLang="en-US" sz="1600" dirty="0"/>
+              <a:rPr kumimoji="1" lang="ja-JP" altLang="en-US" dirty="0"/>
+              <a:t>キーを押す</a:t>
+            </a:r>
+            <a:r>
+              <a:rPr kumimoji="1" lang="ja-JP" altLang="en-US" dirty="0" smtClean="0"/>
+              <a:t>と自機</a:t>
+            </a:r>
+            <a:r>
+              <a:rPr kumimoji="1" lang="ja-JP" altLang="en-US" dirty="0"/>
+              <a:t>が</a:t>
+            </a:r>
+            <a:r>
+              <a:rPr kumimoji="1" lang="en-US" altLang="ja-JP" dirty="0"/>
+              <a:t>UFO</a:t>
+            </a:r>
+            <a:r>
+              <a:rPr kumimoji="1" lang="ja-JP" altLang="en-US" dirty="0"/>
+              <a:t>になる。</a:t>
+            </a:r>
+            <a:endParaRPr kumimoji="1" lang="en-US" altLang="ja-JP" dirty="0"/>
+          </a:p>
+          <a:p>
+            <a:endParaRPr kumimoji="1" lang="ja-JP" altLang="en-US" dirty="0"/>
           </a:p>
         </p:txBody>
       </p:sp>
       <p:pic>
         <p:nvPicPr>
-          <p:cNvPr id="3" name="図 2"/>
+          <p:cNvPr id="6" name="図 5"/>
           <p:cNvPicPr>
             <a:picLocks noChangeAspect="1"/>
           </p:cNvPicPr>
@@ -9297,8 +8939,8 @@
         </p:blipFill>
         <p:spPr>
           <a:xfrm>
-            <a:off x="5022543" y="3763840"/>
-            <a:ext cx="1766521" cy="1766521"/>
+            <a:off x="11233502" y="5934670"/>
+            <a:ext cx="923330" cy="923330"/>
           </a:xfrm>
           <a:prstGeom prst="rect">
             <a:avLst/>
@@ -9307,7 +8949,7 @@
       </p:pic>
       <p:pic>
         <p:nvPicPr>
-          <p:cNvPr id="11" name="図 10"/>
+          <p:cNvPr id="7" name="図 6"/>
           <p:cNvPicPr>
             <a:picLocks noChangeAspect="1"/>
           </p:cNvPicPr>
@@ -9327,31 +8969,242 @@
         </p:blipFill>
         <p:spPr>
           <a:xfrm>
-            <a:off x="732047" y="4945923"/>
-            <a:ext cx="975445" cy="975445"/>
+            <a:off x="5069389" y="2402389"/>
+            <a:ext cx="2053223" cy="2053223"/>
           </a:xfrm>
           <a:prstGeom prst="rect">
             <a:avLst/>
           </a:prstGeom>
         </p:spPr>
       </p:pic>
+      <p:sp>
+        <p:nvSpPr>
+          <p:cNvPr id="8" name="テキスト ボックス 7"/>
+          <p:cNvSpPr txBox="1"/>
+          <p:nvPr/>
+        </p:nvSpPr>
+        <p:spPr>
+          <a:xfrm>
+            <a:off x="2943225" y="1158258"/>
+            <a:ext cx="1477108" cy="400110"/>
+          </a:xfrm>
+          <a:prstGeom prst="rect">
+            <a:avLst/>
+          </a:prstGeom>
+          <a:noFill/>
+        </p:spPr>
+        <p:txBody>
+          <a:bodyPr wrap="square" rtlCol="0">
+            <a:spAutoFit/>
+          </a:bodyPr>
+          <a:lstStyle/>
+          <a:p>
+            <a:r>
+              <a:rPr kumimoji="1" lang="ja-JP" altLang="en-US" sz="2000" dirty="0" smtClean="0"/>
+              <a:t>通常の自機</a:t>
+            </a:r>
+            <a:endParaRPr kumimoji="1" lang="ja-JP" altLang="en-US" sz="2000" dirty="0"/>
+          </a:p>
+        </p:txBody>
+      </p:sp>
+      <p:sp>
+        <p:nvSpPr>
+          <p:cNvPr id="13" name="テキスト ボックス 12"/>
+          <p:cNvSpPr txBox="1"/>
+          <p:nvPr/>
+        </p:nvSpPr>
+        <p:spPr>
+          <a:xfrm>
+            <a:off x="5143604" y="1461607"/>
+            <a:ext cx="2046329" cy="646331"/>
+          </a:xfrm>
+          <a:prstGeom prst="rect">
+            <a:avLst/>
+          </a:prstGeom>
+          <a:noFill/>
+        </p:spPr>
+        <p:txBody>
+          <a:bodyPr wrap="none" rtlCol="0">
+            <a:spAutoFit/>
+          </a:bodyPr>
+          <a:lstStyle/>
+          <a:p>
+            <a:r>
+              <a:rPr kumimoji="1" lang="ja-JP" altLang="en-US" dirty="0" smtClean="0"/>
+              <a:t>移動</a:t>
+            </a:r>
+            <a:r>
+              <a:rPr kumimoji="1" lang="en-US" altLang="ja-JP" dirty="0" smtClean="0"/>
+              <a:t>      :</a:t>
+            </a:r>
+            <a:r>
+              <a:rPr kumimoji="1" lang="ja-JP" altLang="en-US" dirty="0" smtClean="0"/>
+              <a:t>↑キー</a:t>
+            </a:r>
+            <a:endParaRPr kumimoji="1" lang="en-US" altLang="ja-JP" dirty="0" smtClean="0"/>
+          </a:p>
+          <a:p>
+            <a:r>
+              <a:rPr kumimoji="1" lang="ja-JP" altLang="en-US" dirty="0" smtClean="0"/>
+              <a:t>ブースト</a:t>
+            </a:r>
+            <a:r>
+              <a:rPr kumimoji="1" lang="en-US" altLang="ja-JP" dirty="0" smtClean="0"/>
+              <a:t>:SPACE</a:t>
+            </a:r>
+            <a:r>
+              <a:rPr kumimoji="1" lang="ja-JP" altLang="en-US" dirty="0" smtClean="0"/>
+              <a:t>キー</a:t>
+            </a:r>
+            <a:endParaRPr kumimoji="1" lang="ja-JP" altLang="en-US" dirty="0"/>
+          </a:p>
+        </p:txBody>
+      </p:sp>
+      <p:sp>
+        <p:nvSpPr>
+          <p:cNvPr id="14" name="テキスト ボックス 13"/>
+          <p:cNvSpPr txBox="1"/>
+          <p:nvPr/>
+        </p:nvSpPr>
+        <p:spPr>
+          <a:xfrm>
+            <a:off x="3004771" y="3244334"/>
+            <a:ext cx="1643399" cy="369332"/>
+          </a:xfrm>
+          <a:prstGeom prst="rect">
+            <a:avLst/>
+          </a:prstGeom>
+          <a:noFill/>
+        </p:spPr>
+        <p:txBody>
+          <a:bodyPr wrap="none" rtlCol="0">
+            <a:spAutoFit/>
+          </a:bodyPr>
+          <a:lstStyle/>
+          <a:p>
+            <a:r>
+              <a:rPr kumimoji="1" lang="ja-JP" altLang="en-US" dirty="0" smtClean="0"/>
+              <a:t>左旋回：←キー</a:t>
+            </a:r>
+            <a:endParaRPr kumimoji="1" lang="ja-JP" altLang="en-US" dirty="0"/>
+          </a:p>
+        </p:txBody>
+      </p:sp>
+      <p:sp>
+        <p:nvSpPr>
+          <p:cNvPr id="15" name="テキスト ボックス 14"/>
+          <p:cNvSpPr txBox="1"/>
+          <p:nvPr/>
+        </p:nvSpPr>
+        <p:spPr>
+          <a:xfrm>
+            <a:off x="7543831" y="3244334"/>
+            <a:ext cx="1665841" cy="369332"/>
+          </a:xfrm>
+          <a:prstGeom prst="rect">
+            <a:avLst/>
+          </a:prstGeom>
+          <a:noFill/>
+        </p:spPr>
+        <p:txBody>
+          <a:bodyPr wrap="none" rtlCol="0">
+            <a:spAutoFit/>
+          </a:bodyPr>
+          <a:lstStyle/>
+          <a:p>
+            <a:r>
+              <a:rPr kumimoji="1" lang="ja-JP" altLang="en-US" dirty="0" smtClean="0"/>
+              <a:t>右旋回：→キー</a:t>
+            </a:r>
+            <a:endParaRPr kumimoji="1" lang="ja-JP" altLang="en-US" dirty="0"/>
+          </a:p>
+        </p:txBody>
+      </p:sp>
+      <p:sp>
+        <p:nvSpPr>
+          <p:cNvPr id="16" name="テキスト ボックス 15"/>
+          <p:cNvSpPr txBox="1"/>
+          <p:nvPr/>
+        </p:nvSpPr>
+        <p:spPr>
+          <a:xfrm>
+            <a:off x="5225409" y="4750063"/>
+            <a:ext cx="1741182" cy="369332"/>
+          </a:xfrm>
+          <a:prstGeom prst="rect">
+            <a:avLst/>
+          </a:prstGeom>
+          <a:noFill/>
+        </p:spPr>
+        <p:txBody>
+          <a:bodyPr wrap="none" rtlCol="0">
+            <a:spAutoFit/>
+          </a:bodyPr>
+          <a:lstStyle/>
+          <a:p>
+            <a:r>
+              <a:rPr kumimoji="1" lang="ja-JP" altLang="en-US" dirty="0" smtClean="0"/>
+              <a:t>ブレーキ</a:t>
+            </a:r>
+            <a:r>
+              <a:rPr kumimoji="1" lang="en-US" altLang="ja-JP" dirty="0" smtClean="0"/>
+              <a:t>:</a:t>
+            </a:r>
+            <a:r>
+              <a:rPr kumimoji="1" lang="ja-JP" altLang="en-US" dirty="0" smtClean="0"/>
+              <a:t>↓キー</a:t>
+            </a:r>
+            <a:endParaRPr kumimoji="1" lang="ja-JP" altLang="en-US" dirty="0"/>
+          </a:p>
+        </p:txBody>
+      </p:sp>
+      <p:sp>
+        <p:nvSpPr>
+          <p:cNvPr id="18" name="テキスト ボックス 17"/>
+          <p:cNvSpPr txBox="1"/>
+          <p:nvPr/>
+        </p:nvSpPr>
+        <p:spPr>
+          <a:xfrm>
+            <a:off x="11445739" y="5834750"/>
+            <a:ext cx="498855" cy="307777"/>
+          </a:xfrm>
+          <a:prstGeom prst="rect">
+            <a:avLst/>
+          </a:prstGeom>
+          <a:noFill/>
+        </p:spPr>
+        <p:txBody>
+          <a:bodyPr wrap="none" rtlCol="0">
+            <a:spAutoFit/>
+          </a:bodyPr>
+          <a:lstStyle/>
+          <a:p>
+            <a:r>
+              <a:rPr kumimoji="1" lang="en-US" altLang="ja-JP" sz="1400" dirty="0" smtClean="0"/>
+              <a:t>UFO</a:t>
+            </a:r>
+            <a:endParaRPr kumimoji="1" lang="ja-JP" altLang="en-US" sz="1400" dirty="0"/>
+          </a:p>
+        </p:txBody>
+      </p:sp>
     </p:spTree>
     <p:extLst>
       <p:ext uri="{BB962C8B-B14F-4D97-AF65-F5344CB8AC3E}">
-        <p14:creationId xmlns:p14="http://schemas.microsoft.com/office/powerpoint/2010/main" val="2920606663"/>
+        <p14:creationId xmlns:p14="http://schemas.microsoft.com/office/powerpoint/2010/main" val="4283702585"/>
       </p:ext>
     </p:extLst>
   </p:cSld>
   <p:clrMapOvr>
     <a:masterClrMapping/>
   </p:clrMapOvr>
-  <mc:AlternateContent xmlns:mc="http://schemas.openxmlformats.org/markup-compatibility/2006">
-    <mc:Choice xmlns:p14="http://schemas.microsoft.com/office/powerpoint/2010/main" Requires="p14">
+  <mc:AlternateContent xmlns:mc="http://schemas.openxmlformats.org/markup-compatibility/2006" xmlns:p14="http://schemas.microsoft.com/office/powerpoint/2010/main">
+    <mc:Choice Requires="p14">
       <p:transition spd="slow" p14:dur="2000">
         <p14:ferris dir="l"/>
       </p:transition>
     </mc:Choice>
-    <mc:Fallback>
+    <mc:Fallback xmlns="">
       <p:transition spd="slow">
         <p:fade/>
       </p:transition>
@@ -9360,1666 +9213,9 @@
   <p:timing>
     <p:tnLst>
       <p:par>
-        <p:cTn id="1" dur="indefinite" restart="never" nodeType="tmRoot">
-          <p:childTnLst>
-            <p:seq concurrent="1" nextAc="seek">
-              <p:cTn id="2" dur="indefinite" nodeType="mainSeq">
-                <p:childTnLst>
-                  <p:par>
-                    <p:cTn id="3" fill="hold">
-                      <p:stCondLst>
-                        <p:cond delay="indefinite"/>
-                      </p:stCondLst>
-                      <p:childTnLst>
-                        <p:par>
-                          <p:cTn id="4" fill="hold">
-                            <p:stCondLst>
-                              <p:cond delay="0"/>
-                            </p:stCondLst>
-                            <p:childTnLst>
-                              <p:par>
-                                <p:cTn id="5" presetID="16" presetClass="entr" presetSubtype="21" fill="hold" grpId="0" nodeType="clickEffect">
-                                  <p:stCondLst>
-                                    <p:cond delay="0"/>
-                                  </p:stCondLst>
-                                  <p:childTnLst>
-                                    <p:set>
-                                      <p:cBhvr>
-                                        <p:cTn id="6" dur="1" fill="hold">
-                                          <p:stCondLst>
-                                            <p:cond delay="0"/>
-                                          </p:stCondLst>
-                                        </p:cTn>
-                                        <p:tgtEl>
-                                          <p:spTgt spid="6"/>
-                                        </p:tgtEl>
-                                        <p:attrNameLst>
-                                          <p:attrName>style.visibility</p:attrName>
-                                        </p:attrNameLst>
-                                      </p:cBhvr>
-                                      <p:to>
-                                        <p:strVal val="visible"/>
-                                      </p:to>
-                                    </p:set>
-                                    <p:animEffect transition="in" filter="barn(inVertical)">
-                                      <p:cBhvr>
-                                        <p:cTn id="7" dur="500"/>
-                                        <p:tgtEl>
-                                          <p:spTgt spid="6"/>
-                                        </p:tgtEl>
-                                      </p:cBhvr>
-                                    </p:animEffect>
-                                  </p:childTnLst>
-                                </p:cTn>
-                              </p:par>
-                              <p:par>
-                                <p:cTn id="8" presetID="16" presetClass="entr" presetSubtype="21" fill="hold" grpId="0" nodeType="withEffect">
-                                  <p:stCondLst>
-                                    <p:cond delay="0"/>
-                                  </p:stCondLst>
-                                  <p:childTnLst>
-                                    <p:set>
-                                      <p:cBhvr>
-                                        <p:cTn id="9" dur="1" fill="hold">
-                                          <p:stCondLst>
-                                            <p:cond delay="0"/>
-                                          </p:stCondLst>
-                                        </p:cTn>
-                                        <p:tgtEl>
-                                          <p:spTgt spid="9"/>
-                                        </p:tgtEl>
-                                        <p:attrNameLst>
-                                          <p:attrName>style.visibility</p:attrName>
-                                        </p:attrNameLst>
-                                      </p:cBhvr>
-                                      <p:to>
-                                        <p:strVal val="visible"/>
-                                      </p:to>
-                                    </p:set>
-                                    <p:animEffect transition="in" filter="barn(inVertical)">
-                                      <p:cBhvr>
-                                        <p:cTn id="10" dur="500"/>
-                                        <p:tgtEl>
-                                          <p:spTgt spid="9"/>
-                                        </p:tgtEl>
-                                      </p:cBhvr>
-                                    </p:animEffect>
-                                  </p:childTnLst>
-                                </p:cTn>
-                              </p:par>
-                            </p:childTnLst>
-                          </p:cTn>
-                        </p:par>
-                      </p:childTnLst>
-                    </p:cTn>
-                  </p:par>
-                  <p:par>
-                    <p:cTn id="11" fill="hold">
-                      <p:stCondLst>
-                        <p:cond delay="indefinite"/>
-                      </p:stCondLst>
-                      <p:childTnLst>
-                        <p:par>
-                          <p:cTn id="12" fill="hold">
-                            <p:stCondLst>
-                              <p:cond delay="0"/>
-                            </p:stCondLst>
-                            <p:childTnLst>
-                              <p:par>
-                                <p:cTn id="13" presetID="42" presetClass="entr" presetSubtype="0" fill="hold" grpId="0" nodeType="clickEffect">
-                                  <p:stCondLst>
-                                    <p:cond delay="0"/>
-                                  </p:stCondLst>
-                                  <p:childTnLst>
-                                    <p:set>
-                                      <p:cBhvr>
-                                        <p:cTn id="14" dur="1" fill="hold">
-                                          <p:stCondLst>
-                                            <p:cond delay="0"/>
-                                          </p:stCondLst>
-                                        </p:cTn>
-                                        <p:tgtEl>
-                                          <p:spTgt spid="10"/>
-                                        </p:tgtEl>
-                                        <p:attrNameLst>
-                                          <p:attrName>style.visibility</p:attrName>
-                                        </p:attrNameLst>
-                                      </p:cBhvr>
-                                      <p:to>
-                                        <p:strVal val="visible"/>
-                                      </p:to>
-                                    </p:set>
-                                    <p:animEffect transition="in" filter="fade">
-                                      <p:cBhvr>
-                                        <p:cTn id="15" dur="1000"/>
-                                        <p:tgtEl>
-                                          <p:spTgt spid="10"/>
-                                        </p:tgtEl>
-                                      </p:cBhvr>
-                                    </p:animEffect>
-                                    <p:anim calcmode="lin" valueType="num">
-                                      <p:cBhvr>
-                                        <p:cTn id="16" dur="1000" fill="hold"/>
-                                        <p:tgtEl>
-                                          <p:spTgt spid="10"/>
-                                        </p:tgtEl>
-                                        <p:attrNameLst>
-                                          <p:attrName>ppt_x</p:attrName>
-                                        </p:attrNameLst>
-                                      </p:cBhvr>
-                                      <p:tavLst>
-                                        <p:tav tm="0">
-                                          <p:val>
-                                            <p:strVal val="#ppt_x"/>
-                                          </p:val>
-                                        </p:tav>
-                                        <p:tav tm="100000">
-                                          <p:val>
-                                            <p:strVal val="#ppt_x"/>
-                                          </p:val>
-                                        </p:tav>
-                                      </p:tavLst>
-                                    </p:anim>
-                                    <p:anim calcmode="lin" valueType="num">
-                                      <p:cBhvr>
-                                        <p:cTn id="17" dur="1000" fill="hold"/>
-                                        <p:tgtEl>
-                                          <p:spTgt spid="10"/>
-                                        </p:tgtEl>
-                                        <p:attrNameLst>
-                                          <p:attrName>ppt_y</p:attrName>
-                                        </p:attrNameLst>
-                                      </p:cBhvr>
-                                      <p:tavLst>
-                                        <p:tav tm="0">
-                                          <p:val>
-                                            <p:strVal val="#ppt_y+.1"/>
-                                          </p:val>
-                                        </p:tav>
-                                        <p:tav tm="100000">
-                                          <p:val>
-                                            <p:strVal val="#ppt_y"/>
-                                          </p:val>
-                                        </p:tav>
-                                      </p:tavLst>
-                                    </p:anim>
-                                  </p:childTnLst>
-                                </p:cTn>
-                              </p:par>
-                              <p:par>
-                                <p:cTn id="18" presetID="42" presetClass="entr" presetSubtype="0" fill="hold" grpId="0" nodeType="withEffect">
-                                  <p:stCondLst>
-                                    <p:cond delay="0"/>
-                                  </p:stCondLst>
-                                  <p:childTnLst>
-                                    <p:set>
-                                      <p:cBhvr>
-                                        <p:cTn id="19" dur="1" fill="hold">
-                                          <p:stCondLst>
-                                            <p:cond delay="0"/>
-                                          </p:stCondLst>
-                                        </p:cTn>
-                                        <p:tgtEl>
-                                          <p:spTgt spid="8"/>
-                                        </p:tgtEl>
-                                        <p:attrNameLst>
-                                          <p:attrName>style.visibility</p:attrName>
-                                        </p:attrNameLst>
-                                      </p:cBhvr>
-                                      <p:to>
-                                        <p:strVal val="visible"/>
-                                      </p:to>
-                                    </p:set>
-                                    <p:animEffect transition="in" filter="fade">
-                                      <p:cBhvr>
-                                        <p:cTn id="20" dur="1000"/>
-                                        <p:tgtEl>
-                                          <p:spTgt spid="8"/>
-                                        </p:tgtEl>
-                                      </p:cBhvr>
-                                    </p:animEffect>
-                                    <p:anim calcmode="lin" valueType="num">
-                                      <p:cBhvr>
-                                        <p:cTn id="21" dur="1000" fill="hold"/>
-                                        <p:tgtEl>
-                                          <p:spTgt spid="8"/>
-                                        </p:tgtEl>
-                                        <p:attrNameLst>
-                                          <p:attrName>ppt_x</p:attrName>
-                                        </p:attrNameLst>
-                                      </p:cBhvr>
-                                      <p:tavLst>
-                                        <p:tav tm="0">
-                                          <p:val>
-                                            <p:strVal val="#ppt_x"/>
-                                          </p:val>
-                                        </p:tav>
-                                        <p:tav tm="100000">
-                                          <p:val>
-                                            <p:strVal val="#ppt_x"/>
-                                          </p:val>
-                                        </p:tav>
-                                      </p:tavLst>
-                                    </p:anim>
-                                    <p:anim calcmode="lin" valueType="num">
-                                      <p:cBhvr>
-                                        <p:cTn id="22" dur="1000" fill="hold"/>
-                                        <p:tgtEl>
-                                          <p:spTgt spid="8"/>
-                                        </p:tgtEl>
-                                        <p:attrNameLst>
-                                          <p:attrName>ppt_y</p:attrName>
-                                        </p:attrNameLst>
-                                      </p:cBhvr>
-                                      <p:tavLst>
-                                        <p:tav tm="0">
-                                          <p:val>
-                                            <p:strVal val="#ppt_y+.1"/>
-                                          </p:val>
-                                        </p:tav>
-                                        <p:tav tm="100000">
-                                          <p:val>
-                                            <p:strVal val="#ppt_y"/>
-                                          </p:val>
-                                        </p:tav>
-                                      </p:tavLst>
-                                    </p:anim>
-                                  </p:childTnLst>
-                                </p:cTn>
-                              </p:par>
-                              <p:par>
-                                <p:cTn id="23" presetID="42" presetClass="entr" presetSubtype="0" fill="hold" grpId="0" nodeType="withEffect">
-                                  <p:stCondLst>
-                                    <p:cond delay="0"/>
-                                  </p:stCondLst>
-                                  <p:childTnLst>
-                                    <p:set>
-                                      <p:cBhvr>
-                                        <p:cTn id="24" dur="1" fill="hold">
-                                          <p:stCondLst>
-                                            <p:cond delay="0"/>
-                                          </p:stCondLst>
-                                        </p:cTn>
-                                        <p:tgtEl>
-                                          <p:spTgt spid="7"/>
-                                        </p:tgtEl>
-                                        <p:attrNameLst>
-                                          <p:attrName>style.visibility</p:attrName>
-                                        </p:attrNameLst>
-                                      </p:cBhvr>
-                                      <p:to>
-                                        <p:strVal val="visible"/>
-                                      </p:to>
-                                    </p:set>
-                                    <p:animEffect transition="in" filter="fade">
-                                      <p:cBhvr>
-                                        <p:cTn id="25" dur="1000"/>
-                                        <p:tgtEl>
-                                          <p:spTgt spid="7"/>
-                                        </p:tgtEl>
-                                      </p:cBhvr>
-                                    </p:animEffect>
-                                    <p:anim calcmode="lin" valueType="num">
-                                      <p:cBhvr>
-                                        <p:cTn id="26" dur="1000" fill="hold"/>
-                                        <p:tgtEl>
-                                          <p:spTgt spid="7"/>
-                                        </p:tgtEl>
-                                        <p:attrNameLst>
-                                          <p:attrName>ppt_x</p:attrName>
-                                        </p:attrNameLst>
-                                      </p:cBhvr>
-                                      <p:tavLst>
-                                        <p:tav tm="0">
-                                          <p:val>
-                                            <p:strVal val="#ppt_x"/>
-                                          </p:val>
-                                        </p:tav>
-                                        <p:tav tm="100000">
-                                          <p:val>
-                                            <p:strVal val="#ppt_x"/>
-                                          </p:val>
-                                        </p:tav>
-                                      </p:tavLst>
-                                    </p:anim>
-                                    <p:anim calcmode="lin" valueType="num">
-                                      <p:cBhvr>
-                                        <p:cTn id="27" dur="1000" fill="hold"/>
-                                        <p:tgtEl>
-                                          <p:spTgt spid="7"/>
-                                        </p:tgtEl>
-                                        <p:attrNameLst>
-                                          <p:attrName>ppt_y</p:attrName>
-                                        </p:attrNameLst>
-                                      </p:cBhvr>
-                                      <p:tavLst>
-                                        <p:tav tm="0">
-                                          <p:val>
-                                            <p:strVal val="#ppt_y+.1"/>
-                                          </p:val>
-                                        </p:tav>
-                                        <p:tav tm="100000">
-                                          <p:val>
-                                            <p:strVal val="#ppt_y"/>
-                                          </p:val>
-                                        </p:tav>
-                                      </p:tavLst>
-                                    </p:anim>
-                                  </p:childTnLst>
-                                </p:cTn>
-                              </p:par>
-                              <p:par>
-                                <p:cTn id="28" presetID="42" presetClass="entr" presetSubtype="0" fill="hold" grpId="0" nodeType="withEffect">
-                                  <p:stCondLst>
-                                    <p:cond delay="0"/>
-                                  </p:stCondLst>
-                                  <p:childTnLst>
-                                    <p:set>
-                                      <p:cBhvr>
-                                        <p:cTn id="29" dur="1" fill="hold">
-                                          <p:stCondLst>
-                                            <p:cond delay="0"/>
-                                          </p:stCondLst>
-                                        </p:cTn>
-                                        <p:tgtEl>
-                                          <p:spTgt spid="35"/>
-                                        </p:tgtEl>
-                                        <p:attrNameLst>
-                                          <p:attrName>style.visibility</p:attrName>
-                                        </p:attrNameLst>
-                                      </p:cBhvr>
-                                      <p:to>
-                                        <p:strVal val="visible"/>
-                                      </p:to>
-                                    </p:set>
-                                    <p:animEffect transition="in" filter="fade">
-                                      <p:cBhvr>
-                                        <p:cTn id="30" dur="1000"/>
-                                        <p:tgtEl>
-                                          <p:spTgt spid="35"/>
-                                        </p:tgtEl>
-                                      </p:cBhvr>
-                                    </p:animEffect>
-                                    <p:anim calcmode="lin" valueType="num">
-                                      <p:cBhvr>
-                                        <p:cTn id="31" dur="1000" fill="hold"/>
-                                        <p:tgtEl>
-                                          <p:spTgt spid="35"/>
-                                        </p:tgtEl>
-                                        <p:attrNameLst>
-                                          <p:attrName>ppt_x</p:attrName>
-                                        </p:attrNameLst>
-                                      </p:cBhvr>
-                                      <p:tavLst>
-                                        <p:tav tm="0">
-                                          <p:val>
-                                            <p:strVal val="#ppt_x"/>
-                                          </p:val>
-                                        </p:tav>
-                                        <p:tav tm="100000">
-                                          <p:val>
-                                            <p:strVal val="#ppt_x"/>
-                                          </p:val>
-                                        </p:tav>
-                                      </p:tavLst>
-                                    </p:anim>
-                                    <p:anim calcmode="lin" valueType="num">
-                                      <p:cBhvr>
-                                        <p:cTn id="32" dur="1000" fill="hold"/>
-                                        <p:tgtEl>
-                                          <p:spTgt spid="35"/>
-                                        </p:tgtEl>
-                                        <p:attrNameLst>
-                                          <p:attrName>ppt_y</p:attrName>
-                                        </p:attrNameLst>
-                                      </p:cBhvr>
-                                      <p:tavLst>
-                                        <p:tav tm="0">
-                                          <p:val>
-                                            <p:strVal val="#ppt_y+.1"/>
-                                          </p:val>
-                                        </p:tav>
-                                        <p:tav tm="100000">
-                                          <p:val>
-                                            <p:strVal val="#ppt_y"/>
-                                          </p:val>
-                                        </p:tav>
-                                      </p:tavLst>
-                                    </p:anim>
-                                  </p:childTnLst>
-                                </p:cTn>
-                              </p:par>
-                            </p:childTnLst>
-                          </p:cTn>
-                        </p:par>
-                      </p:childTnLst>
-                    </p:cTn>
-                  </p:par>
-                  <p:par>
-                    <p:cTn id="33" fill="hold">
-                      <p:stCondLst>
-                        <p:cond delay="indefinite"/>
-                      </p:stCondLst>
-                      <p:childTnLst>
-                        <p:par>
-                          <p:cTn id="34" fill="hold">
-                            <p:stCondLst>
-                              <p:cond delay="0"/>
-                            </p:stCondLst>
-                            <p:childTnLst>
-                              <p:par>
-                                <p:cTn id="35" presetID="10" presetClass="entr" presetSubtype="0" fill="hold" grpId="0" nodeType="clickEffect">
-                                  <p:stCondLst>
-                                    <p:cond delay="0"/>
-                                  </p:stCondLst>
-                                  <p:childTnLst>
-                                    <p:set>
-                                      <p:cBhvr>
-                                        <p:cTn id="36" dur="1" fill="hold">
-                                          <p:stCondLst>
-                                            <p:cond delay="0"/>
-                                          </p:stCondLst>
-                                        </p:cTn>
-                                        <p:tgtEl>
-                                          <p:spTgt spid="12"/>
-                                        </p:tgtEl>
-                                        <p:attrNameLst>
-                                          <p:attrName>style.visibility</p:attrName>
-                                        </p:attrNameLst>
-                                      </p:cBhvr>
-                                      <p:to>
-                                        <p:strVal val="visible"/>
-                                      </p:to>
-                                    </p:set>
-                                    <p:animEffect transition="in" filter="fade">
-                                      <p:cBhvr>
-                                        <p:cTn id="37" dur="500"/>
-                                        <p:tgtEl>
-                                          <p:spTgt spid="12"/>
-                                        </p:tgtEl>
-                                      </p:cBhvr>
-                                    </p:animEffect>
-                                  </p:childTnLst>
-                                </p:cTn>
-                              </p:par>
-                              <p:par>
-                                <p:cTn id="38" presetID="10" presetClass="entr" presetSubtype="0" fill="hold" grpId="0" nodeType="withEffect">
-                                  <p:stCondLst>
-                                    <p:cond delay="0"/>
-                                  </p:stCondLst>
-                                  <p:childTnLst>
-                                    <p:set>
-                                      <p:cBhvr>
-                                        <p:cTn id="39" dur="1" fill="hold">
-                                          <p:stCondLst>
-                                            <p:cond delay="0"/>
-                                          </p:stCondLst>
-                                        </p:cTn>
-                                        <p:tgtEl>
-                                          <p:spTgt spid="14"/>
-                                        </p:tgtEl>
-                                        <p:attrNameLst>
-                                          <p:attrName>style.visibility</p:attrName>
-                                        </p:attrNameLst>
-                                      </p:cBhvr>
-                                      <p:to>
-                                        <p:strVal val="visible"/>
-                                      </p:to>
-                                    </p:set>
-                                    <p:animEffect transition="in" filter="fade">
-                                      <p:cBhvr>
-                                        <p:cTn id="40" dur="500"/>
-                                        <p:tgtEl>
-                                          <p:spTgt spid="14"/>
-                                        </p:tgtEl>
-                                      </p:cBhvr>
-                                    </p:animEffect>
-                                  </p:childTnLst>
-                                </p:cTn>
-                              </p:par>
-                            </p:childTnLst>
-                          </p:cTn>
-                        </p:par>
-                      </p:childTnLst>
-                    </p:cTn>
-                  </p:par>
-                  <p:par>
-                    <p:cTn id="41" fill="hold">
-                      <p:stCondLst>
-                        <p:cond delay="indefinite"/>
-                      </p:stCondLst>
-                      <p:childTnLst>
-                        <p:par>
-                          <p:cTn id="42" fill="hold">
-                            <p:stCondLst>
-                              <p:cond delay="0"/>
-                            </p:stCondLst>
-                            <p:childTnLst>
-                              <p:par>
-                                <p:cTn id="43" presetID="42" presetClass="entr" presetSubtype="0" fill="hold" grpId="0" nodeType="clickEffect">
-                                  <p:stCondLst>
-                                    <p:cond delay="0"/>
-                                  </p:stCondLst>
-                                  <p:childTnLst>
-                                    <p:set>
-                                      <p:cBhvr>
-                                        <p:cTn id="44" dur="1" fill="hold">
-                                          <p:stCondLst>
-                                            <p:cond delay="0"/>
-                                          </p:stCondLst>
-                                        </p:cTn>
-                                        <p:tgtEl>
-                                          <p:spTgt spid="16"/>
-                                        </p:tgtEl>
-                                        <p:attrNameLst>
-                                          <p:attrName>style.visibility</p:attrName>
-                                        </p:attrNameLst>
-                                      </p:cBhvr>
-                                      <p:to>
-                                        <p:strVal val="visible"/>
-                                      </p:to>
-                                    </p:set>
-                                    <p:animEffect transition="in" filter="fade">
-                                      <p:cBhvr>
-                                        <p:cTn id="45" dur="1000"/>
-                                        <p:tgtEl>
-                                          <p:spTgt spid="16"/>
-                                        </p:tgtEl>
-                                      </p:cBhvr>
-                                    </p:animEffect>
-                                    <p:anim calcmode="lin" valueType="num">
-                                      <p:cBhvr>
-                                        <p:cTn id="46" dur="1000" fill="hold"/>
-                                        <p:tgtEl>
-                                          <p:spTgt spid="16"/>
-                                        </p:tgtEl>
-                                        <p:attrNameLst>
-                                          <p:attrName>ppt_x</p:attrName>
-                                        </p:attrNameLst>
-                                      </p:cBhvr>
-                                      <p:tavLst>
-                                        <p:tav tm="0">
-                                          <p:val>
-                                            <p:strVal val="#ppt_x"/>
-                                          </p:val>
-                                        </p:tav>
-                                        <p:tav tm="100000">
-                                          <p:val>
-                                            <p:strVal val="#ppt_x"/>
-                                          </p:val>
-                                        </p:tav>
-                                      </p:tavLst>
-                                    </p:anim>
-                                    <p:anim calcmode="lin" valueType="num">
-                                      <p:cBhvr>
-                                        <p:cTn id="47" dur="1000" fill="hold"/>
-                                        <p:tgtEl>
-                                          <p:spTgt spid="16"/>
-                                        </p:tgtEl>
-                                        <p:attrNameLst>
-                                          <p:attrName>ppt_y</p:attrName>
-                                        </p:attrNameLst>
-                                      </p:cBhvr>
-                                      <p:tavLst>
-                                        <p:tav tm="0">
-                                          <p:val>
-                                            <p:strVal val="#ppt_y+.1"/>
-                                          </p:val>
-                                        </p:tav>
-                                        <p:tav tm="100000">
-                                          <p:val>
-                                            <p:strVal val="#ppt_y"/>
-                                          </p:val>
-                                        </p:tav>
-                                      </p:tavLst>
-                                    </p:anim>
-                                  </p:childTnLst>
-                                </p:cTn>
-                              </p:par>
-                              <p:par>
-                                <p:cTn id="48" presetID="42" presetClass="entr" presetSubtype="0" fill="hold" grpId="0" nodeType="withEffect">
-                                  <p:stCondLst>
-                                    <p:cond delay="0"/>
-                                  </p:stCondLst>
-                                  <p:childTnLst>
-                                    <p:set>
-                                      <p:cBhvr>
-                                        <p:cTn id="49" dur="1" fill="hold">
-                                          <p:stCondLst>
-                                            <p:cond delay="0"/>
-                                          </p:stCondLst>
-                                        </p:cTn>
-                                        <p:tgtEl>
-                                          <p:spTgt spid="17"/>
-                                        </p:tgtEl>
-                                        <p:attrNameLst>
-                                          <p:attrName>style.visibility</p:attrName>
-                                        </p:attrNameLst>
-                                      </p:cBhvr>
-                                      <p:to>
-                                        <p:strVal val="visible"/>
-                                      </p:to>
-                                    </p:set>
-                                    <p:animEffect transition="in" filter="fade">
-                                      <p:cBhvr>
-                                        <p:cTn id="50" dur="1000"/>
-                                        <p:tgtEl>
-                                          <p:spTgt spid="17"/>
-                                        </p:tgtEl>
-                                      </p:cBhvr>
-                                    </p:animEffect>
-                                    <p:anim calcmode="lin" valueType="num">
-                                      <p:cBhvr>
-                                        <p:cTn id="51" dur="1000" fill="hold"/>
-                                        <p:tgtEl>
-                                          <p:spTgt spid="17"/>
-                                        </p:tgtEl>
-                                        <p:attrNameLst>
-                                          <p:attrName>ppt_x</p:attrName>
-                                        </p:attrNameLst>
-                                      </p:cBhvr>
-                                      <p:tavLst>
-                                        <p:tav tm="0">
-                                          <p:val>
-                                            <p:strVal val="#ppt_x"/>
-                                          </p:val>
-                                        </p:tav>
-                                        <p:tav tm="100000">
-                                          <p:val>
-                                            <p:strVal val="#ppt_x"/>
-                                          </p:val>
-                                        </p:tav>
-                                      </p:tavLst>
-                                    </p:anim>
-                                    <p:anim calcmode="lin" valueType="num">
-                                      <p:cBhvr>
-                                        <p:cTn id="52" dur="1000" fill="hold"/>
-                                        <p:tgtEl>
-                                          <p:spTgt spid="17"/>
-                                        </p:tgtEl>
-                                        <p:attrNameLst>
-                                          <p:attrName>ppt_y</p:attrName>
-                                        </p:attrNameLst>
-                                      </p:cBhvr>
-                                      <p:tavLst>
-                                        <p:tav tm="0">
-                                          <p:val>
-                                            <p:strVal val="#ppt_y+.1"/>
-                                          </p:val>
-                                        </p:tav>
-                                        <p:tav tm="100000">
-                                          <p:val>
-                                            <p:strVal val="#ppt_y"/>
-                                          </p:val>
-                                        </p:tav>
-                                      </p:tavLst>
-                                    </p:anim>
-                                  </p:childTnLst>
-                                </p:cTn>
-                              </p:par>
-                            </p:childTnLst>
-                          </p:cTn>
-                        </p:par>
-                      </p:childTnLst>
-                    </p:cTn>
-                  </p:par>
-                  <p:par>
-                    <p:cTn id="53" fill="hold">
-                      <p:stCondLst>
-                        <p:cond delay="indefinite"/>
-                      </p:stCondLst>
-                      <p:childTnLst>
-                        <p:par>
-                          <p:cTn id="54" fill="hold">
-                            <p:stCondLst>
-                              <p:cond delay="0"/>
-                            </p:stCondLst>
-                            <p:childTnLst>
-                              <p:par>
-                                <p:cTn id="55" presetID="42" presetClass="entr" presetSubtype="0" fill="hold" grpId="0" nodeType="clickEffect">
-                                  <p:stCondLst>
-                                    <p:cond delay="0"/>
-                                  </p:stCondLst>
-                                  <p:childTnLst>
-                                    <p:set>
-                                      <p:cBhvr>
-                                        <p:cTn id="56" dur="1" fill="hold">
-                                          <p:stCondLst>
-                                            <p:cond delay="0"/>
-                                          </p:stCondLst>
-                                        </p:cTn>
-                                        <p:tgtEl>
-                                          <p:spTgt spid="19"/>
-                                        </p:tgtEl>
-                                        <p:attrNameLst>
-                                          <p:attrName>style.visibility</p:attrName>
-                                        </p:attrNameLst>
-                                      </p:cBhvr>
-                                      <p:to>
-                                        <p:strVal val="visible"/>
-                                      </p:to>
-                                    </p:set>
-                                    <p:animEffect transition="in" filter="fade">
-                                      <p:cBhvr>
-                                        <p:cTn id="57" dur="1000"/>
-                                        <p:tgtEl>
-                                          <p:spTgt spid="19"/>
-                                        </p:tgtEl>
-                                      </p:cBhvr>
-                                    </p:animEffect>
-                                    <p:anim calcmode="lin" valueType="num">
-                                      <p:cBhvr>
-                                        <p:cTn id="58" dur="1000" fill="hold"/>
-                                        <p:tgtEl>
-                                          <p:spTgt spid="19"/>
-                                        </p:tgtEl>
-                                        <p:attrNameLst>
-                                          <p:attrName>ppt_x</p:attrName>
-                                        </p:attrNameLst>
-                                      </p:cBhvr>
-                                      <p:tavLst>
-                                        <p:tav tm="0">
-                                          <p:val>
-                                            <p:strVal val="#ppt_x"/>
-                                          </p:val>
-                                        </p:tav>
-                                        <p:tav tm="100000">
-                                          <p:val>
-                                            <p:strVal val="#ppt_x"/>
-                                          </p:val>
-                                        </p:tav>
-                                      </p:tavLst>
-                                    </p:anim>
-                                    <p:anim calcmode="lin" valueType="num">
-                                      <p:cBhvr>
-                                        <p:cTn id="59" dur="1000" fill="hold"/>
-                                        <p:tgtEl>
-                                          <p:spTgt spid="19"/>
-                                        </p:tgtEl>
-                                        <p:attrNameLst>
-                                          <p:attrName>ppt_y</p:attrName>
-                                        </p:attrNameLst>
-                                      </p:cBhvr>
-                                      <p:tavLst>
-                                        <p:tav tm="0">
-                                          <p:val>
-                                            <p:strVal val="#ppt_y+.1"/>
-                                          </p:val>
-                                        </p:tav>
-                                        <p:tav tm="100000">
-                                          <p:val>
-                                            <p:strVal val="#ppt_y"/>
-                                          </p:val>
-                                        </p:tav>
-                                      </p:tavLst>
-                                    </p:anim>
-                                  </p:childTnLst>
-                                </p:cTn>
-                              </p:par>
-                              <p:par>
-                                <p:cTn id="60" presetID="42" presetClass="entr" presetSubtype="0" fill="hold" grpId="0" nodeType="withEffect">
-                                  <p:stCondLst>
-                                    <p:cond delay="0"/>
-                                  </p:stCondLst>
-                                  <p:childTnLst>
-                                    <p:set>
-                                      <p:cBhvr>
-                                        <p:cTn id="61" dur="1" fill="hold">
-                                          <p:stCondLst>
-                                            <p:cond delay="0"/>
-                                          </p:stCondLst>
-                                        </p:cTn>
-                                        <p:tgtEl>
-                                          <p:spTgt spid="20"/>
-                                        </p:tgtEl>
-                                        <p:attrNameLst>
-                                          <p:attrName>style.visibility</p:attrName>
-                                        </p:attrNameLst>
-                                      </p:cBhvr>
-                                      <p:to>
-                                        <p:strVal val="visible"/>
-                                      </p:to>
-                                    </p:set>
-                                    <p:animEffect transition="in" filter="fade">
-                                      <p:cBhvr>
-                                        <p:cTn id="62" dur="1000"/>
-                                        <p:tgtEl>
-                                          <p:spTgt spid="20"/>
-                                        </p:tgtEl>
-                                      </p:cBhvr>
-                                    </p:animEffect>
-                                    <p:anim calcmode="lin" valueType="num">
-                                      <p:cBhvr>
-                                        <p:cTn id="63" dur="1000" fill="hold"/>
-                                        <p:tgtEl>
-                                          <p:spTgt spid="20"/>
-                                        </p:tgtEl>
-                                        <p:attrNameLst>
-                                          <p:attrName>ppt_x</p:attrName>
-                                        </p:attrNameLst>
-                                      </p:cBhvr>
-                                      <p:tavLst>
-                                        <p:tav tm="0">
-                                          <p:val>
-                                            <p:strVal val="#ppt_x"/>
-                                          </p:val>
-                                        </p:tav>
-                                        <p:tav tm="100000">
-                                          <p:val>
-                                            <p:strVal val="#ppt_x"/>
-                                          </p:val>
-                                        </p:tav>
-                                      </p:tavLst>
-                                    </p:anim>
-                                    <p:anim calcmode="lin" valueType="num">
-                                      <p:cBhvr>
-                                        <p:cTn id="64" dur="1000" fill="hold"/>
-                                        <p:tgtEl>
-                                          <p:spTgt spid="20"/>
-                                        </p:tgtEl>
-                                        <p:attrNameLst>
-                                          <p:attrName>ppt_y</p:attrName>
-                                        </p:attrNameLst>
-                                      </p:cBhvr>
-                                      <p:tavLst>
-                                        <p:tav tm="0">
-                                          <p:val>
-                                            <p:strVal val="#ppt_y+.1"/>
-                                          </p:val>
-                                        </p:tav>
-                                        <p:tav tm="100000">
-                                          <p:val>
-                                            <p:strVal val="#ppt_y"/>
-                                          </p:val>
-                                        </p:tav>
-                                      </p:tavLst>
-                                    </p:anim>
-                                  </p:childTnLst>
-                                </p:cTn>
-                              </p:par>
-                            </p:childTnLst>
-                          </p:cTn>
-                        </p:par>
-                      </p:childTnLst>
-                    </p:cTn>
-                  </p:par>
-                  <p:par>
-                    <p:cTn id="65" fill="hold">
-                      <p:stCondLst>
-                        <p:cond delay="indefinite"/>
-                      </p:stCondLst>
-                      <p:childTnLst>
-                        <p:par>
-                          <p:cTn id="66" fill="hold">
-                            <p:stCondLst>
-                              <p:cond delay="0"/>
-                            </p:stCondLst>
-                            <p:childTnLst>
-                              <p:par>
-                                <p:cTn id="67" presetID="16" presetClass="entr" presetSubtype="21" fill="hold" grpId="0" nodeType="clickEffect">
-                                  <p:stCondLst>
-                                    <p:cond delay="0"/>
-                                  </p:stCondLst>
-                                  <p:childTnLst>
-                                    <p:set>
-                                      <p:cBhvr>
-                                        <p:cTn id="68" dur="1" fill="hold">
-                                          <p:stCondLst>
-                                            <p:cond delay="0"/>
-                                          </p:stCondLst>
-                                        </p:cTn>
-                                        <p:tgtEl>
-                                          <p:spTgt spid="23"/>
-                                        </p:tgtEl>
-                                        <p:attrNameLst>
-                                          <p:attrName>style.visibility</p:attrName>
-                                        </p:attrNameLst>
-                                      </p:cBhvr>
-                                      <p:to>
-                                        <p:strVal val="visible"/>
-                                      </p:to>
-                                    </p:set>
-                                    <p:animEffect transition="in" filter="barn(inVertical)">
-                                      <p:cBhvr>
-                                        <p:cTn id="69" dur="500"/>
-                                        <p:tgtEl>
-                                          <p:spTgt spid="23"/>
-                                        </p:tgtEl>
-                                      </p:cBhvr>
-                                    </p:animEffect>
-                                  </p:childTnLst>
-                                </p:cTn>
-                              </p:par>
-                              <p:par>
-                                <p:cTn id="70" presetID="16" presetClass="entr" presetSubtype="21" fill="hold" grpId="0" nodeType="withEffect">
-                                  <p:stCondLst>
-                                    <p:cond delay="0"/>
-                                  </p:stCondLst>
-                                  <p:childTnLst>
-                                    <p:set>
-                                      <p:cBhvr>
-                                        <p:cTn id="71" dur="1" fill="hold">
-                                          <p:stCondLst>
-                                            <p:cond delay="0"/>
-                                          </p:stCondLst>
-                                        </p:cTn>
-                                        <p:tgtEl>
-                                          <p:spTgt spid="24"/>
-                                        </p:tgtEl>
-                                        <p:attrNameLst>
-                                          <p:attrName>style.visibility</p:attrName>
-                                        </p:attrNameLst>
-                                      </p:cBhvr>
-                                      <p:to>
-                                        <p:strVal val="visible"/>
-                                      </p:to>
-                                    </p:set>
-                                    <p:animEffect transition="in" filter="barn(inVertical)">
-                                      <p:cBhvr>
-                                        <p:cTn id="72" dur="500"/>
-                                        <p:tgtEl>
-                                          <p:spTgt spid="24"/>
-                                        </p:tgtEl>
-                                      </p:cBhvr>
-                                    </p:animEffect>
-                                  </p:childTnLst>
-                                </p:cTn>
-                              </p:par>
-                            </p:childTnLst>
-                          </p:cTn>
-                        </p:par>
-                      </p:childTnLst>
-                    </p:cTn>
-                  </p:par>
-                  <p:par>
-                    <p:cTn id="73" fill="hold">
-                      <p:stCondLst>
-                        <p:cond delay="indefinite"/>
-                      </p:stCondLst>
-                      <p:childTnLst>
-                        <p:par>
-                          <p:cTn id="74" fill="hold">
-                            <p:stCondLst>
-                              <p:cond delay="0"/>
-                            </p:stCondLst>
-                            <p:childTnLst>
-                              <p:par>
-                                <p:cTn id="75" presetID="42" presetClass="entr" presetSubtype="0" fill="hold" grpId="0" nodeType="clickEffect">
-                                  <p:stCondLst>
-                                    <p:cond delay="0"/>
-                                  </p:stCondLst>
-                                  <p:childTnLst>
-                                    <p:set>
-                                      <p:cBhvr>
-                                        <p:cTn id="76" dur="1" fill="hold">
-                                          <p:stCondLst>
-                                            <p:cond delay="0"/>
-                                          </p:stCondLst>
-                                        </p:cTn>
-                                        <p:tgtEl>
-                                          <p:spTgt spid="26"/>
-                                        </p:tgtEl>
-                                        <p:attrNameLst>
-                                          <p:attrName>style.visibility</p:attrName>
-                                        </p:attrNameLst>
-                                      </p:cBhvr>
-                                      <p:to>
-                                        <p:strVal val="visible"/>
-                                      </p:to>
-                                    </p:set>
-                                    <p:animEffect transition="in" filter="fade">
-                                      <p:cBhvr>
-                                        <p:cTn id="77" dur="1000"/>
-                                        <p:tgtEl>
-                                          <p:spTgt spid="26"/>
-                                        </p:tgtEl>
-                                      </p:cBhvr>
-                                    </p:animEffect>
-                                    <p:anim calcmode="lin" valueType="num">
-                                      <p:cBhvr>
-                                        <p:cTn id="78" dur="1000" fill="hold"/>
-                                        <p:tgtEl>
-                                          <p:spTgt spid="26"/>
-                                        </p:tgtEl>
-                                        <p:attrNameLst>
-                                          <p:attrName>ppt_x</p:attrName>
-                                        </p:attrNameLst>
-                                      </p:cBhvr>
-                                      <p:tavLst>
-                                        <p:tav tm="0">
-                                          <p:val>
-                                            <p:strVal val="#ppt_x"/>
-                                          </p:val>
-                                        </p:tav>
-                                        <p:tav tm="100000">
-                                          <p:val>
-                                            <p:strVal val="#ppt_x"/>
-                                          </p:val>
-                                        </p:tav>
-                                      </p:tavLst>
-                                    </p:anim>
-                                    <p:anim calcmode="lin" valueType="num">
-                                      <p:cBhvr>
-                                        <p:cTn id="79" dur="1000" fill="hold"/>
-                                        <p:tgtEl>
-                                          <p:spTgt spid="26"/>
-                                        </p:tgtEl>
-                                        <p:attrNameLst>
-                                          <p:attrName>ppt_y</p:attrName>
-                                        </p:attrNameLst>
-                                      </p:cBhvr>
-                                      <p:tavLst>
-                                        <p:tav tm="0">
-                                          <p:val>
-                                            <p:strVal val="#ppt_y+.1"/>
-                                          </p:val>
-                                        </p:tav>
-                                        <p:tav tm="100000">
-                                          <p:val>
-                                            <p:strVal val="#ppt_y"/>
-                                          </p:val>
-                                        </p:tav>
-                                      </p:tavLst>
-                                    </p:anim>
-                                  </p:childTnLst>
-                                </p:cTn>
-                              </p:par>
-                              <p:par>
-                                <p:cTn id="80" presetID="42" presetClass="entr" presetSubtype="0" fill="hold" grpId="0" nodeType="withEffect">
-                                  <p:stCondLst>
-                                    <p:cond delay="0"/>
-                                  </p:stCondLst>
-                                  <p:childTnLst>
-                                    <p:set>
-                                      <p:cBhvr>
-                                        <p:cTn id="81" dur="1" fill="hold">
-                                          <p:stCondLst>
-                                            <p:cond delay="0"/>
-                                          </p:stCondLst>
-                                        </p:cTn>
-                                        <p:tgtEl>
-                                          <p:spTgt spid="27"/>
-                                        </p:tgtEl>
-                                        <p:attrNameLst>
-                                          <p:attrName>style.visibility</p:attrName>
-                                        </p:attrNameLst>
-                                      </p:cBhvr>
-                                      <p:to>
-                                        <p:strVal val="visible"/>
-                                      </p:to>
-                                    </p:set>
-                                    <p:animEffect transition="in" filter="fade">
-                                      <p:cBhvr>
-                                        <p:cTn id="82" dur="1000"/>
-                                        <p:tgtEl>
-                                          <p:spTgt spid="27"/>
-                                        </p:tgtEl>
-                                      </p:cBhvr>
-                                    </p:animEffect>
-                                    <p:anim calcmode="lin" valueType="num">
-                                      <p:cBhvr>
-                                        <p:cTn id="83" dur="1000" fill="hold"/>
-                                        <p:tgtEl>
-                                          <p:spTgt spid="27"/>
-                                        </p:tgtEl>
-                                        <p:attrNameLst>
-                                          <p:attrName>ppt_x</p:attrName>
-                                        </p:attrNameLst>
-                                      </p:cBhvr>
-                                      <p:tavLst>
-                                        <p:tav tm="0">
-                                          <p:val>
-                                            <p:strVal val="#ppt_x"/>
-                                          </p:val>
-                                        </p:tav>
-                                        <p:tav tm="100000">
-                                          <p:val>
-                                            <p:strVal val="#ppt_x"/>
-                                          </p:val>
-                                        </p:tav>
-                                      </p:tavLst>
-                                    </p:anim>
-                                    <p:anim calcmode="lin" valueType="num">
-                                      <p:cBhvr>
-                                        <p:cTn id="84" dur="1000" fill="hold"/>
-                                        <p:tgtEl>
-                                          <p:spTgt spid="27"/>
-                                        </p:tgtEl>
-                                        <p:attrNameLst>
-                                          <p:attrName>ppt_y</p:attrName>
-                                        </p:attrNameLst>
-                                      </p:cBhvr>
-                                      <p:tavLst>
-                                        <p:tav tm="0">
-                                          <p:val>
-                                            <p:strVal val="#ppt_y+.1"/>
-                                          </p:val>
-                                        </p:tav>
-                                        <p:tav tm="100000">
-                                          <p:val>
-                                            <p:strVal val="#ppt_y"/>
-                                          </p:val>
-                                        </p:tav>
-                                      </p:tavLst>
-                                    </p:anim>
-                                  </p:childTnLst>
-                                </p:cTn>
-                              </p:par>
-                            </p:childTnLst>
-                          </p:cTn>
-                        </p:par>
-                      </p:childTnLst>
-                    </p:cTn>
-                  </p:par>
-                  <p:par>
-                    <p:cTn id="85" fill="hold">
-                      <p:stCondLst>
-                        <p:cond delay="indefinite"/>
-                      </p:stCondLst>
-                      <p:childTnLst>
-                        <p:par>
-                          <p:cTn id="86" fill="hold">
-                            <p:stCondLst>
-                              <p:cond delay="0"/>
-                            </p:stCondLst>
-                            <p:childTnLst>
-                              <p:par>
-                                <p:cTn id="87" presetID="16" presetClass="entr" presetSubtype="21" fill="hold" grpId="0" nodeType="clickEffect">
-                                  <p:stCondLst>
-                                    <p:cond delay="0"/>
-                                  </p:stCondLst>
-                                  <p:childTnLst>
-                                    <p:set>
-                                      <p:cBhvr>
-                                        <p:cTn id="88" dur="1" fill="hold">
-                                          <p:stCondLst>
-                                            <p:cond delay="0"/>
-                                          </p:stCondLst>
-                                        </p:cTn>
-                                        <p:tgtEl>
-                                          <p:spTgt spid="25"/>
-                                        </p:tgtEl>
-                                        <p:attrNameLst>
-                                          <p:attrName>style.visibility</p:attrName>
-                                        </p:attrNameLst>
-                                      </p:cBhvr>
-                                      <p:to>
-                                        <p:strVal val="visible"/>
-                                      </p:to>
-                                    </p:set>
-                                    <p:animEffect transition="in" filter="barn(inVertical)">
-                                      <p:cBhvr>
-                                        <p:cTn id="89" dur="500"/>
-                                        <p:tgtEl>
-                                          <p:spTgt spid="25"/>
-                                        </p:tgtEl>
-                                      </p:cBhvr>
-                                    </p:animEffect>
-                                  </p:childTnLst>
-                                </p:cTn>
-                              </p:par>
-                              <p:par>
-                                <p:cTn id="90" presetID="16" presetClass="entr" presetSubtype="21" fill="hold" grpId="0" nodeType="withEffect">
-                                  <p:stCondLst>
-                                    <p:cond delay="0"/>
-                                  </p:stCondLst>
-                                  <p:childTnLst>
-                                    <p:set>
-                                      <p:cBhvr>
-                                        <p:cTn id="91" dur="1" fill="hold">
-                                          <p:stCondLst>
-                                            <p:cond delay="0"/>
-                                          </p:stCondLst>
-                                        </p:cTn>
-                                        <p:tgtEl>
-                                          <p:spTgt spid="18"/>
-                                        </p:tgtEl>
-                                        <p:attrNameLst>
-                                          <p:attrName>style.visibility</p:attrName>
-                                        </p:attrNameLst>
-                                      </p:cBhvr>
-                                      <p:to>
-                                        <p:strVal val="visible"/>
-                                      </p:to>
-                                    </p:set>
-                                    <p:animEffect transition="in" filter="barn(inVertical)">
-                                      <p:cBhvr>
-                                        <p:cTn id="92" dur="500"/>
-                                        <p:tgtEl>
-                                          <p:spTgt spid="18"/>
-                                        </p:tgtEl>
-                                      </p:cBhvr>
-                                    </p:animEffect>
-                                  </p:childTnLst>
-                                </p:cTn>
-                              </p:par>
-                              <p:par>
-                                <p:cTn id="93" presetID="16" presetClass="entr" presetSubtype="21" fill="hold" grpId="0" nodeType="withEffect">
-                                  <p:stCondLst>
-                                    <p:cond delay="0"/>
-                                  </p:stCondLst>
-                                  <p:childTnLst>
-                                    <p:set>
-                                      <p:cBhvr>
-                                        <p:cTn id="94" dur="1" fill="hold">
-                                          <p:stCondLst>
-                                            <p:cond delay="0"/>
-                                          </p:stCondLst>
-                                        </p:cTn>
-                                        <p:tgtEl>
-                                          <p:spTgt spid="13"/>
-                                        </p:tgtEl>
-                                        <p:attrNameLst>
-                                          <p:attrName>style.visibility</p:attrName>
-                                        </p:attrNameLst>
-                                      </p:cBhvr>
-                                      <p:to>
-                                        <p:strVal val="visible"/>
-                                      </p:to>
-                                    </p:set>
-                                    <p:animEffect transition="in" filter="barn(inVertical)">
-                                      <p:cBhvr>
-                                        <p:cTn id="95" dur="500"/>
-                                        <p:tgtEl>
-                                          <p:spTgt spid="13"/>
-                                        </p:tgtEl>
-                                      </p:cBhvr>
-                                    </p:animEffect>
-                                  </p:childTnLst>
-                                </p:cTn>
-                              </p:par>
-                              <p:par>
-                                <p:cTn id="96" presetID="16" presetClass="entr" presetSubtype="21" fill="hold" grpId="0" nodeType="withEffect">
-                                  <p:stCondLst>
-                                    <p:cond delay="0"/>
-                                  </p:stCondLst>
-                                  <p:childTnLst>
-                                    <p:set>
-                                      <p:cBhvr>
-                                        <p:cTn id="97" dur="1" fill="hold">
-                                          <p:stCondLst>
-                                            <p:cond delay="0"/>
-                                          </p:stCondLst>
-                                        </p:cTn>
-                                        <p:tgtEl>
-                                          <p:spTgt spid="15"/>
-                                        </p:tgtEl>
-                                        <p:attrNameLst>
-                                          <p:attrName>style.visibility</p:attrName>
-                                        </p:attrNameLst>
-                                      </p:cBhvr>
-                                      <p:to>
-                                        <p:strVal val="visible"/>
-                                      </p:to>
-                                    </p:set>
-                                    <p:animEffect transition="in" filter="barn(inVertical)">
-                                      <p:cBhvr>
-                                        <p:cTn id="98" dur="500"/>
-                                        <p:tgtEl>
-                                          <p:spTgt spid="15"/>
-                                        </p:tgtEl>
-                                      </p:cBhvr>
-                                    </p:animEffect>
-                                  </p:childTnLst>
-                                </p:cTn>
-                              </p:par>
-                            </p:childTnLst>
-                          </p:cTn>
-                        </p:par>
-                      </p:childTnLst>
-                    </p:cTn>
-                  </p:par>
-                  <p:par>
-                    <p:cTn id="99" fill="hold">
-                      <p:stCondLst>
-                        <p:cond delay="indefinite"/>
-                      </p:stCondLst>
-                      <p:childTnLst>
-                        <p:par>
-                          <p:cTn id="100" fill="hold">
-                            <p:stCondLst>
-                              <p:cond delay="0"/>
-                            </p:stCondLst>
-                            <p:childTnLst>
-                              <p:par>
-                                <p:cTn id="101" presetID="42" presetClass="entr" presetSubtype="0" fill="hold" grpId="0" nodeType="clickEffect">
-                                  <p:stCondLst>
-                                    <p:cond delay="0"/>
-                                  </p:stCondLst>
-                                  <p:childTnLst>
-                                    <p:set>
-                                      <p:cBhvr>
-                                        <p:cTn id="102" dur="1" fill="hold">
-                                          <p:stCondLst>
-                                            <p:cond delay="0"/>
-                                          </p:stCondLst>
-                                        </p:cTn>
-                                        <p:tgtEl>
-                                          <p:spTgt spid="31"/>
-                                        </p:tgtEl>
-                                        <p:attrNameLst>
-                                          <p:attrName>style.visibility</p:attrName>
-                                        </p:attrNameLst>
-                                      </p:cBhvr>
-                                      <p:to>
-                                        <p:strVal val="visible"/>
-                                      </p:to>
-                                    </p:set>
-                                    <p:animEffect transition="in" filter="fade">
-                                      <p:cBhvr>
-                                        <p:cTn id="103" dur="1000"/>
-                                        <p:tgtEl>
-                                          <p:spTgt spid="31"/>
-                                        </p:tgtEl>
-                                      </p:cBhvr>
-                                    </p:animEffect>
-                                    <p:anim calcmode="lin" valueType="num">
-                                      <p:cBhvr>
-                                        <p:cTn id="104" dur="1000" fill="hold"/>
-                                        <p:tgtEl>
-                                          <p:spTgt spid="31"/>
-                                        </p:tgtEl>
-                                        <p:attrNameLst>
-                                          <p:attrName>ppt_x</p:attrName>
-                                        </p:attrNameLst>
-                                      </p:cBhvr>
-                                      <p:tavLst>
-                                        <p:tav tm="0">
-                                          <p:val>
-                                            <p:strVal val="#ppt_x"/>
-                                          </p:val>
-                                        </p:tav>
-                                        <p:tav tm="100000">
-                                          <p:val>
-                                            <p:strVal val="#ppt_x"/>
-                                          </p:val>
-                                        </p:tav>
-                                      </p:tavLst>
-                                    </p:anim>
-                                    <p:anim calcmode="lin" valueType="num">
-                                      <p:cBhvr>
-                                        <p:cTn id="105" dur="1000" fill="hold"/>
-                                        <p:tgtEl>
-                                          <p:spTgt spid="31"/>
-                                        </p:tgtEl>
-                                        <p:attrNameLst>
-                                          <p:attrName>ppt_y</p:attrName>
-                                        </p:attrNameLst>
-                                      </p:cBhvr>
-                                      <p:tavLst>
-                                        <p:tav tm="0">
-                                          <p:val>
-                                            <p:strVal val="#ppt_y+.1"/>
-                                          </p:val>
-                                        </p:tav>
-                                        <p:tav tm="100000">
-                                          <p:val>
-                                            <p:strVal val="#ppt_y"/>
-                                          </p:val>
-                                        </p:tav>
-                                      </p:tavLst>
-                                    </p:anim>
-                                  </p:childTnLst>
-                                </p:cTn>
-                              </p:par>
-                              <p:par>
-                                <p:cTn id="106" presetID="42" presetClass="entr" presetSubtype="0" fill="hold" grpId="0" nodeType="withEffect">
-                                  <p:stCondLst>
-                                    <p:cond delay="0"/>
-                                  </p:stCondLst>
-                                  <p:childTnLst>
-                                    <p:set>
-                                      <p:cBhvr>
-                                        <p:cTn id="107" dur="1" fill="hold">
-                                          <p:stCondLst>
-                                            <p:cond delay="0"/>
-                                          </p:stCondLst>
-                                        </p:cTn>
-                                        <p:tgtEl>
-                                          <p:spTgt spid="32"/>
-                                        </p:tgtEl>
-                                        <p:attrNameLst>
-                                          <p:attrName>style.visibility</p:attrName>
-                                        </p:attrNameLst>
-                                      </p:cBhvr>
-                                      <p:to>
-                                        <p:strVal val="visible"/>
-                                      </p:to>
-                                    </p:set>
-                                    <p:animEffect transition="in" filter="fade">
-                                      <p:cBhvr>
-                                        <p:cTn id="108" dur="1000"/>
-                                        <p:tgtEl>
-                                          <p:spTgt spid="32"/>
-                                        </p:tgtEl>
-                                      </p:cBhvr>
-                                    </p:animEffect>
-                                    <p:anim calcmode="lin" valueType="num">
-                                      <p:cBhvr>
-                                        <p:cTn id="109" dur="1000" fill="hold"/>
-                                        <p:tgtEl>
-                                          <p:spTgt spid="32"/>
-                                        </p:tgtEl>
-                                        <p:attrNameLst>
-                                          <p:attrName>ppt_x</p:attrName>
-                                        </p:attrNameLst>
-                                      </p:cBhvr>
-                                      <p:tavLst>
-                                        <p:tav tm="0">
-                                          <p:val>
-                                            <p:strVal val="#ppt_x"/>
-                                          </p:val>
-                                        </p:tav>
-                                        <p:tav tm="100000">
-                                          <p:val>
-                                            <p:strVal val="#ppt_x"/>
-                                          </p:val>
-                                        </p:tav>
-                                      </p:tavLst>
-                                    </p:anim>
-                                    <p:anim calcmode="lin" valueType="num">
-                                      <p:cBhvr>
-                                        <p:cTn id="110" dur="1000" fill="hold"/>
-                                        <p:tgtEl>
-                                          <p:spTgt spid="32"/>
-                                        </p:tgtEl>
-                                        <p:attrNameLst>
-                                          <p:attrName>ppt_y</p:attrName>
-                                        </p:attrNameLst>
-                                      </p:cBhvr>
-                                      <p:tavLst>
-                                        <p:tav tm="0">
-                                          <p:val>
-                                            <p:strVal val="#ppt_y+.1"/>
-                                          </p:val>
-                                        </p:tav>
-                                        <p:tav tm="100000">
-                                          <p:val>
-                                            <p:strVal val="#ppt_y"/>
-                                          </p:val>
-                                        </p:tav>
-                                      </p:tavLst>
-                                    </p:anim>
-                                  </p:childTnLst>
-                                </p:cTn>
-                              </p:par>
-                            </p:childTnLst>
-                          </p:cTn>
-                        </p:par>
-                      </p:childTnLst>
-                    </p:cTn>
-                  </p:par>
-                  <p:par>
-                    <p:cTn id="111" fill="hold">
-                      <p:stCondLst>
-                        <p:cond delay="indefinite"/>
-                      </p:stCondLst>
-                      <p:childTnLst>
-                        <p:par>
-                          <p:cTn id="112" fill="hold">
-                            <p:stCondLst>
-                              <p:cond delay="0"/>
-                            </p:stCondLst>
-                            <p:childTnLst>
-                              <p:par>
-                                <p:cTn id="113" presetID="16" presetClass="entr" presetSubtype="21" fill="hold" grpId="0" nodeType="clickEffect">
-                                  <p:stCondLst>
-                                    <p:cond delay="0"/>
-                                  </p:stCondLst>
-                                  <p:childTnLst>
-                                    <p:set>
-                                      <p:cBhvr>
-                                        <p:cTn id="114" dur="1" fill="hold">
-                                          <p:stCondLst>
-                                            <p:cond delay="0"/>
-                                          </p:stCondLst>
-                                        </p:cTn>
-                                        <p:tgtEl>
-                                          <p:spTgt spid="34"/>
-                                        </p:tgtEl>
-                                        <p:attrNameLst>
-                                          <p:attrName>style.visibility</p:attrName>
-                                        </p:attrNameLst>
-                                      </p:cBhvr>
-                                      <p:to>
-                                        <p:strVal val="visible"/>
-                                      </p:to>
-                                    </p:set>
-                                    <p:animEffect transition="in" filter="barn(inVertical)">
-                                      <p:cBhvr>
-                                        <p:cTn id="115" dur="500"/>
-                                        <p:tgtEl>
-                                          <p:spTgt spid="34"/>
-                                        </p:tgtEl>
-                                      </p:cBhvr>
-                                    </p:animEffect>
-                                  </p:childTnLst>
-                                </p:cTn>
-                              </p:par>
-                              <p:par>
-                                <p:cTn id="116" presetID="16" presetClass="entr" presetSubtype="21" fill="hold" grpId="0" nodeType="withEffect">
-                                  <p:stCondLst>
-                                    <p:cond delay="0"/>
-                                  </p:stCondLst>
-                                  <p:childTnLst>
-                                    <p:set>
-                                      <p:cBhvr>
-                                        <p:cTn id="117" dur="1" fill="hold">
-                                          <p:stCondLst>
-                                            <p:cond delay="0"/>
-                                          </p:stCondLst>
-                                        </p:cTn>
-                                        <p:tgtEl>
-                                          <p:spTgt spid="29"/>
-                                        </p:tgtEl>
-                                        <p:attrNameLst>
-                                          <p:attrName>style.visibility</p:attrName>
-                                        </p:attrNameLst>
-                                      </p:cBhvr>
-                                      <p:to>
-                                        <p:strVal val="visible"/>
-                                      </p:to>
-                                    </p:set>
-                                    <p:animEffect transition="in" filter="barn(inVertical)">
-                                      <p:cBhvr>
-                                        <p:cTn id="118" dur="500"/>
-                                        <p:tgtEl>
-                                          <p:spTgt spid="29"/>
-                                        </p:tgtEl>
-                                      </p:cBhvr>
-                                    </p:animEffect>
-                                  </p:childTnLst>
-                                </p:cTn>
-                              </p:par>
-                              <p:par>
-                                <p:cTn id="119" presetID="16" presetClass="entr" presetSubtype="21" fill="hold" grpId="0" nodeType="withEffect">
-                                  <p:stCondLst>
-                                    <p:cond delay="0"/>
-                                  </p:stCondLst>
-                                  <p:childTnLst>
-                                    <p:set>
-                                      <p:cBhvr>
-                                        <p:cTn id="120" dur="1" fill="hold">
-                                          <p:stCondLst>
-                                            <p:cond delay="0"/>
-                                          </p:stCondLst>
-                                        </p:cTn>
-                                        <p:tgtEl>
-                                          <p:spTgt spid="33"/>
-                                        </p:tgtEl>
-                                        <p:attrNameLst>
-                                          <p:attrName>style.visibility</p:attrName>
-                                        </p:attrNameLst>
-                                      </p:cBhvr>
-                                      <p:to>
-                                        <p:strVal val="visible"/>
-                                      </p:to>
-                                    </p:set>
-                                    <p:animEffect transition="in" filter="barn(inVertical)">
-                                      <p:cBhvr>
-                                        <p:cTn id="121" dur="500"/>
-                                        <p:tgtEl>
-                                          <p:spTgt spid="33"/>
-                                        </p:tgtEl>
-                                      </p:cBhvr>
-                                    </p:animEffect>
-                                  </p:childTnLst>
-                                </p:cTn>
-                              </p:par>
-                            </p:childTnLst>
-                          </p:cTn>
-                        </p:par>
-                      </p:childTnLst>
-                    </p:cTn>
-                  </p:par>
-                </p:childTnLst>
-              </p:cTn>
-              <p:prevCondLst>
-                <p:cond evt="onPrev" delay="0">
-                  <p:tgtEl>
-                    <p:sldTgt/>
-                  </p:tgtEl>
-                </p:cond>
-              </p:prevCondLst>
-              <p:nextCondLst>
-                <p:cond evt="onNext" delay="0">
-                  <p:tgtEl>
-                    <p:sldTgt/>
-                  </p:tgtEl>
-                </p:cond>
-              </p:nextCondLst>
-            </p:seq>
-          </p:childTnLst>
-        </p:cTn>
+        <p:cTn id="1" dur="indefinite" restart="never" nodeType="tmRoot"/>
       </p:par>
     </p:tnLst>
-    <p:bldLst>
-      <p:bldP spid="6" grpId="0" animBg="1"/>
-      <p:bldP spid="7" grpId="0" animBg="1"/>
-      <p:bldP spid="8" grpId="0" animBg="1"/>
-      <p:bldP spid="9" grpId="0" animBg="1"/>
-      <p:bldP spid="10" grpId="0" animBg="1"/>
-      <p:bldP spid="12" grpId="0" animBg="1"/>
-      <p:bldP spid="13" grpId="0" animBg="1"/>
-      <p:bldP spid="14" grpId="0" animBg="1"/>
-      <p:bldP spid="15" grpId="0" animBg="1"/>
-      <p:bldP spid="16" grpId="0" animBg="1"/>
-      <p:bldP spid="17" grpId="0" animBg="1"/>
-      <p:bldP spid="18" grpId="0" animBg="1"/>
-      <p:bldP spid="19" grpId="0" animBg="1"/>
-      <p:bldP spid="20" grpId="0" animBg="1"/>
-      <p:bldP spid="23" grpId="0" animBg="1"/>
-      <p:bldP spid="24" grpId="0" animBg="1"/>
-      <p:bldP spid="25" grpId="0" animBg="1"/>
-      <p:bldP spid="26" grpId="0" animBg="1"/>
-      <p:bldP spid="27" grpId="0" animBg="1"/>
-      <p:bldP spid="29" grpId="0" animBg="1"/>
-      <p:bldP spid="31" grpId="0" animBg="1"/>
-      <p:bldP spid="32" grpId="0" animBg="1"/>
-      <p:bldP spid="33" grpId="0" animBg="1"/>
-      <p:bldP spid="34" grpId="0" animBg="1"/>
-      <p:bldP spid="35" grpId="0"/>
-    </p:bldLst>
   </p:timing>
 </p:sld>
 </file>
@@ -11053,17 +9249,27 @@
         </p:nvSpPr>
         <p:spPr>
           <a:xfrm>
-            <a:off x="96716" y="1"/>
-            <a:ext cx="3824653" cy="967154"/>
-          </a:xfrm>
-        </p:spPr>
-        <p:txBody>
-          <a:bodyPr/>
-          <a:lstStyle/>
-          <a:p>
-            <a:r>
-              <a:rPr kumimoji="1" lang="ja-JP" altLang="en-US" dirty="0" smtClean="0"/>
-              <a:t>操作説明・仕様</a:t>
+            <a:off x="114301" y="1"/>
+            <a:ext cx="3534508" cy="603504"/>
+          </a:xfrm>
+        </p:spPr>
+        <p:txBody>
+          <a:bodyPr>
+            <a:normAutofit fontScale="90000"/>
+          </a:bodyPr>
+          <a:lstStyle/>
+          <a:p>
+            <a:r>
+              <a:rPr lang="en-US" altLang="ja-JP" dirty="0" smtClean="0"/>
+              <a:t>Special</a:t>
+            </a:r>
+            <a:r>
+              <a:rPr lang="ja-JP" altLang="en-US" dirty="0"/>
+              <a:t> </a:t>
+            </a:r>
+            <a:r>
+              <a:rPr lang="en-US" altLang="ja-JP" dirty="0" smtClean="0"/>
+              <a:t>Thanks</a:t>
             </a:r>
             <a:endParaRPr kumimoji="1" lang="ja-JP" altLang="en-US" dirty="0"/>
           </a:p>
@@ -11081,8 +9287,8 @@
         </p:nvSpPr>
         <p:spPr>
           <a:xfrm>
-            <a:off x="219808" y="949572"/>
-            <a:ext cx="2540977" cy="2400297"/>
+            <a:off x="114301" y="1046285"/>
+            <a:ext cx="9951594" cy="5046783"/>
           </a:xfrm>
         </p:spPr>
         <p:txBody>
@@ -11091,149 +9297,211 @@
           </a:bodyPr>
           <a:lstStyle/>
           <a:p>
-            <a:pPr marL="0" indent="0">
-              <a:buNone/>
-            </a:pPr>
-            <a:r>
-              <a:rPr kumimoji="1" lang="ja-JP" altLang="en-US" dirty="0" smtClean="0"/>
-              <a:t>操作説明</a:t>
-            </a:r>
-            <a:endParaRPr kumimoji="1" lang="en-US" altLang="ja-JP" dirty="0" smtClean="0"/>
-          </a:p>
-          <a:p>
-            <a:pPr marL="0" indent="0">
-              <a:buNone/>
-            </a:pPr>
-            <a:r>
-              <a:rPr kumimoji="1" lang="ja-JP" altLang="en-US" dirty="0" smtClean="0"/>
-              <a:t>移動：↑キー</a:t>
-            </a:r>
-            <a:endParaRPr kumimoji="1" lang="en-US" altLang="ja-JP" dirty="0" smtClean="0"/>
-          </a:p>
-          <a:p>
-            <a:pPr marL="0" indent="0">
-              <a:buNone/>
-            </a:pPr>
-            <a:r>
-              <a:rPr lang="ja-JP" altLang="en-US" dirty="0" smtClean="0"/>
-              <a:t>ブレーキ：↓キー</a:t>
-            </a:r>
-            <a:endParaRPr lang="en-US" altLang="ja-JP" dirty="0" smtClean="0"/>
-          </a:p>
-          <a:p>
-            <a:pPr marL="0" indent="0">
-              <a:buNone/>
-            </a:pPr>
-            <a:r>
-              <a:rPr kumimoji="1" lang="ja-JP" altLang="en-US" dirty="0" smtClean="0"/>
-              <a:t>回転：←→キー</a:t>
-            </a:r>
-            <a:endParaRPr kumimoji="1" lang="en-US" altLang="ja-JP" dirty="0" smtClean="0"/>
-          </a:p>
-          <a:p>
-            <a:pPr marL="0" indent="0">
-              <a:buNone/>
-            </a:pPr>
-            <a:r>
-              <a:rPr lang="ja-JP" altLang="en-US" dirty="0" smtClean="0"/>
-              <a:t>ブースト：</a:t>
-            </a:r>
-            <a:r>
-              <a:rPr lang="en-US" altLang="ja-JP" dirty="0" smtClean="0"/>
-              <a:t>Space</a:t>
-            </a:r>
-            <a:r>
-              <a:rPr lang="ja-JP" altLang="en-US" dirty="0" smtClean="0"/>
-              <a:t>キー</a:t>
-            </a:r>
-            <a:endParaRPr lang="en-US" altLang="ja-JP" dirty="0" smtClean="0"/>
-          </a:p>
-          <a:p>
-            <a:pPr marL="0" indent="0">
-              <a:buNone/>
-            </a:pPr>
-            <a:endParaRPr kumimoji="1" lang="en-US" altLang="ja-JP" dirty="0"/>
-          </a:p>
-        </p:txBody>
-      </p:sp>
-      <p:sp>
-        <p:nvSpPr>
-          <p:cNvPr id="4" name="テキスト ボックス 3"/>
-          <p:cNvSpPr txBox="1"/>
-          <p:nvPr/>
-        </p:nvSpPr>
-        <p:spPr>
-          <a:xfrm>
-            <a:off x="70977" y="3288323"/>
-            <a:ext cx="5213839" cy="923330"/>
-          </a:xfrm>
-          <a:prstGeom prst="rect">
-            <a:avLst/>
-          </a:prstGeom>
-          <a:noFill/>
-        </p:spPr>
-        <p:txBody>
-          <a:bodyPr wrap="square" rtlCol="0">
-            <a:spAutoFit/>
-          </a:bodyPr>
-          <a:lstStyle/>
-          <a:p>
-            <a:r>
-              <a:rPr lang="ja-JP" altLang="en-US" dirty="0"/>
-              <a:t>・</a:t>
-            </a:r>
-            <a:r>
-              <a:rPr lang="ja-JP" altLang="en-US" dirty="0" smtClean="0"/>
-              <a:t>仕様</a:t>
-            </a:r>
-            <a:r>
-              <a:rPr lang="ja-JP" altLang="en-US" dirty="0" smtClean="0"/>
-              <a:t>、隠し要素</a:t>
+            <a:r>
+              <a:rPr lang="ja-JP" altLang="en-US" sz="2400" dirty="0" smtClean="0"/>
+              <a:t>魔王魂様</a:t>
+            </a:r>
+            <a:r>
+              <a:rPr lang="en-US" altLang="ja-JP" sz="2400" dirty="0" smtClean="0"/>
+              <a:t>	</a:t>
+            </a:r>
+            <a:r>
+              <a:rPr lang="ja-JP" altLang="en-US" sz="2400" dirty="0" smtClean="0"/>
+              <a:t>（</a:t>
+            </a:r>
+            <a:r>
+              <a:rPr lang="en-US" altLang="ja-JP" sz="2400" dirty="0" smtClean="0"/>
+              <a:t>https</a:t>
+            </a:r>
+            <a:r>
+              <a:rPr lang="en-US" altLang="ja-JP" sz="2400" dirty="0"/>
+              <a:t>://maoudamashii.jokersounds.com</a:t>
+            </a:r>
+            <a:r>
+              <a:rPr lang="en-US" altLang="ja-JP" sz="2400" dirty="0" smtClean="0"/>
+              <a:t>/</a:t>
+            </a:r>
+            <a:r>
+              <a:rPr lang="ja-JP" altLang="en-US" sz="2400" dirty="0" smtClean="0"/>
+              <a:t>）</a:t>
+            </a:r>
+            <a:endParaRPr lang="ja-JP" altLang="en-US" dirty="0"/>
+          </a:p>
+          <a:p>
+            <a:r>
+              <a:rPr lang="en-US" altLang="ja-JP" sz="2400" dirty="0"/>
+              <a:t>On-</a:t>
+            </a:r>
+            <a:r>
+              <a:rPr lang="en-US" altLang="ja-JP" sz="2400" dirty="0" err="1"/>
+              <a:t>Jin</a:t>
+            </a:r>
+            <a:r>
+              <a:rPr lang="en-US" altLang="ja-JP" sz="2400" dirty="0"/>
+              <a:t> </a:t>
+            </a:r>
+            <a:r>
+              <a:rPr lang="ja-JP" altLang="en-US" sz="2400" dirty="0"/>
+              <a:t>～音人</a:t>
+            </a:r>
+            <a:r>
+              <a:rPr lang="ja-JP" altLang="en-US" sz="2400" dirty="0" smtClean="0"/>
+              <a:t>～様</a:t>
+            </a:r>
+            <a:r>
+              <a:rPr lang="en-US" altLang="ja-JP" sz="2400" dirty="0" smtClean="0"/>
+              <a:t>	</a:t>
+            </a:r>
+            <a:r>
+              <a:rPr lang="ja-JP" altLang="en-US" sz="2400" dirty="0" smtClean="0"/>
+              <a:t>（</a:t>
+            </a:r>
+            <a:r>
+              <a:rPr lang="en-US" altLang="ja-JP" sz="2400" dirty="0" smtClean="0"/>
+              <a:t>https</a:t>
+            </a:r>
+            <a:r>
+              <a:rPr lang="en-US" altLang="ja-JP" sz="2400" dirty="0"/>
+              <a:t>://on-jin.com</a:t>
+            </a:r>
+            <a:r>
+              <a:rPr lang="en-US" altLang="ja-JP" sz="2400" dirty="0" smtClean="0"/>
+              <a:t>/</a:t>
+            </a:r>
+            <a:r>
+              <a:rPr lang="ja-JP" altLang="en-US" sz="2400" dirty="0" smtClean="0"/>
+              <a:t>）</a:t>
             </a:r>
             <a:endParaRPr lang="en-US" altLang="ja-JP" dirty="0"/>
           </a:p>
           <a:p>
             <a:r>
-              <a:rPr kumimoji="1" lang="en-US" altLang="ja-JP" dirty="0"/>
-              <a:t>Title</a:t>
-            </a:r>
-            <a:r>
-              <a:rPr kumimoji="1" lang="ja-JP" altLang="en-US" dirty="0"/>
-              <a:t>画面で左</a:t>
-            </a:r>
-            <a:r>
-              <a:rPr kumimoji="1" lang="en-US" altLang="ja-JP" dirty="0"/>
-              <a:t>Ctrl</a:t>
-            </a:r>
-            <a:r>
-              <a:rPr kumimoji="1" lang="ja-JP" altLang="en-US" dirty="0"/>
-              <a:t>キーを押すと自機が</a:t>
-            </a:r>
-            <a:r>
-              <a:rPr kumimoji="1" lang="en-US" altLang="ja-JP" dirty="0"/>
-              <a:t>UFO</a:t>
-            </a:r>
-            <a:r>
-              <a:rPr kumimoji="1" lang="ja-JP" altLang="en-US" dirty="0"/>
-              <a:t>になる。</a:t>
-            </a:r>
-            <a:endParaRPr kumimoji="1" lang="en-US" altLang="ja-JP" dirty="0"/>
-          </a:p>
-          <a:p>
-            <a:endParaRPr kumimoji="1" lang="ja-JP" altLang="en-US" dirty="0"/>
+              <a:rPr lang="en-US" altLang="ja-JP" sz="2400" dirty="0" smtClean="0"/>
+              <a:t>DOVA-SYNDROME</a:t>
+            </a:r>
+            <a:r>
+              <a:rPr lang="ja-JP" altLang="en-US" sz="2400" dirty="0" smtClean="0"/>
+              <a:t>様</a:t>
+            </a:r>
+            <a:r>
+              <a:rPr lang="en-US" altLang="ja-JP" sz="2400" dirty="0" smtClean="0"/>
+              <a:t>	</a:t>
+            </a:r>
+            <a:r>
+              <a:rPr lang="ja-JP" altLang="en-US" sz="2400" dirty="0" smtClean="0"/>
+              <a:t>（</a:t>
+            </a:r>
+            <a:r>
+              <a:rPr lang="en-US" altLang="ja-JP" sz="2400" dirty="0" smtClean="0"/>
+              <a:t>https</a:t>
+            </a:r>
+            <a:r>
+              <a:rPr lang="en-US" altLang="ja-JP" sz="2400" dirty="0"/>
+              <a:t>://dova-s.jp</a:t>
+            </a:r>
+            <a:r>
+              <a:rPr lang="en-US" altLang="ja-JP" sz="2400" dirty="0" smtClean="0"/>
+              <a:t>/</a:t>
+            </a:r>
+            <a:r>
+              <a:rPr lang="ja-JP" altLang="en-US" sz="2400" dirty="0" smtClean="0"/>
+              <a:t>）</a:t>
+            </a:r>
+            <a:endParaRPr lang="ja-JP" altLang="en-US" dirty="0"/>
+          </a:p>
+          <a:p>
+            <a:r>
+              <a:rPr lang="ja-JP" altLang="en-US" sz="2200" dirty="0"/>
+              <a:t>無料効果音で遊ぼう</a:t>
+            </a:r>
+            <a:r>
+              <a:rPr lang="ja-JP" altLang="en-US" sz="2200" dirty="0" smtClean="0"/>
+              <a:t>！様</a:t>
+            </a:r>
+            <a:r>
+              <a:rPr lang="ja-JP" altLang="en-US" sz="2200" dirty="0"/>
+              <a:t>　</a:t>
+            </a:r>
+            <a:r>
+              <a:rPr lang="ja-JP" altLang="en-US" sz="2400" dirty="0" smtClean="0"/>
+              <a:t>（</a:t>
+            </a:r>
+            <a:r>
+              <a:rPr lang="en-US" altLang="ja-JP" sz="2400" dirty="0" smtClean="0">
+                <a:hlinkClick r:id="rId2"/>
+              </a:rPr>
+              <a:t>https</a:t>
+            </a:r>
+            <a:r>
+              <a:rPr lang="en-US" altLang="ja-JP" sz="2400" dirty="0">
+                <a:hlinkClick r:id="rId2"/>
+              </a:rPr>
+              <a:t>://taira-komori.jpn.org/</a:t>
+            </a:r>
+            <a:r>
+              <a:rPr lang="en-US" altLang="ja-JP" sz="2400" dirty="0"/>
+              <a:t> </a:t>
+            </a:r>
+            <a:r>
+              <a:rPr lang="ja-JP" altLang="en-US" sz="2400" dirty="0" smtClean="0"/>
+              <a:t>）</a:t>
+            </a:r>
+            <a:endParaRPr lang="en-US" altLang="ja-JP" sz="2400" dirty="0" smtClean="0"/>
+          </a:p>
+          <a:p>
+            <a:r>
+              <a:rPr lang="ja-JP" altLang="en-US" sz="2400" dirty="0" smtClean="0"/>
+              <a:t>効果音ラボ様（</a:t>
+            </a:r>
+            <a:r>
+              <a:rPr lang="en-US" altLang="ja-JP" sz="2400" dirty="0">
+                <a:hlinkClick r:id="rId3"/>
+              </a:rPr>
+              <a:t>https://soundeffect-lab.info</a:t>
+            </a:r>
+            <a:r>
+              <a:rPr lang="en-US" altLang="ja-JP" sz="2400" dirty="0" smtClean="0">
+                <a:hlinkClick r:id="rId3"/>
+              </a:rPr>
+              <a:t>/</a:t>
+            </a:r>
+            <a:r>
+              <a:rPr lang="ja-JP" altLang="en-US" sz="2400" dirty="0" smtClean="0"/>
+              <a:t>）</a:t>
+            </a:r>
+            <a:endParaRPr lang="en-US" altLang="ja-JP" sz="2400" dirty="0" smtClean="0"/>
+          </a:p>
+          <a:p>
+            <a:r>
+              <a:rPr lang="ja-JP" altLang="en-US" sz="2400" dirty="0" smtClean="0"/>
+              <a:t>くらげ工匠様（</a:t>
+            </a:r>
+            <a:r>
+              <a:rPr lang="en-US" altLang="ja-JP" sz="2400" dirty="0"/>
+              <a:t>http://</a:t>
+            </a:r>
+            <a:r>
+              <a:rPr lang="en-US" altLang="ja-JP" sz="2400" dirty="0" smtClean="0"/>
+              <a:t>www.kurage-kosho.info/</a:t>
+            </a:r>
+            <a:r>
+              <a:rPr lang="ja-JP" altLang="en-US" sz="2400" dirty="0" smtClean="0"/>
+              <a:t>）</a:t>
+            </a:r>
+            <a:endParaRPr lang="en-US" altLang="ja-JP" sz="2400" dirty="0"/>
           </a:p>
         </p:txBody>
       </p:sp>
       <p:pic>
         <p:nvPicPr>
-          <p:cNvPr id="6" name="図 5"/>
+          <p:cNvPr id="4" name="図 3"/>
           <p:cNvPicPr>
             <a:picLocks noChangeAspect="1"/>
           </p:cNvPicPr>
           <p:nvPr/>
         </p:nvPicPr>
         <p:blipFill>
-          <a:blip r:embed="rId2">
+          <a:blip r:embed="rId4">
             <a:extLst>
               <a:ext uri="{28A0092B-C50C-407E-A947-70E740481C1C}">
                 <a14:useLocalDpi xmlns:a14="http://schemas.microsoft.com/office/drawing/2010/main" val="0"/>
@@ -11246,121 +9514,31 @@
         </p:blipFill>
         <p:spPr>
           <a:xfrm>
-            <a:off x="5706209" y="3209248"/>
-            <a:ext cx="2865020" cy="2865020"/>
+            <a:off x="8999855" y="4148455"/>
+            <a:ext cx="2381250" cy="2381250"/>
           </a:xfrm>
           <a:prstGeom prst="rect">
             <a:avLst/>
           </a:prstGeom>
         </p:spPr>
       </p:pic>
-      <p:pic>
-        <p:nvPicPr>
-          <p:cNvPr id="7" name="図 6"/>
-          <p:cNvPicPr>
-            <a:picLocks noChangeAspect="1"/>
-          </p:cNvPicPr>
-          <p:nvPr/>
-        </p:nvPicPr>
-        <p:blipFill>
-          <a:blip r:embed="rId3">
-            <a:extLst>
-              <a:ext uri="{28A0092B-C50C-407E-A947-70E740481C1C}">
-                <a14:useLocalDpi xmlns:a14="http://schemas.microsoft.com/office/drawing/2010/main" val="0"/>
-              </a:ext>
-            </a:extLst>
-          </a:blip>
-          <a:stretch>
-            <a:fillRect/>
-          </a:stretch>
-        </p:blipFill>
-        <p:spPr>
-          <a:xfrm>
-            <a:off x="6072903" y="679935"/>
-            <a:ext cx="2007227" cy="2007227"/>
-          </a:xfrm>
-          <a:prstGeom prst="rect">
-            <a:avLst/>
-          </a:prstGeom>
-        </p:spPr>
-      </p:pic>
-      <p:sp>
-        <p:nvSpPr>
-          <p:cNvPr id="8" name="テキスト ボックス 7"/>
-          <p:cNvSpPr txBox="1"/>
-          <p:nvPr/>
-        </p:nvSpPr>
-        <p:spPr>
-          <a:xfrm>
-            <a:off x="6400165" y="2839916"/>
-            <a:ext cx="1477108" cy="369332"/>
-          </a:xfrm>
-          <a:prstGeom prst="rect">
-            <a:avLst/>
-          </a:prstGeom>
-          <a:noFill/>
-        </p:spPr>
-        <p:txBody>
-          <a:bodyPr wrap="square" rtlCol="0">
-            <a:spAutoFit/>
-          </a:bodyPr>
-          <a:lstStyle/>
-          <a:p>
-            <a:r>
-              <a:rPr kumimoji="1" lang="ja-JP" altLang="en-US" dirty="0" smtClean="0"/>
-              <a:t>通常の自機</a:t>
-            </a:r>
-            <a:endParaRPr kumimoji="1" lang="ja-JP" altLang="en-US" dirty="0"/>
-          </a:p>
-        </p:txBody>
-      </p:sp>
-      <p:sp>
-        <p:nvSpPr>
-          <p:cNvPr id="9" name="テキスト ボックス 8"/>
-          <p:cNvSpPr txBox="1"/>
-          <p:nvPr/>
-        </p:nvSpPr>
-        <p:spPr>
-          <a:xfrm>
-            <a:off x="6820250" y="5800544"/>
-            <a:ext cx="776305" cy="369332"/>
-          </a:xfrm>
-          <a:prstGeom prst="rect">
-            <a:avLst/>
-          </a:prstGeom>
-          <a:noFill/>
-        </p:spPr>
-        <p:txBody>
-          <a:bodyPr wrap="square" rtlCol="0">
-            <a:spAutoFit/>
-          </a:bodyPr>
-          <a:lstStyle/>
-          <a:p>
-            <a:r>
-              <a:rPr kumimoji="1" lang="en-US" altLang="ja-JP" dirty="0" smtClean="0"/>
-              <a:t>UFO</a:t>
-            </a:r>
-            <a:endParaRPr kumimoji="1" lang="ja-JP" altLang="en-US" dirty="0"/>
-          </a:p>
-        </p:txBody>
-      </p:sp>
     </p:spTree>
     <p:extLst>
       <p:ext uri="{BB962C8B-B14F-4D97-AF65-F5344CB8AC3E}">
-        <p14:creationId xmlns:p14="http://schemas.microsoft.com/office/powerpoint/2010/main" val="4283702585"/>
+        <p14:creationId xmlns:p14="http://schemas.microsoft.com/office/powerpoint/2010/main" val="322384542"/>
       </p:ext>
     </p:extLst>
   </p:cSld>
   <p:clrMapOvr>
     <a:masterClrMapping/>
   </p:clrMapOvr>
-  <mc:AlternateContent xmlns:mc="http://schemas.openxmlformats.org/markup-compatibility/2006">
-    <mc:Choice xmlns:p14="http://schemas.microsoft.com/office/powerpoint/2010/main" Requires="p14">
+  <mc:AlternateContent xmlns:mc="http://schemas.openxmlformats.org/markup-compatibility/2006" xmlns:p14="http://schemas.microsoft.com/office/powerpoint/2010/main">
+    <mc:Choice Requires="p14">
       <p:transition spd="slow" p14:dur="2000">
         <p14:ferris dir="l"/>
       </p:transition>
     </mc:Choice>
-    <mc:Fallback>
+    <mc:Fallback xmlns="">
       <p:transition spd="slow">
         <p:fade/>
       </p:transition>
@@ -11369,1316 +9547,9 @@
   <p:timing>
     <p:tnLst>
       <p:par>
-        <p:cTn id="1" dur="indefinite" restart="never" nodeType="tmRoot">
-          <p:childTnLst>
-            <p:seq concurrent="1" nextAc="seek">
-              <p:cTn id="2" dur="indefinite" nodeType="mainSeq">
-                <p:childTnLst>
-                  <p:par>
-                    <p:cTn id="3" fill="hold">
-                      <p:stCondLst>
-                        <p:cond delay="indefinite"/>
-                      </p:stCondLst>
-                      <p:childTnLst>
-                        <p:par>
-                          <p:cTn id="4" fill="hold">
-                            <p:stCondLst>
-                              <p:cond delay="0"/>
-                            </p:stCondLst>
-                            <p:childTnLst>
-                              <p:par>
-                                <p:cTn id="5" presetID="42" presetClass="entr" presetSubtype="0" fill="hold" nodeType="clickEffect">
-                                  <p:stCondLst>
-                                    <p:cond delay="0"/>
-                                  </p:stCondLst>
-                                  <p:childTnLst>
-                                    <p:set>
-                                      <p:cBhvr>
-                                        <p:cTn id="6" dur="1" fill="hold">
-                                          <p:stCondLst>
-                                            <p:cond delay="0"/>
-                                          </p:stCondLst>
-                                        </p:cTn>
-                                        <p:tgtEl>
-                                          <p:spTgt spid="3">
-                                            <p:txEl>
-                                              <p:pRg st="1" end="1"/>
-                                            </p:txEl>
-                                          </p:spTgt>
-                                        </p:tgtEl>
-                                        <p:attrNameLst>
-                                          <p:attrName>style.visibility</p:attrName>
-                                        </p:attrNameLst>
-                                      </p:cBhvr>
-                                      <p:to>
-                                        <p:strVal val="visible"/>
-                                      </p:to>
-                                    </p:set>
-                                    <p:animEffect transition="in" filter="fade">
-                                      <p:cBhvr>
-                                        <p:cTn id="7" dur="1000"/>
-                                        <p:tgtEl>
-                                          <p:spTgt spid="3">
-                                            <p:txEl>
-                                              <p:pRg st="1" end="1"/>
-                                            </p:txEl>
-                                          </p:spTgt>
-                                        </p:tgtEl>
-                                      </p:cBhvr>
-                                    </p:animEffect>
-                                    <p:anim calcmode="lin" valueType="num">
-                                      <p:cBhvr>
-                                        <p:cTn id="8" dur="1000" fill="hold"/>
-                                        <p:tgtEl>
-                                          <p:spTgt spid="3">
-                                            <p:txEl>
-                                              <p:pRg st="1" end="1"/>
-                                            </p:txEl>
-                                          </p:spTgt>
-                                        </p:tgtEl>
-                                        <p:attrNameLst>
-                                          <p:attrName>ppt_x</p:attrName>
-                                        </p:attrNameLst>
-                                      </p:cBhvr>
-                                      <p:tavLst>
-                                        <p:tav tm="0">
-                                          <p:val>
-                                            <p:strVal val="#ppt_x"/>
-                                          </p:val>
-                                        </p:tav>
-                                        <p:tav tm="100000">
-                                          <p:val>
-                                            <p:strVal val="#ppt_x"/>
-                                          </p:val>
-                                        </p:tav>
-                                      </p:tavLst>
-                                    </p:anim>
-                                    <p:anim calcmode="lin" valueType="num">
-                                      <p:cBhvr>
-                                        <p:cTn id="9" dur="1000" fill="hold"/>
-                                        <p:tgtEl>
-                                          <p:spTgt spid="3">
-                                            <p:txEl>
-                                              <p:pRg st="1" end="1"/>
-                                            </p:txEl>
-                                          </p:spTgt>
-                                        </p:tgtEl>
-                                        <p:attrNameLst>
-                                          <p:attrName>ppt_y</p:attrName>
-                                        </p:attrNameLst>
-                                      </p:cBhvr>
-                                      <p:tavLst>
-                                        <p:tav tm="0">
-                                          <p:val>
-                                            <p:strVal val="#ppt_y+.1"/>
-                                          </p:val>
-                                        </p:tav>
-                                        <p:tav tm="100000">
-                                          <p:val>
-                                            <p:strVal val="#ppt_y"/>
-                                          </p:val>
-                                        </p:tav>
-                                      </p:tavLst>
-                                    </p:anim>
-                                  </p:childTnLst>
-                                </p:cTn>
-                              </p:par>
-                              <p:par>
-                                <p:cTn id="10" presetID="42" presetClass="entr" presetSubtype="0" fill="hold" nodeType="withEffect">
-                                  <p:stCondLst>
-                                    <p:cond delay="0"/>
-                                  </p:stCondLst>
-                                  <p:childTnLst>
-                                    <p:set>
-                                      <p:cBhvr>
-                                        <p:cTn id="11" dur="1" fill="hold">
-                                          <p:stCondLst>
-                                            <p:cond delay="0"/>
-                                          </p:stCondLst>
-                                        </p:cTn>
-                                        <p:tgtEl>
-                                          <p:spTgt spid="3">
-                                            <p:txEl>
-                                              <p:pRg st="2" end="2"/>
-                                            </p:txEl>
-                                          </p:spTgt>
-                                        </p:tgtEl>
-                                        <p:attrNameLst>
-                                          <p:attrName>style.visibility</p:attrName>
-                                        </p:attrNameLst>
-                                      </p:cBhvr>
-                                      <p:to>
-                                        <p:strVal val="visible"/>
-                                      </p:to>
-                                    </p:set>
-                                    <p:animEffect transition="in" filter="fade">
-                                      <p:cBhvr>
-                                        <p:cTn id="12" dur="1000"/>
-                                        <p:tgtEl>
-                                          <p:spTgt spid="3">
-                                            <p:txEl>
-                                              <p:pRg st="2" end="2"/>
-                                            </p:txEl>
-                                          </p:spTgt>
-                                        </p:tgtEl>
-                                      </p:cBhvr>
-                                    </p:animEffect>
-                                    <p:anim calcmode="lin" valueType="num">
-                                      <p:cBhvr>
-                                        <p:cTn id="13" dur="1000" fill="hold"/>
-                                        <p:tgtEl>
-                                          <p:spTgt spid="3">
-                                            <p:txEl>
-                                              <p:pRg st="2" end="2"/>
-                                            </p:txEl>
-                                          </p:spTgt>
-                                        </p:tgtEl>
-                                        <p:attrNameLst>
-                                          <p:attrName>ppt_x</p:attrName>
-                                        </p:attrNameLst>
-                                      </p:cBhvr>
-                                      <p:tavLst>
-                                        <p:tav tm="0">
-                                          <p:val>
-                                            <p:strVal val="#ppt_x"/>
-                                          </p:val>
-                                        </p:tav>
-                                        <p:tav tm="100000">
-                                          <p:val>
-                                            <p:strVal val="#ppt_x"/>
-                                          </p:val>
-                                        </p:tav>
-                                      </p:tavLst>
-                                    </p:anim>
-                                    <p:anim calcmode="lin" valueType="num">
-                                      <p:cBhvr>
-                                        <p:cTn id="14" dur="1000" fill="hold"/>
-                                        <p:tgtEl>
-                                          <p:spTgt spid="3">
-                                            <p:txEl>
-                                              <p:pRg st="2" end="2"/>
-                                            </p:txEl>
-                                          </p:spTgt>
-                                        </p:tgtEl>
-                                        <p:attrNameLst>
-                                          <p:attrName>ppt_y</p:attrName>
-                                        </p:attrNameLst>
-                                      </p:cBhvr>
-                                      <p:tavLst>
-                                        <p:tav tm="0">
-                                          <p:val>
-                                            <p:strVal val="#ppt_y+.1"/>
-                                          </p:val>
-                                        </p:tav>
-                                        <p:tav tm="100000">
-                                          <p:val>
-                                            <p:strVal val="#ppt_y"/>
-                                          </p:val>
-                                        </p:tav>
-                                      </p:tavLst>
-                                    </p:anim>
-                                  </p:childTnLst>
-                                </p:cTn>
-                              </p:par>
-                              <p:par>
-                                <p:cTn id="15" presetID="42" presetClass="entr" presetSubtype="0" fill="hold" nodeType="withEffect">
-                                  <p:stCondLst>
-                                    <p:cond delay="0"/>
-                                  </p:stCondLst>
-                                  <p:childTnLst>
-                                    <p:set>
-                                      <p:cBhvr>
-                                        <p:cTn id="16" dur="1" fill="hold">
-                                          <p:stCondLst>
-                                            <p:cond delay="0"/>
-                                          </p:stCondLst>
-                                        </p:cTn>
-                                        <p:tgtEl>
-                                          <p:spTgt spid="3">
-                                            <p:txEl>
-                                              <p:pRg st="3" end="3"/>
-                                            </p:txEl>
-                                          </p:spTgt>
-                                        </p:tgtEl>
-                                        <p:attrNameLst>
-                                          <p:attrName>style.visibility</p:attrName>
-                                        </p:attrNameLst>
-                                      </p:cBhvr>
-                                      <p:to>
-                                        <p:strVal val="visible"/>
-                                      </p:to>
-                                    </p:set>
-                                    <p:animEffect transition="in" filter="fade">
-                                      <p:cBhvr>
-                                        <p:cTn id="17" dur="1000"/>
-                                        <p:tgtEl>
-                                          <p:spTgt spid="3">
-                                            <p:txEl>
-                                              <p:pRg st="3" end="3"/>
-                                            </p:txEl>
-                                          </p:spTgt>
-                                        </p:tgtEl>
-                                      </p:cBhvr>
-                                    </p:animEffect>
-                                    <p:anim calcmode="lin" valueType="num">
-                                      <p:cBhvr>
-                                        <p:cTn id="18" dur="1000" fill="hold"/>
-                                        <p:tgtEl>
-                                          <p:spTgt spid="3">
-                                            <p:txEl>
-                                              <p:pRg st="3" end="3"/>
-                                            </p:txEl>
-                                          </p:spTgt>
-                                        </p:tgtEl>
-                                        <p:attrNameLst>
-                                          <p:attrName>ppt_x</p:attrName>
-                                        </p:attrNameLst>
-                                      </p:cBhvr>
-                                      <p:tavLst>
-                                        <p:tav tm="0">
-                                          <p:val>
-                                            <p:strVal val="#ppt_x"/>
-                                          </p:val>
-                                        </p:tav>
-                                        <p:tav tm="100000">
-                                          <p:val>
-                                            <p:strVal val="#ppt_x"/>
-                                          </p:val>
-                                        </p:tav>
-                                      </p:tavLst>
-                                    </p:anim>
-                                    <p:anim calcmode="lin" valueType="num">
-                                      <p:cBhvr>
-                                        <p:cTn id="19" dur="1000" fill="hold"/>
-                                        <p:tgtEl>
-                                          <p:spTgt spid="3">
-                                            <p:txEl>
-                                              <p:pRg st="3" end="3"/>
-                                            </p:txEl>
-                                          </p:spTgt>
-                                        </p:tgtEl>
-                                        <p:attrNameLst>
-                                          <p:attrName>ppt_y</p:attrName>
-                                        </p:attrNameLst>
-                                      </p:cBhvr>
-                                      <p:tavLst>
-                                        <p:tav tm="0">
-                                          <p:val>
-                                            <p:strVal val="#ppt_y+.1"/>
-                                          </p:val>
-                                        </p:tav>
-                                        <p:tav tm="100000">
-                                          <p:val>
-                                            <p:strVal val="#ppt_y"/>
-                                          </p:val>
-                                        </p:tav>
-                                      </p:tavLst>
-                                    </p:anim>
-                                  </p:childTnLst>
-                                </p:cTn>
-                              </p:par>
-                              <p:par>
-                                <p:cTn id="20" presetID="42" presetClass="entr" presetSubtype="0" fill="hold" nodeType="withEffect">
-                                  <p:stCondLst>
-                                    <p:cond delay="0"/>
-                                  </p:stCondLst>
-                                  <p:childTnLst>
-                                    <p:set>
-                                      <p:cBhvr>
-                                        <p:cTn id="21" dur="1" fill="hold">
-                                          <p:stCondLst>
-                                            <p:cond delay="0"/>
-                                          </p:stCondLst>
-                                        </p:cTn>
-                                        <p:tgtEl>
-                                          <p:spTgt spid="3">
-                                            <p:txEl>
-                                              <p:pRg st="4" end="4"/>
-                                            </p:txEl>
-                                          </p:spTgt>
-                                        </p:tgtEl>
-                                        <p:attrNameLst>
-                                          <p:attrName>style.visibility</p:attrName>
-                                        </p:attrNameLst>
-                                      </p:cBhvr>
-                                      <p:to>
-                                        <p:strVal val="visible"/>
-                                      </p:to>
-                                    </p:set>
-                                    <p:animEffect transition="in" filter="fade">
-                                      <p:cBhvr>
-                                        <p:cTn id="22" dur="1000"/>
-                                        <p:tgtEl>
-                                          <p:spTgt spid="3">
-                                            <p:txEl>
-                                              <p:pRg st="4" end="4"/>
-                                            </p:txEl>
-                                          </p:spTgt>
-                                        </p:tgtEl>
-                                      </p:cBhvr>
-                                    </p:animEffect>
-                                    <p:anim calcmode="lin" valueType="num">
-                                      <p:cBhvr>
-                                        <p:cTn id="23" dur="1000" fill="hold"/>
-                                        <p:tgtEl>
-                                          <p:spTgt spid="3">
-                                            <p:txEl>
-                                              <p:pRg st="4" end="4"/>
-                                            </p:txEl>
-                                          </p:spTgt>
-                                        </p:tgtEl>
-                                        <p:attrNameLst>
-                                          <p:attrName>ppt_x</p:attrName>
-                                        </p:attrNameLst>
-                                      </p:cBhvr>
-                                      <p:tavLst>
-                                        <p:tav tm="0">
-                                          <p:val>
-                                            <p:strVal val="#ppt_x"/>
-                                          </p:val>
-                                        </p:tav>
-                                        <p:tav tm="100000">
-                                          <p:val>
-                                            <p:strVal val="#ppt_x"/>
-                                          </p:val>
-                                        </p:tav>
-                                      </p:tavLst>
-                                    </p:anim>
-                                    <p:anim calcmode="lin" valueType="num">
-                                      <p:cBhvr>
-                                        <p:cTn id="24" dur="1000" fill="hold"/>
-                                        <p:tgtEl>
-                                          <p:spTgt spid="3">
-                                            <p:txEl>
-                                              <p:pRg st="4" end="4"/>
-                                            </p:txEl>
-                                          </p:spTgt>
-                                        </p:tgtEl>
-                                        <p:attrNameLst>
-                                          <p:attrName>ppt_y</p:attrName>
-                                        </p:attrNameLst>
-                                      </p:cBhvr>
-                                      <p:tavLst>
-                                        <p:tav tm="0">
-                                          <p:val>
-                                            <p:strVal val="#ppt_y+.1"/>
-                                          </p:val>
-                                        </p:tav>
-                                        <p:tav tm="100000">
-                                          <p:val>
-                                            <p:strVal val="#ppt_y"/>
-                                          </p:val>
-                                        </p:tav>
-                                      </p:tavLst>
-                                    </p:anim>
-                                  </p:childTnLst>
-                                </p:cTn>
-                              </p:par>
-                            </p:childTnLst>
-                          </p:cTn>
-                        </p:par>
-                      </p:childTnLst>
-                    </p:cTn>
-                  </p:par>
-                  <p:par>
-                    <p:cTn id="25" fill="hold">
-                      <p:stCondLst>
-                        <p:cond delay="indefinite"/>
-                      </p:stCondLst>
-                      <p:childTnLst>
-                        <p:par>
-                          <p:cTn id="26" fill="hold">
-                            <p:stCondLst>
-                              <p:cond delay="0"/>
-                            </p:stCondLst>
-                            <p:childTnLst>
-                              <p:par>
-                                <p:cTn id="27" presetID="10" presetClass="entr" presetSubtype="0" fill="hold" nodeType="clickEffect">
-                                  <p:stCondLst>
-                                    <p:cond delay="0"/>
-                                  </p:stCondLst>
-                                  <p:childTnLst>
-                                    <p:set>
-                                      <p:cBhvr>
-                                        <p:cTn id="28" dur="1" fill="hold">
-                                          <p:stCondLst>
-                                            <p:cond delay="0"/>
-                                          </p:stCondLst>
-                                        </p:cTn>
-                                        <p:tgtEl>
-                                          <p:spTgt spid="4">
-                                            <p:txEl>
-                                              <p:pRg st="0" end="0"/>
-                                            </p:txEl>
-                                          </p:spTgt>
-                                        </p:tgtEl>
-                                        <p:attrNameLst>
-                                          <p:attrName>style.visibility</p:attrName>
-                                        </p:attrNameLst>
-                                      </p:cBhvr>
-                                      <p:to>
-                                        <p:strVal val="visible"/>
-                                      </p:to>
-                                    </p:set>
-                                    <p:animEffect transition="in" filter="fade">
-                                      <p:cBhvr>
-                                        <p:cTn id="29" dur="500"/>
-                                        <p:tgtEl>
-                                          <p:spTgt spid="4">
-                                            <p:txEl>
-                                              <p:pRg st="0" end="0"/>
-                                            </p:txEl>
-                                          </p:spTgt>
-                                        </p:tgtEl>
-                                      </p:cBhvr>
-                                    </p:animEffect>
-                                  </p:childTnLst>
-                                </p:cTn>
-                              </p:par>
-                            </p:childTnLst>
-                          </p:cTn>
-                        </p:par>
-                      </p:childTnLst>
-                    </p:cTn>
-                  </p:par>
-                  <p:par>
-                    <p:cTn id="30" fill="hold">
-                      <p:stCondLst>
-                        <p:cond delay="indefinite"/>
-                      </p:stCondLst>
-                      <p:childTnLst>
-                        <p:par>
-                          <p:cTn id="31" fill="hold">
-                            <p:stCondLst>
-                              <p:cond delay="0"/>
-                            </p:stCondLst>
-                            <p:childTnLst>
-                              <p:par>
-                                <p:cTn id="32" presetID="42" presetClass="entr" presetSubtype="0" fill="hold" nodeType="clickEffect">
-                                  <p:stCondLst>
-                                    <p:cond delay="0"/>
-                                  </p:stCondLst>
-                                  <p:childTnLst>
-                                    <p:set>
-                                      <p:cBhvr>
-                                        <p:cTn id="33" dur="1" fill="hold">
-                                          <p:stCondLst>
-                                            <p:cond delay="0"/>
-                                          </p:stCondLst>
-                                        </p:cTn>
-                                        <p:tgtEl>
-                                          <p:spTgt spid="4">
-                                            <p:txEl>
-                                              <p:pRg st="1" end="1"/>
-                                            </p:txEl>
-                                          </p:spTgt>
-                                        </p:tgtEl>
-                                        <p:attrNameLst>
-                                          <p:attrName>style.visibility</p:attrName>
-                                        </p:attrNameLst>
-                                      </p:cBhvr>
-                                      <p:to>
-                                        <p:strVal val="visible"/>
-                                      </p:to>
-                                    </p:set>
-                                    <p:animEffect transition="in" filter="fade">
-                                      <p:cBhvr>
-                                        <p:cTn id="34" dur="1000"/>
-                                        <p:tgtEl>
-                                          <p:spTgt spid="4">
-                                            <p:txEl>
-                                              <p:pRg st="1" end="1"/>
-                                            </p:txEl>
-                                          </p:spTgt>
-                                        </p:tgtEl>
-                                      </p:cBhvr>
-                                    </p:animEffect>
-                                    <p:anim calcmode="lin" valueType="num">
-                                      <p:cBhvr>
-                                        <p:cTn id="35" dur="1000" fill="hold"/>
-                                        <p:tgtEl>
-                                          <p:spTgt spid="4">
-                                            <p:txEl>
-                                              <p:pRg st="1" end="1"/>
-                                            </p:txEl>
-                                          </p:spTgt>
-                                        </p:tgtEl>
-                                        <p:attrNameLst>
-                                          <p:attrName>ppt_x</p:attrName>
-                                        </p:attrNameLst>
-                                      </p:cBhvr>
-                                      <p:tavLst>
-                                        <p:tav tm="0">
-                                          <p:val>
-                                            <p:strVal val="#ppt_x"/>
-                                          </p:val>
-                                        </p:tav>
-                                        <p:tav tm="100000">
-                                          <p:val>
-                                            <p:strVal val="#ppt_x"/>
-                                          </p:val>
-                                        </p:tav>
-                                      </p:tavLst>
-                                    </p:anim>
-                                    <p:anim calcmode="lin" valueType="num">
-                                      <p:cBhvr>
-                                        <p:cTn id="36" dur="1000" fill="hold"/>
-                                        <p:tgtEl>
-                                          <p:spTgt spid="4">
-                                            <p:txEl>
-                                              <p:pRg st="1" end="1"/>
-                                            </p:txEl>
-                                          </p:spTgt>
-                                        </p:tgtEl>
-                                        <p:attrNameLst>
-                                          <p:attrName>ppt_y</p:attrName>
-                                        </p:attrNameLst>
-                                      </p:cBhvr>
-                                      <p:tavLst>
-                                        <p:tav tm="0">
-                                          <p:val>
-                                            <p:strVal val="#ppt_y+.1"/>
-                                          </p:val>
-                                        </p:tav>
-                                        <p:tav tm="100000">
-                                          <p:val>
-                                            <p:strVal val="#ppt_y"/>
-                                          </p:val>
-                                        </p:tav>
-                                      </p:tavLst>
-                                    </p:anim>
-                                  </p:childTnLst>
-                                </p:cTn>
-                              </p:par>
-                            </p:childTnLst>
-                          </p:cTn>
-                        </p:par>
-                      </p:childTnLst>
-                    </p:cTn>
-                  </p:par>
-                  <p:par>
-                    <p:cTn id="37" fill="hold">
-                      <p:stCondLst>
-                        <p:cond delay="indefinite"/>
-                      </p:stCondLst>
-                      <p:childTnLst>
-                        <p:par>
-                          <p:cTn id="38" fill="hold">
-                            <p:stCondLst>
-                              <p:cond delay="0"/>
-                            </p:stCondLst>
-                            <p:childTnLst>
-                              <p:par>
-                                <p:cTn id="39" presetID="26" presetClass="entr" presetSubtype="0" fill="hold" nodeType="clickEffect">
-                                  <p:stCondLst>
-                                    <p:cond delay="0"/>
-                                  </p:stCondLst>
-                                  <p:childTnLst>
-                                    <p:set>
-                                      <p:cBhvr>
-                                        <p:cTn id="40" dur="1" fill="hold">
-                                          <p:stCondLst>
-                                            <p:cond delay="0"/>
-                                          </p:stCondLst>
-                                        </p:cTn>
-                                        <p:tgtEl>
-                                          <p:spTgt spid="7"/>
-                                        </p:tgtEl>
-                                        <p:attrNameLst>
-                                          <p:attrName>style.visibility</p:attrName>
-                                        </p:attrNameLst>
-                                      </p:cBhvr>
-                                      <p:to>
-                                        <p:strVal val="visible"/>
-                                      </p:to>
-                                    </p:set>
-                                    <p:animEffect transition="in" filter="wipe(down)">
-                                      <p:cBhvr>
-                                        <p:cTn id="41" dur="580">
-                                          <p:stCondLst>
-                                            <p:cond delay="0"/>
-                                          </p:stCondLst>
-                                        </p:cTn>
-                                        <p:tgtEl>
-                                          <p:spTgt spid="7"/>
-                                        </p:tgtEl>
-                                      </p:cBhvr>
-                                    </p:animEffect>
-                                    <p:anim calcmode="lin" valueType="num">
-                                      <p:cBhvr>
-                                        <p:cTn id="42" dur="1822" tmFilter="0,0; 0.14,0.36; 0.43,0.73; 0.71,0.91; 1.0,1.0">
-                                          <p:stCondLst>
-                                            <p:cond delay="0"/>
-                                          </p:stCondLst>
-                                        </p:cTn>
-                                        <p:tgtEl>
-                                          <p:spTgt spid="7"/>
-                                        </p:tgtEl>
-                                        <p:attrNameLst>
-                                          <p:attrName>ppt_x</p:attrName>
-                                        </p:attrNameLst>
-                                      </p:cBhvr>
-                                      <p:tavLst>
-                                        <p:tav tm="0">
-                                          <p:val>
-                                            <p:strVal val="#ppt_x-0.25"/>
-                                          </p:val>
-                                        </p:tav>
-                                        <p:tav tm="100000">
-                                          <p:val>
-                                            <p:strVal val="#ppt_x"/>
-                                          </p:val>
-                                        </p:tav>
-                                      </p:tavLst>
-                                    </p:anim>
-                                    <p:anim calcmode="lin" valueType="num">
-                                      <p:cBhvr>
-                                        <p:cTn id="43" dur="664" tmFilter="0.0,0.0; 0.25,0.07; 0.50,0.2; 0.75,0.467; 1.0,1.0">
-                                          <p:stCondLst>
-                                            <p:cond delay="0"/>
-                                          </p:stCondLst>
-                                        </p:cTn>
-                                        <p:tgtEl>
-                                          <p:spTgt spid="7"/>
-                                        </p:tgtEl>
-                                        <p:attrNameLst>
-                                          <p:attrName>ppt_y</p:attrName>
-                                        </p:attrNameLst>
-                                      </p:cBhvr>
-                                      <p:tavLst>
-                                        <p:tav tm="0" fmla="#ppt_y-sin(pi*$)/3">
-                                          <p:val>
-                                            <p:fltVal val="0.5"/>
-                                          </p:val>
-                                        </p:tav>
-                                        <p:tav tm="100000">
-                                          <p:val>
-                                            <p:fltVal val="1"/>
-                                          </p:val>
-                                        </p:tav>
-                                      </p:tavLst>
-                                    </p:anim>
-                                    <p:anim calcmode="lin" valueType="num">
-                                      <p:cBhvr>
-                                        <p:cTn id="44" dur="664" tmFilter="0, 0; 0.125,0.2665; 0.25,0.4; 0.375,0.465; 0.5,0.5;  0.625,0.535; 0.75,0.6; 0.875,0.7335; 1,1">
-                                          <p:stCondLst>
-                                            <p:cond delay="664"/>
-                                          </p:stCondLst>
-                                        </p:cTn>
-                                        <p:tgtEl>
-                                          <p:spTgt spid="7"/>
-                                        </p:tgtEl>
-                                        <p:attrNameLst>
-                                          <p:attrName>ppt_y</p:attrName>
-                                        </p:attrNameLst>
-                                      </p:cBhvr>
-                                      <p:tavLst>
-                                        <p:tav tm="0" fmla="#ppt_y-sin(pi*$)/9">
-                                          <p:val>
-                                            <p:fltVal val="0"/>
-                                          </p:val>
-                                        </p:tav>
-                                        <p:tav tm="100000">
-                                          <p:val>
-                                            <p:fltVal val="1"/>
-                                          </p:val>
-                                        </p:tav>
-                                      </p:tavLst>
-                                    </p:anim>
-                                    <p:anim calcmode="lin" valueType="num">
-                                      <p:cBhvr>
-                                        <p:cTn id="45" dur="332" tmFilter="0, 0; 0.125,0.2665; 0.25,0.4; 0.375,0.465; 0.5,0.5;  0.625,0.535; 0.75,0.6; 0.875,0.7335; 1,1">
-                                          <p:stCondLst>
-                                            <p:cond delay="1324"/>
-                                          </p:stCondLst>
-                                        </p:cTn>
-                                        <p:tgtEl>
-                                          <p:spTgt spid="7"/>
-                                        </p:tgtEl>
-                                        <p:attrNameLst>
-                                          <p:attrName>ppt_y</p:attrName>
-                                        </p:attrNameLst>
-                                      </p:cBhvr>
-                                      <p:tavLst>
-                                        <p:tav tm="0" fmla="#ppt_y-sin(pi*$)/27">
-                                          <p:val>
-                                            <p:fltVal val="0"/>
-                                          </p:val>
-                                        </p:tav>
-                                        <p:tav tm="100000">
-                                          <p:val>
-                                            <p:fltVal val="1"/>
-                                          </p:val>
-                                        </p:tav>
-                                      </p:tavLst>
-                                    </p:anim>
-                                    <p:anim calcmode="lin" valueType="num">
-                                      <p:cBhvr>
-                                        <p:cTn id="46" dur="164" tmFilter="0, 0; 0.125,0.2665; 0.25,0.4; 0.375,0.465; 0.5,0.5;  0.625,0.535; 0.75,0.6; 0.875,0.7335; 1,1">
-                                          <p:stCondLst>
-                                            <p:cond delay="1656"/>
-                                          </p:stCondLst>
-                                        </p:cTn>
-                                        <p:tgtEl>
-                                          <p:spTgt spid="7"/>
-                                        </p:tgtEl>
-                                        <p:attrNameLst>
-                                          <p:attrName>ppt_y</p:attrName>
-                                        </p:attrNameLst>
-                                      </p:cBhvr>
-                                      <p:tavLst>
-                                        <p:tav tm="0" fmla="#ppt_y-sin(pi*$)/81">
-                                          <p:val>
-                                            <p:fltVal val="0"/>
-                                          </p:val>
-                                        </p:tav>
-                                        <p:tav tm="100000">
-                                          <p:val>
-                                            <p:fltVal val="1"/>
-                                          </p:val>
-                                        </p:tav>
-                                      </p:tavLst>
-                                    </p:anim>
-                                    <p:animScale>
-                                      <p:cBhvr>
-                                        <p:cTn id="47" dur="26">
-                                          <p:stCondLst>
-                                            <p:cond delay="650"/>
-                                          </p:stCondLst>
-                                        </p:cTn>
-                                        <p:tgtEl>
-                                          <p:spTgt spid="7"/>
-                                        </p:tgtEl>
-                                      </p:cBhvr>
-                                      <p:to x="100000" y="60000"/>
-                                    </p:animScale>
-                                    <p:animScale>
-                                      <p:cBhvr>
-                                        <p:cTn id="48" dur="166" decel="50000">
-                                          <p:stCondLst>
-                                            <p:cond delay="676"/>
-                                          </p:stCondLst>
-                                        </p:cTn>
-                                        <p:tgtEl>
-                                          <p:spTgt spid="7"/>
-                                        </p:tgtEl>
-                                      </p:cBhvr>
-                                      <p:to x="100000" y="100000"/>
-                                    </p:animScale>
-                                    <p:animScale>
-                                      <p:cBhvr>
-                                        <p:cTn id="49" dur="26">
-                                          <p:stCondLst>
-                                            <p:cond delay="1312"/>
-                                          </p:stCondLst>
-                                        </p:cTn>
-                                        <p:tgtEl>
-                                          <p:spTgt spid="7"/>
-                                        </p:tgtEl>
-                                      </p:cBhvr>
-                                      <p:to x="100000" y="80000"/>
-                                    </p:animScale>
-                                    <p:animScale>
-                                      <p:cBhvr>
-                                        <p:cTn id="50" dur="166" decel="50000">
-                                          <p:stCondLst>
-                                            <p:cond delay="1338"/>
-                                          </p:stCondLst>
-                                        </p:cTn>
-                                        <p:tgtEl>
-                                          <p:spTgt spid="7"/>
-                                        </p:tgtEl>
-                                      </p:cBhvr>
-                                      <p:to x="100000" y="100000"/>
-                                    </p:animScale>
-                                    <p:animScale>
-                                      <p:cBhvr>
-                                        <p:cTn id="51" dur="26">
-                                          <p:stCondLst>
-                                            <p:cond delay="1642"/>
-                                          </p:stCondLst>
-                                        </p:cTn>
-                                        <p:tgtEl>
-                                          <p:spTgt spid="7"/>
-                                        </p:tgtEl>
-                                      </p:cBhvr>
-                                      <p:to x="100000" y="90000"/>
-                                    </p:animScale>
-                                    <p:animScale>
-                                      <p:cBhvr>
-                                        <p:cTn id="52" dur="166" decel="50000">
-                                          <p:stCondLst>
-                                            <p:cond delay="1668"/>
-                                          </p:stCondLst>
-                                        </p:cTn>
-                                        <p:tgtEl>
-                                          <p:spTgt spid="7"/>
-                                        </p:tgtEl>
-                                      </p:cBhvr>
-                                      <p:to x="100000" y="100000"/>
-                                    </p:animScale>
-                                    <p:animScale>
-                                      <p:cBhvr>
-                                        <p:cTn id="53" dur="26">
-                                          <p:stCondLst>
-                                            <p:cond delay="1808"/>
-                                          </p:stCondLst>
-                                        </p:cTn>
-                                        <p:tgtEl>
-                                          <p:spTgt spid="7"/>
-                                        </p:tgtEl>
-                                      </p:cBhvr>
-                                      <p:to x="100000" y="95000"/>
-                                    </p:animScale>
-                                    <p:animScale>
-                                      <p:cBhvr>
-                                        <p:cTn id="54" dur="166" decel="50000">
-                                          <p:stCondLst>
-                                            <p:cond delay="1834"/>
-                                          </p:stCondLst>
-                                        </p:cTn>
-                                        <p:tgtEl>
-                                          <p:spTgt spid="7"/>
-                                        </p:tgtEl>
-                                      </p:cBhvr>
-                                      <p:to x="100000" y="100000"/>
-                                    </p:animScale>
-                                  </p:childTnLst>
-                                </p:cTn>
-                              </p:par>
-                            </p:childTnLst>
-                          </p:cTn>
-                        </p:par>
-                      </p:childTnLst>
-                    </p:cTn>
-                  </p:par>
-                  <p:par>
-                    <p:cTn id="55" fill="hold">
-                      <p:stCondLst>
-                        <p:cond delay="indefinite"/>
-                      </p:stCondLst>
-                      <p:childTnLst>
-                        <p:par>
-                          <p:cTn id="56" fill="hold">
-                            <p:stCondLst>
-                              <p:cond delay="0"/>
-                            </p:stCondLst>
-                            <p:childTnLst>
-                              <p:par>
-                                <p:cTn id="57" presetID="10" presetClass="entr" presetSubtype="0" fill="hold" grpId="0" nodeType="clickEffect">
-                                  <p:stCondLst>
-                                    <p:cond delay="0"/>
-                                  </p:stCondLst>
-                                  <p:childTnLst>
-                                    <p:set>
-                                      <p:cBhvr>
-                                        <p:cTn id="58" dur="1" fill="hold">
-                                          <p:stCondLst>
-                                            <p:cond delay="0"/>
-                                          </p:stCondLst>
-                                        </p:cTn>
-                                        <p:tgtEl>
-                                          <p:spTgt spid="8"/>
-                                        </p:tgtEl>
-                                        <p:attrNameLst>
-                                          <p:attrName>style.visibility</p:attrName>
-                                        </p:attrNameLst>
-                                      </p:cBhvr>
-                                      <p:to>
-                                        <p:strVal val="visible"/>
-                                      </p:to>
-                                    </p:set>
-                                    <p:animEffect transition="in" filter="fade">
-                                      <p:cBhvr>
-                                        <p:cTn id="59" dur="500"/>
-                                        <p:tgtEl>
-                                          <p:spTgt spid="8"/>
-                                        </p:tgtEl>
-                                      </p:cBhvr>
-                                    </p:animEffect>
-                                  </p:childTnLst>
-                                </p:cTn>
-                              </p:par>
-                            </p:childTnLst>
-                          </p:cTn>
-                        </p:par>
-                      </p:childTnLst>
-                    </p:cTn>
-                  </p:par>
-                  <p:par>
-                    <p:cTn id="60" fill="hold">
-                      <p:stCondLst>
-                        <p:cond delay="indefinite"/>
-                      </p:stCondLst>
-                      <p:childTnLst>
-                        <p:par>
-                          <p:cTn id="61" fill="hold">
-                            <p:stCondLst>
-                              <p:cond delay="0"/>
-                            </p:stCondLst>
-                            <p:childTnLst>
-                              <p:par>
-                                <p:cTn id="62" presetID="26" presetClass="entr" presetSubtype="0" fill="hold" nodeType="clickEffect">
-                                  <p:stCondLst>
-                                    <p:cond delay="0"/>
-                                  </p:stCondLst>
-                                  <p:childTnLst>
-                                    <p:set>
-                                      <p:cBhvr>
-                                        <p:cTn id="63" dur="1" fill="hold">
-                                          <p:stCondLst>
-                                            <p:cond delay="0"/>
-                                          </p:stCondLst>
-                                        </p:cTn>
-                                        <p:tgtEl>
-                                          <p:spTgt spid="6"/>
-                                        </p:tgtEl>
-                                        <p:attrNameLst>
-                                          <p:attrName>style.visibility</p:attrName>
-                                        </p:attrNameLst>
-                                      </p:cBhvr>
-                                      <p:to>
-                                        <p:strVal val="visible"/>
-                                      </p:to>
-                                    </p:set>
-                                    <p:animEffect transition="in" filter="wipe(down)">
-                                      <p:cBhvr>
-                                        <p:cTn id="64" dur="580">
-                                          <p:stCondLst>
-                                            <p:cond delay="0"/>
-                                          </p:stCondLst>
-                                        </p:cTn>
-                                        <p:tgtEl>
-                                          <p:spTgt spid="6"/>
-                                        </p:tgtEl>
-                                      </p:cBhvr>
-                                    </p:animEffect>
-                                    <p:anim calcmode="lin" valueType="num">
-                                      <p:cBhvr>
-                                        <p:cTn id="65" dur="1822" tmFilter="0,0; 0.14,0.36; 0.43,0.73; 0.71,0.91; 1.0,1.0">
-                                          <p:stCondLst>
-                                            <p:cond delay="0"/>
-                                          </p:stCondLst>
-                                        </p:cTn>
-                                        <p:tgtEl>
-                                          <p:spTgt spid="6"/>
-                                        </p:tgtEl>
-                                        <p:attrNameLst>
-                                          <p:attrName>ppt_x</p:attrName>
-                                        </p:attrNameLst>
-                                      </p:cBhvr>
-                                      <p:tavLst>
-                                        <p:tav tm="0">
-                                          <p:val>
-                                            <p:strVal val="#ppt_x-0.25"/>
-                                          </p:val>
-                                        </p:tav>
-                                        <p:tav tm="100000">
-                                          <p:val>
-                                            <p:strVal val="#ppt_x"/>
-                                          </p:val>
-                                        </p:tav>
-                                      </p:tavLst>
-                                    </p:anim>
-                                    <p:anim calcmode="lin" valueType="num">
-                                      <p:cBhvr>
-                                        <p:cTn id="66" dur="664" tmFilter="0.0,0.0; 0.25,0.07; 0.50,0.2; 0.75,0.467; 1.0,1.0">
-                                          <p:stCondLst>
-                                            <p:cond delay="0"/>
-                                          </p:stCondLst>
-                                        </p:cTn>
-                                        <p:tgtEl>
-                                          <p:spTgt spid="6"/>
-                                        </p:tgtEl>
-                                        <p:attrNameLst>
-                                          <p:attrName>ppt_y</p:attrName>
-                                        </p:attrNameLst>
-                                      </p:cBhvr>
-                                      <p:tavLst>
-                                        <p:tav tm="0" fmla="#ppt_y-sin(pi*$)/3">
-                                          <p:val>
-                                            <p:fltVal val="0.5"/>
-                                          </p:val>
-                                        </p:tav>
-                                        <p:tav tm="100000">
-                                          <p:val>
-                                            <p:fltVal val="1"/>
-                                          </p:val>
-                                        </p:tav>
-                                      </p:tavLst>
-                                    </p:anim>
-                                    <p:anim calcmode="lin" valueType="num">
-                                      <p:cBhvr>
-                                        <p:cTn id="67" dur="664" tmFilter="0, 0; 0.125,0.2665; 0.25,0.4; 0.375,0.465; 0.5,0.5;  0.625,0.535; 0.75,0.6; 0.875,0.7335; 1,1">
-                                          <p:stCondLst>
-                                            <p:cond delay="664"/>
-                                          </p:stCondLst>
-                                        </p:cTn>
-                                        <p:tgtEl>
-                                          <p:spTgt spid="6"/>
-                                        </p:tgtEl>
-                                        <p:attrNameLst>
-                                          <p:attrName>ppt_y</p:attrName>
-                                        </p:attrNameLst>
-                                      </p:cBhvr>
-                                      <p:tavLst>
-                                        <p:tav tm="0" fmla="#ppt_y-sin(pi*$)/9">
-                                          <p:val>
-                                            <p:fltVal val="0"/>
-                                          </p:val>
-                                        </p:tav>
-                                        <p:tav tm="100000">
-                                          <p:val>
-                                            <p:fltVal val="1"/>
-                                          </p:val>
-                                        </p:tav>
-                                      </p:tavLst>
-                                    </p:anim>
-                                    <p:anim calcmode="lin" valueType="num">
-                                      <p:cBhvr>
-                                        <p:cTn id="68" dur="332" tmFilter="0, 0; 0.125,0.2665; 0.25,0.4; 0.375,0.465; 0.5,0.5;  0.625,0.535; 0.75,0.6; 0.875,0.7335; 1,1">
-                                          <p:stCondLst>
-                                            <p:cond delay="1324"/>
-                                          </p:stCondLst>
-                                        </p:cTn>
-                                        <p:tgtEl>
-                                          <p:spTgt spid="6"/>
-                                        </p:tgtEl>
-                                        <p:attrNameLst>
-                                          <p:attrName>ppt_y</p:attrName>
-                                        </p:attrNameLst>
-                                      </p:cBhvr>
-                                      <p:tavLst>
-                                        <p:tav tm="0" fmla="#ppt_y-sin(pi*$)/27">
-                                          <p:val>
-                                            <p:fltVal val="0"/>
-                                          </p:val>
-                                        </p:tav>
-                                        <p:tav tm="100000">
-                                          <p:val>
-                                            <p:fltVal val="1"/>
-                                          </p:val>
-                                        </p:tav>
-                                      </p:tavLst>
-                                    </p:anim>
-                                    <p:anim calcmode="lin" valueType="num">
-                                      <p:cBhvr>
-                                        <p:cTn id="69" dur="164" tmFilter="0, 0; 0.125,0.2665; 0.25,0.4; 0.375,0.465; 0.5,0.5;  0.625,0.535; 0.75,0.6; 0.875,0.7335; 1,1">
-                                          <p:stCondLst>
-                                            <p:cond delay="1656"/>
-                                          </p:stCondLst>
-                                        </p:cTn>
-                                        <p:tgtEl>
-                                          <p:spTgt spid="6"/>
-                                        </p:tgtEl>
-                                        <p:attrNameLst>
-                                          <p:attrName>ppt_y</p:attrName>
-                                        </p:attrNameLst>
-                                      </p:cBhvr>
-                                      <p:tavLst>
-                                        <p:tav tm="0" fmla="#ppt_y-sin(pi*$)/81">
-                                          <p:val>
-                                            <p:fltVal val="0"/>
-                                          </p:val>
-                                        </p:tav>
-                                        <p:tav tm="100000">
-                                          <p:val>
-                                            <p:fltVal val="1"/>
-                                          </p:val>
-                                        </p:tav>
-                                      </p:tavLst>
-                                    </p:anim>
-                                    <p:animScale>
-                                      <p:cBhvr>
-                                        <p:cTn id="70" dur="26">
-                                          <p:stCondLst>
-                                            <p:cond delay="650"/>
-                                          </p:stCondLst>
-                                        </p:cTn>
-                                        <p:tgtEl>
-                                          <p:spTgt spid="6"/>
-                                        </p:tgtEl>
-                                      </p:cBhvr>
-                                      <p:to x="100000" y="60000"/>
-                                    </p:animScale>
-                                    <p:animScale>
-                                      <p:cBhvr>
-                                        <p:cTn id="71" dur="166" decel="50000">
-                                          <p:stCondLst>
-                                            <p:cond delay="676"/>
-                                          </p:stCondLst>
-                                        </p:cTn>
-                                        <p:tgtEl>
-                                          <p:spTgt spid="6"/>
-                                        </p:tgtEl>
-                                      </p:cBhvr>
-                                      <p:to x="100000" y="100000"/>
-                                    </p:animScale>
-                                    <p:animScale>
-                                      <p:cBhvr>
-                                        <p:cTn id="72" dur="26">
-                                          <p:stCondLst>
-                                            <p:cond delay="1312"/>
-                                          </p:stCondLst>
-                                        </p:cTn>
-                                        <p:tgtEl>
-                                          <p:spTgt spid="6"/>
-                                        </p:tgtEl>
-                                      </p:cBhvr>
-                                      <p:to x="100000" y="80000"/>
-                                    </p:animScale>
-                                    <p:animScale>
-                                      <p:cBhvr>
-                                        <p:cTn id="73" dur="166" decel="50000">
-                                          <p:stCondLst>
-                                            <p:cond delay="1338"/>
-                                          </p:stCondLst>
-                                        </p:cTn>
-                                        <p:tgtEl>
-                                          <p:spTgt spid="6"/>
-                                        </p:tgtEl>
-                                      </p:cBhvr>
-                                      <p:to x="100000" y="100000"/>
-                                    </p:animScale>
-                                    <p:animScale>
-                                      <p:cBhvr>
-                                        <p:cTn id="74" dur="26">
-                                          <p:stCondLst>
-                                            <p:cond delay="1642"/>
-                                          </p:stCondLst>
-                                        </p:cTn>
-                                        <p:tgtEl>
-                                          <p:spTgt spid="6"/>
-                                        </p:tgtEl>
-                                      </p:cBhvr>
-                                      <p:to x="100000" y="90000"/>
-                                    </p:animScale>
-                                    <p:animScale>
-                                      <p:cBhvr>
-                                        <p:cTn id="75" dur="166" decel="50000">
-                                          <p:stCondLst>
-                                            <p:cond delay="1668"/>
-                                          </p:stCondLst>
-                                        </p:cTn>
-                                        <p:tgtEl>
-                                          <p:spTgt spid="6"/>
-                                        </p:tgtEl>
-                                      </p:cBhvr>
-                                      <p:to x="100000" y="100000"/>
-                                    </p:animScale>
-                                    <p:animScale>
-                                      <p:cBhvr>
-                                        <p:cTn id="76" dur="26">
-                                          <p:stCondLst>
-                                            <p:cond delay="1808"/>
-                                          </p:stCondLst>
-                                        </p:cTn>
-                                        <p:tgtEl>
-                                          <p:spTgt spid="6"/>
-                                        </p:tgtEl>
-                                      </p:cBhvr>
-                                      <p:to x="100000" y="95000"/>
-                                    </p:animScale>
-                                    <p:animScale>
-                                      <p:cBhvr>
-                                        <p:cTn id="77" dur="166" decel="50000">
-                                          <p:stCondLst>
-                                            <p:cond delay="1834"/>
-                                          </p:stCondLst>
-                                        </p:cTn>
-                                        <p:tgtEl>
-                                          <p:spTgt spid="6"/>
-                                        </p:tgtEl>
-                                      </p:cBhvr>
-                                      <p:to x="100000" y="100000"/>
-                                    </p:animScale>
-                                  </p:childTnLst>
-                                </p:cTn>
-                              </p:par>
-                            </p:childTnLst>
-                          </p:cTn>
-                        </p:par>
-                      </p:childTnLst>
-                    </p:cTn>
-                  </p:par>
-                  <p:par>
-                    <p:cTn id="78" fill="hold">
-                      <p:stCondLst>
-                        <p:cond delay="indefinite"/>
-                      </p:stCondLst>
-                      <p:childTnLst>
-                        <p:par>
-                          <p:cTn id="79" fill="hold">
-                            <p:stCondLst>
-                              <p:cond delay="0"/>
-                            </p:stCondLst>
-                            <p:childTnLst>
-                              <p:par>
-                                <p:cTn id="80" presetID="10" presetClass="entr" presetSubtype="0" fill="hold" grpId="0" nodeType="clickEffect">
-                                  <p:stCondLst>
-                                    <p:cond delay="0"/>
-                                  </p:stCondLst>
-                                  <p:childTnLst>
-                                    <p:set>
-                                      <p:cBhvr>
-                                        <p:cTn id="81" dur="1" fill="hold">
-                                          <p:stCondLst>
-                                            <p:cond delay="0"/>
-                                          </p:stCondLst>
-                                        </p:cTn>
-                                        <p:tgtEl>
-                                          <p:spTgt spid="9"/>
-                                        </p:tgtEl>
-                                        <p:attrNameLst>
-                                          <p:attrName>style.visibility</p:attrName>
-                                        </p:attrNameLst>
-                                      </p:cBhvr>
-                                      <p:to>
-                                        <p:strVal val="visible"/>
-                                      </p:to>
-                                    </p:set>
-                                    <p:animEffect transition="in" filter="fade">
-                                      <p:cBhvr>
-                                        <p:cTn id="82" dur="500"/>
-                                        <p:tgtEl>
-                                          <p:spTgt spid="9"/>
-                                        </p:tgtEl>
-                                      </p:cBhvr>
-                                    </p:animEffect>
-                                  </p:childTnLst>
-                                </p:cTn>
-                              </p:par>
-                            </p:childTnLst>
-                          </p:cTn>
-                        </p:par>
-                      </p:childTnLst>
-                    </p:cTn>
-                  </p:par>
-                </p:childTnLst>
-              </p:cTn>
-              <p:prevCondLst>
-                <p:cond evt="onPrev" delay="0">
-                  <p:tgtEl>
-                    <p:sldTgt/>
-                  </p:tgtEl>
-                </p:cond>
-              </p:prevCondLst>
-              <p:nextCondLst>
-                <p:cond evt="onNext" delay="0">
-                  <p:tgtEl>
-                    <p:sldTgt/>
-                  </p:tgtEl>
-                </p:cond>
-              </p:nextCondLst>
-            </p:seq>
-          </p:childTnLst>
-        </p:cTn>
+        <p:cTn id="1" dur="indefinite" restart="never" nodeType="tmRoot"/>
       </p:par>
     </p:tnLst>
-    <p:bldLst>
-      <p:bldP spid="8" grpId="0"/>
-      <p:bldP spid="9" grpId="0"/>
-    </p:bldLst>
   </p:timing>
 </p:sld>
 </file>
@@ -12712,46 +9583,8 @@
         </p:nvSpPr>
         <p:spPr>
           <a:xfrm>
-            <a:off x="114301" y="1"/>
-            <a:ext cx="3534508" cy="603504"/>
-          </a:xfrm>
-        </p:spPr>
-        <p:txBody>
-          <a:bodyPr>
-            <a:normAutofit fontScale="90000"/>
-          </a:bodyPr>
-          <a:lstStyle/>
-          <a:p>
-            <a:r>
-              <a:rPr lang="en-US" altLang="ja-JP" dirty="0" smtClean="0"/>
-              <a:t>Special</a:t>
-            </a:r>
-            <a:r>
-              <a:rPr lang="ja-JP" altLang="en-US" dirty="0"/>
-              <a:t> </a:t>
-            </a:r>
-            <a:r>
-              <a:rPr lang="en-US" altLang="ja-JP" dirty="0" smtClean="0"/>
-              <a:t>Thanks</a:t>
-            </a:r>
-            <a:endParaRPr kumimoji="1" lang="ja-JP" altLang="en-US" dirty="0"/>
-          </a:p>
-        </p:txBody>
-      </p:sp>
-      <p:sp>
-        <p:nvSpPr>
-          <p:cNvPr id="3" name="コンテンツ プレースホルダー 2"/>
-          <p:cNvSpPr>
-            <a:spLocks noGrp="1"/>
-          </p:cNvSpPr>
-          <p:nvPr>
-            <p:ph idx="1"/>
-          </p:nvPr>
-        </p:nvSpPr>
-        <p:spPr>
-          <a:xfrm>
-            <a:off x="114301" y="931984"/>
-            <a:ext cx="9951594" cy="3666393"/>
+            <a:off x="3509011" y="2700867"/>
+            <a:ext cx="5173979" cy="1456267"/>
           </a:xfrm>
         </p:spPr>
         <p:txBody>
@@ -12761,226 +9594,23 @@
           <a:lstStyle/>
           <a:p>
             <a:r>
-              <a:rPr lang="ja-JP" altLang="en-US" dirty="0" smtClean="0"/>
-              <a:t>魔王魂様</a:t>
-            </a:r>
-            <a:r>
-              <a:rPr lang="en-US" altLang="ja-JP" dirty="0" smtClean="0"/>
-              <a:t>	https</a:t>
-            </a:r>
-            <a:r>
-              <a:rPr lang="en-US" altLang="ja-JP" dirty="0"/>
-              <a:t>://maoudamashii.jokersounds.com</a:t>
-            </a:r>
-            <a:r>
-              <a:rPr lang="en-US" altLang="ja-JP" dirty="0" smtClean="0"/>
-              <a:t>/</a:t>
-            </a:r>
-            <a:endParaRPr lang="ja-JP" altLang="en-US" dirty="0"/>
-          </a:p>
-          <a:p>
-            <a:pPr marL="0" indent="0">
-              <a:buNone/>
-            </a:pPr>
-            <a:r>
-              <a:rPr lang="en-US" altLang="ja-JP" dirty="0" smtClean="0"/>
-              <a:t>	</a:t>
-            </a:r>
-            <a:r>
-              <a:rPr lang="ja-JP" altLang="en-US" dirty="0" smtClean="0"/>
-              <a:t>・効果音、</a:t>
-            </a:r>
-            <a:r>
-              <a:rPr lang="en-US" altLang="ja-JP" dirty="0" smtClean="0"/>
-              <a:t>OP</a:t>
-            </a:r>
-            <a:r>
-              <a:rPr lang="ja-JP" altLang="en-US" dirty="0" err="1" smtClean="0"/>
-              <a:t>、</a:t>
-            </a:r>
-            <a:r>
-              <a:rPr lang="en-US" altLang="ja-JP" dirty="0" smtClean="0"/>
-              <a:t>ED</a:t>
-            </a:r>
-            <a:endParaRPr lang="ja-JP" altLang="en-US" dirty="0"/>
-          </a:p>
-          <a:p>
-            <a:r>
-              <a:rPr lang="en-US" altLang="ja-JP" dirty="0"/>
-              <a:t>On-</a:t>
-            </a:r>
-            <a:r>
-              <a:rPr lang="en-US" altLang="ja-JP" dirty="0" err="1"/>
-              <a:t>Jin</a:t>
-            </a:r>
-            <a:r>
-              <a:rPr lang="en-US" altLang="ja-JP" dirty="0"/>
-              <a:t> </a:t>
-            </a:r>
-            <a:r>
-              <a:rPr lang="ja-JP" altLang="en-US" dirty="0"/>
-              <a:t>～音人</a:t>
-            </a:r>
-            <a:r>
-              <a:rPr lang="ja-JP" altLang="en-US" dirty="0" smtClean="0"/>
-              <a:t>～様</a:t>
-            </a:r>
-            <a:r>
-              <a:rPr lang="en-US" altLang="ja-JP" dirty="0" smtClean="0"/>
-              <a:t>	https</a:t>
-            </a:r>
-            <a:r>
-              <a:rPr lang="en-US" altLang="ja-JP" dirty="0"/>
-              <a:t>://on-jin.com/</a:t>
-            </a:r>
-          </a:p>
-          <a:p>
-            <a:pPr marL="0" indent="0">
-              <a:buNone/>
-            </a:pPr>
-            <a:r>
-              <a:rPr lang="en-US" altLang="ja-JP" dirty="0" smtClean="0"/>
-              <a:t>	</a:t>
-            </a:r>
-            <a:r>
-              <a:rPr lang="ja-JP" altLang="en-US" dirty="0" smtClean="0"/>
-              <a:t>・効果音</a:t>
-            </a:r>
-            <a:endParaRPr lang="en-US" altLang="ja-JP" dirty="0"/>
-          </a:p>
-          <a:p>
-            <a:r>
-              <a:rPr lang="en-US" altLang="ja-JP" dirty="0" smtClean="0"/>
-              <a:t>DOVA-SYNDROME</a:t>
-            </a:r>
-            <a:r>
-              <a:rPr lang="ja-JP" altLang="en-US" dirty="0" smtClean="0"/>
-              <a:t>様</a:t>
-            </a:r>
-            <a:r>
-              <a:rPr lang="en-US" altLang="ja-JP" dirty="0" smtClean="0"/>
-              <a:t>	https</a:t>
-            </a:r>
-            <a:r>
-              <a:rPr lang="en-US" altLang="ja-JP" dirty="0"/>
-              <a:t>://dova-s.jp/</a:t>
-            </a:r>
-          </a:p>
-          <a:p>
-            <a:pPr marL="0" indent="0">
-              <a:buNone/>
-            </a:pPr>
-            <a:r>
-              <a:rPr lang="en-US" altLang="ja-JP" dirty="0" smtClean="0"/>
-              <a:t>	</a:t>
-            </a:r>
-            <a:r>
-              <a:rPr lang="ja-JP" altLang="en-US" dirty="0" smtClean="0"/>
-              <a:t>・ゲーム中</a:t>
-            </a:r>
-            <a:r>
-              <a:rPr lang="en-US" altLang="ja-JP" dirty="0" smtClean="0"/>
-              <a:t>BGM,</a:t>
-            </a:r>
-            <a:r>
-              <a:rPr lang="ja-JP" altLang="en-US" dirty="0" smtClean="0"/>
-              <a:t>効果音</a:t>
-            </a:r>
-            <a:endParaRPr lang="ja-JP" altLang="en-US" dirty="0"/>
-          </a:p>
-          <a:p>
-            <a:r>
-              <a:rPr lang="ja-JP" altLang="en-US" dirty="0"/>
-              <a:t>無料効果音で遊ぼう</a:t>
-            </a:r>
-            <a:r>
-              <a:rPr lang="ja-JP" altLang="en-US" dirty="0" smtClean="0"/>
-              <a:t>！様</a:t>
-            </a:r>
-            <a:r>
-              <a:rPr lang="ja-JP" altLang="en-US" dirty="0"/>
-              <a:t>　</a:t>
-            </a:r>
-            <a:r>
-              <a:rPr lang="en-US" altLang="ja-JP" dirty="0" smtClean="0"/>
-              <a:t>https</a:t>
-            </a:r>
-            <a:r>
-              <a:rPr lang="en-US" altLang="ja-JP" dirty="0"/>
-              <a:t>://taira-komori.jpn.org/ </a:t>
-            </a:r>
-          </a:p>
-          <a:p>
-            <a:pPr marL="0" indent="0">
-              <a:buNone/>
-            </a:pPr>
-            <a:r>
-              <a:rPr lang="en-US" altLang="ja-JP" dirty="0" smtClean="0"/>
-              <a:t>	</a:t>
-            </a:r>
-            <a:r>
-              <a:rPr lang="ja-JP" altLang="en-US" dirty="0" smtClean="0"/>
-              <a:t>・効果音</a:t>
-            </a:r>
-            <a:endParaRPr lang="ja-JP" altLang="en-US" dirty="0"/>
-          </a:p>
-          <a:p>
-            <a:endParaRPr lang="en-US" altLang="ja-JP" dirty="0"/>
-          </a:p>
-        </p:txBody>
-      </p:sp>
-      <p:pic>
-        <p:nvPicPr>
-          <p:cNvPr id="4" name="図 3"/>
-          <p:cNvPicPr>
-            <a:picLocks noChangeAspect="1"/>
-          </p:cNvPicPr>
-          <p:nvPr/>
-        </p:nvPicPr>
-        <p:blipFill>
-          <a:blip r:embed="rId2">
-            <a:extLst>
-              <a:ext uri="{28A0092B-C50C-407E-A947-70E740481C1C}">
-                <a14:useLocalDpi xmlns:a14="http://schemas.microsoft.com/office/drawing/2010/main" val="0"/>
-              </a:ext>
-            </a:extLst>
-          </a:blip>
-          <a:stretch>
-            <a:fillRect/>
-          </a:stretch>
-        </p:blipFill>
-        <p:spPr>
-          <a:xfrm>
-            <a:off x="8999855" y="4148455"/>
-            <a:ext cx="2381250" cy="2381250"/>
-          </a:xfrm>
-          <a:prstGeom prst="rect">
-            <a:avLst/>
-          </a:prstGeom>
-        </p:spPr>
-      </p:pic>
+              <a:rPr kumimoji="1" lang="ja-JP" altLang="en-US" sz="4000" dirty="0" smtClean="0"/>
+              <a:t>ありがとうございました。</a:t>
+            </a:r>
+            <a:endParaRPr kumimoji="1" lang="ja-JP" altLang="en-US" sz="4000" dirty="0"/>
+          </a:p>
+        </p:txBody>
+      </p:sp>
     </p:spTree>
     <p:extLst>
       <p:ext uri="{BB962C8B-B14F-4D97-AF65-F5344CB8AC3E}">
-        <p14:creationId xmlns:p14="http://schemas.microsoft.com/office/powerpoint/2010/main" val="322384542"/>
+        <p14:creationId xmlns:p14="http://schemas.microsoft.com/office/powerpoint/2010/main" val="2802081049"/>
       </p:ext>
     </p:extLst>
   </p:cSld>
   <p:clrMapOvr>
     <a:masterClrMapping/>
   </p:clrMapOvr>
-  <mc:AlternateContent xmlns:mc="http://schemas.openxmlformats.org/markup-compatibility/2006">
-    <mc:Choice xmlns:p14="http://schemas.microsoft.com/office/powerpoint/2010/main" Requires="p14">
-      <p:transition spd="slow" p14:dur="2000">
-        <p14:ferris dir="l"/>
-      </p:transition>
-    </mc:Choice>
-    <mc:Fallback>
-      <p:transition spd="slow">
-        <p:fade/>
-      </p:transition>
-    </mc:Fallback>
-  </mc:AlternateContent>
   <p:timing>
     <p:tnLst>
       <p:par>
